--- a/ppt/ch8.pptx
+++ b/ppt/ch8.pptx
@@ -175,7 +175,7 @@
   </p:defaultTextStyle>
   <p:extLst>
     <p:ext uri="{EFAFB233-063F-42B5-8137-9DF3F51BA10A}">
-      <p15:sldGuideLst xmlns:p15="http://schemas.microsoft.com/office/powerpoint/2012/main" xmlns="">
+      <p15:sldGuideLst xmlns:p15="http://schemas.microsoft.com/office/powerpoint/2012/main">
         <p15:guide id="1" orient="horz" pos="2160">
           <p15:clr>
             <a:srgbClr val="A4A3A4"/>
@@ -274,7 +274,7 @@
           <a:p>
             <a:fld id="{BD44292E-5126-46A5-9121-AA1AFBC221D9}" type="datetimeFigureOut">
               <a:rPr lang="zh-CN" altLang="en-US" smtClean="0"/>
-              <a:t>17/6/13</a:t>
+              <a:t>2018/11/14</a:t>
             </a:fld>
             <a:endParaRPr lang="zh-CN" altLang="en-US"/>
           </a:p>
@@ -3494,7 +3494,7 @@
               <a:pPr>
                 <a:defRPr/>
               </a:pPr>
-              <a:t>17/6/13</a:t>
+              <a:t>2018/11/14</a:t>
             </a:fld>
             <a:endParaRPr lang="zh-CN" altLang="en-US"/>
           </a:p>
@@ -3686,7 +3686,7 @@
               <a:pPr>
                 <a:defRPr/>
               </a:pPr>
-              <a:t>17/6/13</a:t>
+              <a:t>2018/11/14</a:t>
             </a:fld>
             <a:endParaRPr lang="zh-CN" altLang="en-US"/>
           </a:p>
@@ -3888,7 +3888,7 @@
               <a:pPr>
                 <a:defRPr/>
               </a:pPr>
-              <a:t>17/6/13</a:t>
+              <a:t>2018/11/14</a:t>
             </a:fld>
             <a:endParaRPr lang="zh-CN" altLang="en-US"/>
           </a:p>
@@ -4080,7 +4080,7 @@
               <a:pPr>
                 <a:defRPr/>
               </a:pPr>
-              <a:t>17/6/13</a:t>
+              <a:t>2018/11/14</a:t>
             </a:fld>
             <a:endParaRPr lang="zh-CN" altLang="en-US"/>
           </a:p>
@@ -4348,7 +4348,7 @@
               <a:pPr>
                 <a:defRPr/>
               </a:pPr>
-              <a:t>17/6/13</a:t>
+              <a:t>2018/11/14</a:t>
             </a:fld>
             <a:endParaRPr lang="zh-CN" altLang="en-US"/>
           </a:p>
@@ -4602,7 +4602,7 @@
               <a:pPr>
                 <a:defRPr/>
               </a:pPr>
-              <a:t>17/6/13</a:t>
+              <a:t>2018/11/14</a:t>
             </a:fld>
             <a:endParaRPr lang="zh-CN" altLang="en-US"/>
           </a:p>
@@ -4991,7 +4991,7 @@
               <a:pPr>
                 <a:defRPr/>
               </a:pPr>
-              <a:t>17/6/13</a:t>
+              <a:t>2018/11/14</a:t>
             </a:fld>
             <a:endParaRPr lang="zh-CN" altLang="en-US"/>
           </a:p>
@@ -5131,7 +5131,7 @@
               <a:pPr>
                 <a:defRPr/>
               </a:pPr>
-              <a:t>17/6/13</a:t>
+              <a:t>2018/11/14</a:t>
             </a:fld>
             <a:endParaRPr lang="zh-CN" altLang="en-US"/>
           </a:p>
@@ -5248,7 +5248,7 @@
               <a:pPr>
                 <a:defRPr/>
               </a:pPr>
-              <a:t>17/6/13</a:t>
+              <a:t>2018/11/14</a:t>
             </a:fld>
             <a:endParaRPr lang="zh-CN" altLang="en-US"/>
           </a:p>
@@ -5547,7 +5547,7 @@
               <a:pPr>
                 <a:defRPr/>
               </a:pPr>
-              <a:t>17/6/13</a:t>
+              <a:t>2018/11/14</a:t>
             </a:fld>
             <a:endParaRPr lang="zh-CN" altLang="en-US"/>
           </a:p>
@@ -5825,7 +5825,7 @@
               <a:pPr>
                 <a:defRPr/>
               </a:pPr>
-              <a:t>17/6/13</a:t>
+              <a:t>2018/11/14</a:t>
             </a:fld>
             <a:endParaRPr lang="zh-CN" altLang="en-US"/>
           </a:p>
@@ -6088,7 +6088,7 @@
               <a:pPr>
                 <a:defRPr/>
               </a:pPr>
-              <a:t>17/6/13</a:t>
+              <a:t>2018/11/14</a:t>
             </a:fld>
             <a:endParaRPr lang="zh-CN" altLang="en-US"/>
           </a:p>
@@ -6826,7 +6826,7 @@
         <p:spPr bwMode="auto">
           <a:xfrm>
             <a:off x="5081588" y="4983747"/>
-            <a:ext cx="1618853" cy="400110"/>
+            <a:ext cx="1798890" cy="400110"/>
           </a:xfrm>
           <a:prstGeom prst="rect">
             <a:avLst/>
@@ -6856,7 +6856,7 @@
               <a:t>教师</a:t>
             </a:r>
             <a:r>
-              <a:rPr lang="zh-CN" altLang="en-US" sz="2000" dirty="0" smtClean="0">
+              <a:rPr lang="zh-CN" altLang="en-US" sz="2000" smtClean="0">
                 <a:solidFill>
                   <a:schemeClr val="bg1"/>
                 </a:solidFill>
@@ -6866,14 +6866,24 @@
               <a:t>：</a:t>
             </a:r>
             <a:r>
-              <a:rPr lang="zh-CN" altLang="en-US" sz="2000" dirty="0" smtClean="0">
+              <a:rPr lang="zh-CN" altLang="en-US" sz="2000" smtClean="0">
                 <a:solidFill>
                   <a:schemeClr val="bg1"/>
                 </a:solidFill>
                 <a:latin typeface="微软雅黑" pitchFamily="34" charset="-122"/>
                 <a:ea typeface="微软雅黑" pitchFamily="34" charset="-122"/>
               </a:rPr>
-              <a:t>张  衡 </a:t>
+              <a:t>代立云</a:t>
+            </a:r>
+            <a:r>
+              <a:rPr lang="zh-CN" altLang="en-US" sz="2000" smtClean="0">
+                <a:solidFill>
+                  <a:schemeClr val="bg1"/>
+                </a:solidFill>
+                <a:latin typeface="微软雅黑" pitchFamily="34" charset="-122"/>
+                <a:ea typeface="微软雅黑" pitchFamily="34" charset="-122"/>
+              </a:rPr>
+              <a:t> </a:t>
             </a:r>
             <a:endParaRPr lang="zh-CN" altLang="en-US" sz="2000" dirty="0">
               <a:solidFill>
@@ -7376,7 +7386,7 @@
           </a:ln>
           <a:extLst>
             <a:ext uri="{91240B29-F687-4f45-9708-019B960494DF}">
-              <a14:hiddenLine xmlns:a14="http://schemas.microsoft.com/office/drawing/2010/main" w="12700" cap="flat" cmpd="sng">
+              <a14:hiddenLine xmlns:a14="http://schemas.microsoft.com/office/drawing/2010/main" xmlns="" w="12700" cap="flat" cmpd="sng">
                 <a:solidFill>
                   <a:srgbClr val="42719B"/>
                 </a:solidFill>
@@ -7515,7 +7525,7 @@
   <p:timing>
     <p:tnLst>
       <p:par>
-        <p:cTn xmlns:p14="http://schemas.microsoft.com/office/powerpoint/2010/main" id="1" dur="indefinite" restart="never" nodeType="tmRoot"/>
+        <p:cTn id="1" dur="indefinite" restart="never" nodeType="tmRoot"/>
       </p:par>
     </p:tnLst>
   </p:timing>
@@ -8252,7 +8262,7 @@
   <p:timing>
     <p:tnLst>
       <p:par>
-        <p:cTn xmlns:p14="http://schemas.microsoft.com/office/powerpoint/2010/main" id="1" dur="indefinite" restart="never" nodeType="tmRoot"/>
+        <p:cTn id="1" dur="indefinite" restart="never" nodeType="tmRoot"/>
       </p:par>
     </p:tnLst>
   </p:timing>
@@ -8806,7 +8816,7 @@
           <a:effectLst/>
           <a:extLst>
             <a:ext uri="{91240B29-F687-4f45-9708-019B960494DF}">
-              <a14:hiddenLine xmlns:a14="http://schemas.microsoft.com/office/drawing/2010/main" w="9525">
+              <a14:hiddenLine xmlns:a14="http://schemas.microsoft.com/office/drawing/2010/main" xmlns="" w="9525">
                 <a:solidFill>
                   <a:schemeClr val="tx1"/>
                 </a:solidFill>
@@ -8816,7 +8826,7 @@
               </a14:hiddenLine>
             </a:ext>
             <a:ext uri="{AF507438-7753-43e0-B8FC-AC1667EBCBE1}">
-              <a14:hiddenEffects xmlns:a14="http://schemas.microsoft.com/office/drawing/2010/main">
+              <a14:hiddenEffects xmlns:a14="http://schemas.microsoft.com/office/drawing/2010/main" xmlns="">
                 <a:effectLst>
                   <a:outerShdw dist="35921" dir="2700000" algn="ctr" rotWithShape="0">
                     <a:schemeClr val="bg2"/>
@@ -9808,7 +9818,7 @@
           <a:effectLst/>
           <a:extLst>
             <a:ext uri="{91240B29-F687-4f45-9708-019B960494DF}">
-              <a14:hiddenLine xmlns:a14="http://schemas.microsoft.com/office/drawing/2010/main" w="9525">
+              <a14:hiddenLine xmlns:a14="http://schemas.microsoft.com/office/drawing/2010/main" xmlns="" w="9525">
                 <a:solidFill>
                   <a:schemeClr val="tx1"/>
                 </a:solidFill>
@@ -9818,7 +9828,7 @@
               </a14:hiddenLine>
             </a:ext>
             <a:ext uri="{AF507438-7753-43e0-B8FC-AC1667EBCBE1}">
-              <a14:hiddenEffects xmlns:a14="http://schemas.microsoft.com/office/drawing/2010/main">
+              <a14:hiddenEffects xmlns:a14="http://schemas.microsoft.com/office/drawing/2010/main" xmlns="">
                 <a:effectLst>
                   <a:outerShdw dist="35921" dir="2700000" algn="ctr" rotWithShape="0">
                     <a:schemeClr val="bg2"/>
@@ -10328,7 +10338,7 @@
   <p:timing>
     <p:tnLst>
       <p:par>
-        <p:cTn xmlns:p14="http://schemas.microsoft.com/office/powerpoint/2010/main" id="1" dur="indefinite" restart="never" nodeType="tmRoot"/>
+        <p:cTn id="1" dur="indefinite" restart="never" nodeType="tmRoot"/>
       </p:par>
     </p:tnLst>
   </p:timing>
@@ -11042,7 +11052,7 @@
           <a:effectLst/>
           <a:extLst>
             <a:ext uri="{91240B29-F687-4f45-9708-019B960494DF}">
-              <a14:hiddenLine xmlns:a14="http://schemas.microsoft.com/office/drawing/2010/main" w="9525">
+              <a14:hiddenLine xmlns:a14="http://schemas.microsoft.com/office/drawing/2010/main" xmlns="" w="9525">
                 <a:solidFill>
                   <a:schemeClr val="tx1"/>
                 </a:solidFill>
@@ -11052,7 +11062,7 @@
               </a14:hiddenLine>
             </a:ext>
             <a:ext uri="{AF507438-7753-43e0-B8FC-AC1667EBCBE1}">
-              <a14:hiddenEffects xmlns:a14="http://schemas.microsoft.com/office/drawing/2010/main">
+              <a14:hiddenEffects xmlns:a14="http://schemas.microsoft.com/office/drawing/2010/main" xmlns="">
                 <a:effectLst>
                   <a:outerShdw dist="35921" dir="2700000" algn="ctr" rotWithShape="0">
                     <a:schemeClr val="bg2"/>
@@ -11241,7 +11251,7 @@
   <p:timing>
     <p:tnLst>
       <p:par>
-        <p:cTn xmlns:p14="http://schemas.microsoft.com/office/powerpoint/2010/main" id="1" dur="indefinite" restart="never" nodeType="tmRoot"/>
+        <p:cTn id="1" dur="indefinite" restart="never" nodeType="tmRoot"/>
       </p:par>
     </p:tnLst>
   </p:timing>
@@ -11678,7 +11688,7 @@
           <a:effectLst/>
           <a:extLst>
             <a:ext uri="{91240B29-F687-4f45-9708-019B960494DF}">
-              <a14:hiddenLine xmlns:a14="http://schemas.microsoft.com/office/drawing/2010/main" w="9525">
+              <a14:hiddenLine xmlns:a14="http://schemas.microsoft.com/office/drawing/2010/main" xmlns="" w="9525">
                 <a:solidFill>
                   <a:schemeClr val="tx1"/>
                 </a:solidFill>
@@ -11688,7 +11698,7 @@
               </a14:hiddenLine>
             </a:ext>
             <a:ext uri="{AF507438-7753-43e0-B8FC-AC1667EBCBE1}">
-              <a14:hiddenEffects xmlns:a14="http://schemas.microsoft.com/office/drawing/2010/main">
+              <a14:hiddenEffects xmlns:a14="http://schemas.microsoft.com/office/drawing/2010/main" xmlns="">
                 <a:effectLst>
                   <a:outerShdw dist="35921" dir="2700000" algn="ctr" rotWithShape="0">
                     <a:schemeClr val="bg2"/>
@@ -12207,7 +12217,7 @@
   <p:timing>
     <p:tnLst>
       <p:par>
-        <p:cTn xmlns:p14="http://schemas.microsoft.com/office/powerpoint/2010/main" id="1" dur="indefinite" restart="never" nodeType="tmRoot"/>
+        <p:cTn id="1" dur="indefinite" restart="never" nodeType="tmRoot"/>
       </p:par>
     </p:tnLst>
   </p:timing>
@@ -12526,7 +12536,7 @@
   <p:timing>
     <p:tnLst>
       <p:par>
-        <p:cTn xmlns:p14="http://schemas.microsoft.com/office/powerpoint/2010/main" id="1" dur="indefinite" restart="never" nodeType="tmRoot"/>
+        <p:cTn id="1" dur="indefinite" restart="never" nodeType="tmRoot"/>
       </p:par>
     </p:tnLst>
   </p:timing>
@@ -13231,7 +13241,7 @@
   <p:timing>
     <p:tnLst>
       <p:par>
-        <p:cTn xmlns:p14="http://schemas.microsoft.com/office/powerpoint/2010/main" id="1" dur="indefinite" restart="never" nodeType="tmRoot"/>
+        <p:cTn id="1" dur="indefinite" restart="never" nodeType="tmRoot"/>
       </p:par>
     </p:tnLst>
   </p:timing>
@@ -13452,7 +13462,7 @@
           <a:effectLst/>
           <a:extLst>
             <a:ext uri="{91240B29-F687-4f45-9708-019B960494DF}">
-              <a14:hiddenLine xmlns:a14="http://schemas.microsoft.com/office/drawing/2010/main" w="9525">
+              <a14:hiddenLine xmlns:a14="http://schemas.microsoft.com/office/drawing/2010/main" xmlns="" w="9525">
                 <a:solidFill>
                   <a:schemeClr val="tx1"/>
                 </a:solidFill>
@@ -13462,7 +13472,7 @@
               </a14:hiddenLine>
             </a:ext>
             <a:ext uri="{AF507438-7753-43e0-B8FC-AC1667EBCBE1}">
-              <a14:hiddenEffects xmlns:a14="http://schemas.microsoft.com/office/drawing/2010/main">
+              <a14:hiddenEffects xmlns:a14="http://schemas.microsoft.com/office/drawing/2010/main" xmlns="">
                 <a:effectLst>
                   <a:outerShdw dist="35921" dir="2700000" algn="ctr" rotWithShape="0">
                     <a:schemeClr val="bg2"/>
@@ -13619,7 +13629,7 @@
             <a:effectLst/>
             <a:extLst>
               <a:ext uri="{91240B29-F687-4f45-9708-019B960494DF}">
-                <a14:hiddenLine xmlns:a14="http://schemas.microsoft.com/office/drawing/2010/main" w="9525">
+                <a14:hiddenLine xmlns:a14="http://schemas.microsoft.com/office/drawing/2010/main" xmlns="" w="9525">
                   <a:solidFill>
                     <a:schemeClr val="tx1"/>
                   </a:solidFill>
@@ -13629,7 +13639,7 @@
                 </a14:hiddenLine>
               </a:ext>
               <a:ext uri="{AF507438-7753-43e0-B8FC-AC1667EBCBE1}">
-                <a14:hiddenEffects xmlns:a14="http://schemas.microsoft.com/office/drawing/2010/main">
+                <a14:hiddenEffects xmlns:a14="http://schemas.microsoft.com/office/drawing/2010/main" xmlns="">
                   <a:effectLst>
                     <a:outerShdw dist="35921" dir="2700000" algn="ctr" rotWithShape="0">
                       <a:schemeClr val="bg2"/>
@@ -14374,7 +14384,7 @@
   <p:timing>
     <p:tnLst>
       <p:par>
-        <p:cTn xmlns:p14="http://schemas.microsoft.com/office/powerpoint/2010/main" id="1" dur="indefinite" restart="never" nodeType="tmRoot"/>
+        <p:cTn id="1" dur="indefinite" restart="never" nodeType="tmRoot"/>
       </p:par>
     </p:tnLst>
   </p:timing>
@@ -14761,7 +14771,7 @@
           <a:effectLst/>
           <a:extLst>
             <a:ext uri="{91240B29-F687-4f45-9708-019B960494DF}">
-              <a14:hiddenLine xmlns:a14="http://schemas.microsoft.com/office/drawing/2010/main" w="9525">
+              <a14:hiddenLine xmlns:a14="http://schemas.microsoft.com/office/drawing/2010/main" xmlns="" w="9525">
                 <a:solidFill>
                   <a:schemeClr val="tx1"/>
                 </a:solidFill>
@@ -14771,7 +14781,7 @@
               </a14:hiddenLine>
             </a:ext>
             <a:ext uri="{AF507438-7753-43e0-B8FC-AC1667EBCBE1}">
-              <a14:hiddenEffects xmlns:a14="http://schemas.microsoft.com/office/drawing/2010/main">
+              <a14:hiddenEffects xmlns:a14="http://schemas.microsoft.com/office/drawing/2010/main" xmlns="">
                 <a:effectLst>
                   <a:outerShdw dist="35921" dir="2700000" algn="ctr" rotWithShape="0">
                     <a:schemeClr val="bg2"/>
@@ -15261,7 +15271,7 @@
   <p:timing>
     <p:tnLst>
       <p:par>
-        <p:cTn xmlns:p14="http://schemas.microsoft.com/office/powerpoint/2010/main" id="1" dur="indefinite" restart="never" nodeType="tmRoot">
+        <p:cTn id="1" dur="indefinite" restart="never" nodeType="tmRoot">
           <p:childTnLst>
             <p:seq concurrent="1" nextAc="seek">
               <p:cTn id="2" dur="indefinite" nodeType="mainSeq">
@@ -16260,7 +16270,7 @@
   <p:timing>
     <p:tnLst>
       <p:par>
-        <p:cTn xmlns:p14="http://schemas.microsoft.com/office/powerpoint/2010/main" id="1" dur="indefinite" restart="never" nodeType="tmRoot"/>
+        <p:cTn id="1" dur="indefinite" restart="never" nodeType="tmRoot"/>
       </p:par>
     </p:tnLst>
   </p:timing>
@@ -16776,7 +16786,7 @@
           <a:effectLst/>
           <a:extLst>
             <a:ext uri="{91240B29-F687-4f45-9708-019B960494DF}">
-              <a14:hiddenLine xmlns:a14="http://schemas.microsoft.com/office/drawing/2010/main" w="9525">
+              <a14:hiddenLine xmlns:a14="http://schemas.microsoft.com/office/drawing/2010/main" xmlns="" w="9525">
                 <a:solidFill>
                   <a:schemeClr val="tx1"/>
                 </a:solidFill>
@@ -16786,7 +16796,7 @@
               </a14:hiddenLine>
             </a:ext>
             <a:ext uri="{AF507438-7753-43e0-B8FC-AC1667EBCBE1}">
-              <a14:hiddenEffects xmlns:a14="http://schemas.microsoft.com/office/drawing/2010/main">
+              <a14:hiddenEffects xmlns:a14="http://schemas.microsoft.com/office/drawing/2010/main" xmlns="">
                 <a:effectLst>
                   <a:outerShdw dist="35921" dir="2700000" algn="ctr" rotWithShape="0">
                     <a:schemeClr val="bg2"/>
@@ -17294,7 +17304,7 @@
   <p:timing>
     <p:tnLst>
       <p:par>
-        <p:cTn xmlns:p14="http://schemas.microsoft.com/office/powerpoint/2010/main" id="1" dur="indefinite" restart="never" nodeType="tmRoot"/>
+        <p:cTn id="1" dur="indefinite" restart="never" nodeType="tmRoot"/>
       </p:par>
     </p:tnLst>
   </p:timing>
@@ -17340,14 +17350,14 @@
           </a:ln>
           <a:extLst>
             <a:ext uri="{909E8E84-426E-40dd-AFC4-6F175D3DCCD1}">
-              <a14:hiddenFill xmlns:a14="http://schemas.microsoft.com/office/drawing/2010/main">
+              <a14:hiddenFill xmlns:a14="http://schemas.microsoft.com/office/drawing/2010/main" xmlns="">
                 <a:solidFill>
                   <a:srgbClr val="FFFFFF"/>
                 </a:solidFill>
               </a14:hiddenFill>
             </a:ext>
             <a:ext uri="{91240B29-F687-4f45-9708-019B960494DF}">
-              <a14:hiddenLine xmlns:a14="http://schemas.microsoft.com/office/drawing/2010/main" w="9525">
+              <a14:hiddenLine xmlns:a14="http://schemas.microsoft.com/office/drawing/2010/main" xmlns="" w="9525">
                 <a:solidFill>
                   <a:srgbClr val="000000"/>
                 </a:solidFill>
@@ -21635,14 +21645,14 @@
           </a:ln>
           <a:extLst>
             <a:ext uri="{909E8E84-426E-40dd-AFC4-6F175D3DCCD1}">
-              <a14:hiddenFill xmlns:a14="http://schemas.microsoft.com/office/drawing/2010/main">
+              <a14:hiddenFill xmlns:a14="http://schemas.microsoft.com/office/drawing/2010/main" xmlns="">
                 <a:solidFill>
                   <a:srgbClr val="FFFFFF"/>
                 </a:solidFill>
               </a14:hiddenFill>
             </a:ext>
             <a:ext uri="{91240B29-F687-4f45-9708-019B960494DF}">
-              <a14:hiddenLine xmlns:a14="http://schemas.microsoft.com/office/drawing/2010/main" w="9525">
+              <a14:hiddenLine xmlns:a14="http://schemas.microsoft.com/office/drawing/2010/main" xmlns="" w="9525">
                 <a:solidFill>
                   <a:srgbClr val="000000"/>
                 </a:solidFill>
@@ -21841,14 +21851,14 @@
           </a:ln>
           <a:extLst>
             <a:ext uri="{909E8E84-426E-40dd-AFC4-6F175D3DCCD1}">
-              <a14:hiddenFill xmlns:a14="http://schemas.microsoft.com/office/drawing/2010/main">
+              <a14:hiddenFill xmlns:a14="http://schemas.microsoft.com/office/drawing/2010/main" xmlns="">
                 <a:solidFill>
                   <a:srgbClr val="FFFFFF"/>
                 </a:solidFill>
               </a14:hiddenFill>
             </a:ext>
             <a:ext uri="{91240B29-F687-4f45-9708-019B960494DF}">
-              <a14:hiddenLine xmlns:a14="http://schemas.microsoft.com/office/drawing/2010/main" w="9525">
+              <a14:hiddenLine xmlns:a14="http://schemas.microsoft.com/office/drawing/2010/main" xmlns="" w="9525">
                 <a:solidFill>
                   <a:srgbClr val="000000"/>
                 </a:solidFill>
@@ -22068,14 +22078,14 @@
           </a:ln>
           <a:extLst>
             <a:ext uri="{909E8E84-426E-40dd-AFC4-6F175D3DCCD1}">
-              <a14:hiddenFill xmlns:a14="http://schemas.microsoft.com/office/drawing/2010/main">
+              <a14:hiddenFill xmlns:a14="http://schemas.microsoft.com/office/drawing/2010/main" xmlns="">
                 <a:solidFill>
                   <a:srgbClr val="FFFFFF"/>
                 </a:solidFill>
               </a14:hiddenFill>
             </a:ext>
             <a:ext uri="{91240B29-F687-4f45-9708-019B960494DF}">
-              <a14:hiddenLine xmlns:a14="http://schemas.microsoft.com/office/drawing/2010/main" w="9525">
+              <a14:hiddenLine xmlns:a14="http://schemas.microsoft.com/office/drawing/2010/main" xmlns="" w="9525">
                 <a:solidFill>
                   <a:srgbClr val="000000"/>
                 </a:solidFill>
@@ -22320,14 +22330,14 @@
           </a:ln>
           <a:extLst>
             <a:ext uri="{909E8E84-426E-40dd-AFC4-6F175D3DCCD1}">
-              <a14:hiddenFill xmlns:a14="http://schemas.microsoft.com/office/drawing/2010/main">
+              <a14:hiddenFill xmlns:a14="http://schemas.microsoft.com/office/drawing/2010/main" xmlns="">
                 <a:solidFill>
                   <a:srgbClr val="FFFFFF"/>
                 </a:solidFill>
               </a14:hiddenFill>
             </a:ext>
             <a:ext uri="{91240B29-F687-4f45-9708-019B960494DF}">
-              <a14:hiddenLine xmlns:a14="http://schemas.microsoft.com/office/drawing/2010/main" w="9525">
+              <a14:hiddenLine xmlns:a14="http://schemas.microsoft.com/office/drawing/2010/main" xmlns="" w="9525">
                 <a:solidFill>
                   <a:srgbClr val="000000"/>
                 </a:solidFill>
@@ -22545,14 +22555,14 @@
           </a:ln>
           <a:extLst>
             <a:ext uri="{909E8E84-426E-40dd-AFC4-6F175D3DCCD1}">
-              <a14:hiddenFill xmlns:a14="http://schemas.microsoft.com/office/drawing/2010/main">
+              <a14:hiddenFill xmlns:a14="http://schemas.microsoft.com/office/drawing/2010/main" xmlns="">
                 <a:solidFill>
                   <a:srgbClr val="FFFFFF"/>
                 </a:solidFill>
               </a14:hiddenFill>
             </a:ext>
             <a:ext uri="{91240B29-F687-4f45-9708-019B960494DF}">
-              <a14:hiddenLine xmlns:a14="http://schemas.microsoft.com/office/drawing/2010/main" w="9525">
+              <a14:hiddenLine xmlns:a14="http://schemas.microsoft.com/office/drawing/2010/main" xmlns="" w="9525">
                 <a:solidFill>
                   <a:srgbClr val="000000"/>
                 </a:solidFill>
@@ -22778,14 +22788,14 @@
           </a:ln>
           <a:extLst>
             <a:ext uri="{909E8E84-426E-40dd-AFC4-6F175D3DCCD1}">
-              <a14:hiddenFill xmlns:a14="http://schemas.microsoft.com/office/drawing/2010/main">
+              <a14:hiddenFill xmlns:a14="http://schemas.microsoft.com/office/drawing/2010/main" xmlns="">
                 <a:solidFill>
                   <a:srgbClr val="FFFFFF"/>
                 </a:solidFill>
               </a14:hiddenFill>
             </a:ext>
             <a:ext uri="{91240B29-F687-4f45-9708-019B960494DF}">
-              <a14:hiddenLine xmlns:a14="http://schemas.microsoft.com/office/drawing/2010/main" w="9525">
+              <a14:hiddenLine xmlns:a14="http://schemas.microsoft.com/office/drawing/2010/main" xmlns="" w="9525">
                 <a:solidFill>
                   <a:srgbClr val="000000"/>
                 </a:solidFill>
@@ -23051,7 +23061,7 @@
   <p:timing>
     <p:tnLst>
       <p:par>
-        <p:cTn xmlns:p14="http://schemas.microsoft.com/office/powerpoint/2010/main" id="1" dur="indefinite" restart="never" nodeType="tmRoot">
+        <p:cTn id="1" dur="indefinite" restart="never" nodeType="tmRoot">
           <p:childTnLst>
             <p:seq concurrent="1" nextAc="seek">
               <p:cTn id="2" dur="indefinite" nodeType="mainSeq">
@@ -24185,7 +24195,7 @@
           <a:effectLst/>
           <a:extLst>
             <a:ext uri="{91240B29-F687-4f45-9708-019B960494DF}">
-              <a14:hiddenLine xmlns:a14="http://schemas.microsoft.com/office/drawing/2010/main" w="9525">
+              <a14:hiddenLine xmlns:a14="http://schemas.microsoft.com/office/drawing/2010/main" xmlns="" w="9525">
                 <a:solidFill>
                   <a:schemeClr val="tx1"/>
                 </a:solidFill>
@@ -24195,7 +24205,7 @@
               </a14:hiddenLine>
             </a:ext>
             <a:ext uri="{AF507438-7753-43e0-B8FC-AC1667EBCBE1}">
-              <a14:hiddenEffects xmlns:a14="http://schemas.microsoft.com/office/drawing/2010/main">
+              <a14:hiddenEffects xmlns:a14="http://schemas.microsoft.com/office/drawing/2010/main" xmlns="">
                 <a:effectLst>
                   <a:outerShdw dist="35921" dir="2700000" algn="ctr" rotWithShape="0">
                     <a:schemeClr val="bg2"/>
@@ -24735,7 +24745,7 @@
   <p:timing>
     <p:tnLst>
       <p:par>
-        <p:cTn xmlns:p14="http://schemas.microsoft.com/office/powerpoint/2010/main" id="1" dur="indefinite" restart="never" nodeType="tmRoot"/>
+        <p:cTn id="1" dur="indefinite" restart="never" nodeType="tmRoot"/>
       </p:par>
     </p:tnLst>
   </p:timing>
@@ -25229,7 +25239,7 @@
           <a:effectLst/>
           <a:extLst>
             <a:ext uri="{91240B29-F687-4f45-9708-019B960494DF}">
-              <a14:hiddenLine xmlns:a14="http://schemas.microsoft.com/office/drawing/2010/main" w="9525">
+              <a14:hiddenLine xmlns:a14="http://schemas.microsoft.com/office/drawing/2010/main" xmlns="" w="9525">
                 <a:solidFill>
                   <a:schemeClr val="tx1"/>
                 </a:solidFill>
@@ -25239,7 +25249,7 @@
               </a14:hiddenLine>
             </a:ext>
             <a:ext uri="{AF507438-7753-43e0-B8FC-AC1667EBCBE1}">
-              <a14:hiddenEffects xmlns:a14="http://schemas.microsoft.com/office/drawing/2010/main">
+              <a14:hiddenEffects xmlns:a14="http://schemas.microsoft.com/office/drawing/2010/main" xmlns="">
                 <a:effectLst>
                   <a:outerShdw dist="35921" dir="2700000" algn="ctr" rotWithShape="0">
                     <a:schemeClr val="bg2"/>
@@ -25613,7 +25623,7 @@
   <p:timing>
     <p:tnLst>
       <p:par>
-        <p:cTn xmlns:p14="http://schemas.microsoft.com/office/powerpoint/2010/main" id="1" dur="indefinite" restart="never" nodeType="tmRoot"/>
+        <p:cTn id="1" dur="indefinite" restart="never" nodeType="tmRoot"/>
       </p:par>
     </p:tnLst>
   </p:timing>
@@ -26341,7 +26351,7 @@
           <a:effectLst/>
           <a:extLst>
             <a:ext uri="{91240B29-F687-4f45-9708-019B960494DF}">
-              <a14:hiddenLine xmlns:a14="http://schemas.microsoft.com/office/drawing/2010/main" w="9525">
+              <a14:hiddenLine xmlns:a14="http://schemas.microsoft.com/office/drawing/2010/main" xmlns="" w="9525">
                 <a:solidFill>
                   <a:schemeClr val="tx1"/>
                 </a:solidFill>
@@ -26351,7 +26361,7 @@
               </a14:hiddenLine>
             </a:ext>
             <a:ext uri="{AF507438-7753-43e0-B8FC-AC1667EBCBE1}">
-              <a14:hiddenEffects xmlns:a14="http://schemas.microsoft.com/office/drawing/2010/main">
+              <a14:hiddenEffects xmlns:a14="http://schemas.microsoft.com/office/drawing/2010/main" xmlns="">
                 <a:effectLst>
                   <a:outerShdw dist="35921" dir="2700000" algn="ctr" rotWithShape="0">
                     <a:schemeClr val="bg2"/>
@@ -27017,7 +27027,7 @@
   <p:timing>
     <p:tnLst>
       <p:par>
-        <p:cTn xmlns:p14="http://schemas.microsoft.com/office/powerpoint/2010/main" id="1" dur="indefinite" restart="never" nodeType="tmRoot">
+        <p:cTn id="1" dur="indefinite" restart="never" nodeType="tmRoot">
           <p:childTnLst>
             <p:seq concurrent="1" nextAc="seek">
               <p:cTn id="2" dur="indefinite" nodeType="mainSeq">
@@ -27518,7 +27528,7 @@
           <a:effectLst/>
           <a:extLst>
             <a:ext uri="{91240B29-F687-4f45-9708-019B960494DF}">
-              <a14:hiddenLine xmlns:a14="http://schemas.microsoft.com/office/drawing/2010/main" w="9525">
+              <a14:hiddenLine xmlns:a14="http://schemas.microsoft.com/office/drawing/2010/main" xmlns="" w="9525">
                 <a:solidFill>
                   <a:schemeClr val="tx1"/>
                 </a:solidFill>
@@ -27528,7 +27538,7 @@
               </a14:hiddenLine>
             </a:ext>
             <a:ext uri="{AF507438-7753-43e0-B8FC-AC1667EBCBE1}">
-              <a14:hiddenEffects xmlns:a14="http://schemas.microsoft.com/office/drawing/2010/main">
+              <a14:hiddenEffects xmlns:a14="http://schemas.microsoft.com/office/drawing/2010/main" xmlns="">
                 <a:effectLst>
                   <a:outerShdw dist="35921" dir="2700000" algn="ctr" rotWithShape="0">
                     <a:schemeClr val="bg2"/>
@@ -28137,7 +28147,7 @@
   <p:timing>
     <p:tnLst>
       <p:par>
-        <p:cTn xmlns:p14="http://schemas.microsoft.com/office/powerpoint/2010/main" id="1" dur="indefinite" restart="never" nodeType="tmRoot"/>
+        <p:cTn id="1" dur="indefinite" restart="never" nodeType="tmRoot"/>
       </p:par>
     </p:tnLst>
   </p:timing>
@@ -28826,7 +28836,7 @@
   <p:timing>
     <p:tnLst>
       <p:par>
-        <p:cTn xmlns:p14="http://schemas.microsoft.com/office/powerpoint/2010/main" id="1" dur="indefinite" restart="never" nodeType="tmRoot">
+        <p:cTn id="1" dur="indefinite" restart="never" nodeType="tmRoot">
           <p:childTnLst>
             <p:seq concurrent="1" nextAc="seek">
               <p:cTn id="2" dur="indefinite" nodeType="mainSeq">
@@ -29358,7 +29368,7 @@
   <p:timing>
     <p:tnLst>
       <p:par>
-        <p:cTn xmlns:p14="http://schemas.microsoft.com/office/powerpoint/2010/main" id="1" dur="indefinite" restart="never" nodeType="tmRoot"/>
+        <p:cTn id="1" dur="indefinite" restart="never" nodeType="tmRoot"/>
       </p:par>
     </p:tnLst>
   </p:timing>
@@ -30111,7 +30121,7 @@
   <p:timing>
     <p:tnLst>
       <p:par>
-        <p:cTn xmlns:p14="http://schemas.microsoft.com/office/powerpoint/2010/main" id="1" dur="indefinite" restart="never" nodeType="tmRoot"/>
+        <p:cTn id="1" dur="indefinite" restart="never" nodeType="tmRoot"/>
       </p:par>
     </p:tnLst>
   </p:timing>
@@ -30805,7 +30815,7 @@
   <p:timing>
     <p:tnLst>
       <p:par>
-        <p:cTn xmlns:p14="http://schemas.microsoft.com/office/powerpoint/2010/main" id="1" dur="indefinite" restart="never" nodeType="tmRoot"/>
+        <p:cTn id="1" dur="indefinite" restart="never" nodeType="tmRoot"/>
       </p:par>
     </p:tnLst>
   </p:timing>
@@ -31740,7 +31750,7 @@
   <p:timing>
     <p:tnLst>
       <p:par>
-        <p:cTn xmlns:p14="http://schemas.microsoft.com/office/powerpoint/2010/main" id="1" dur="indefinite" restart="never" nodeType="tmRoot"/>
+        <p:cTn id="1" dur="indefinite" restart="never" nodeType="tmRoot"/>
       </p:par>
     </p:tnLst>
   </p:timing>
@@ -32057,7 +32067,7 @@
   <p:timing>
     <p:tnLst>
       <p:par>
-        <p:cTn xmlns:p14="http://schemas.microsoft.com/office/powerpoint/2010/main" id="1" dur="indefinite" restart="never" nodeType="tmRoot"/>
+        <p:cTn id="1" dur="indefinite" restart="never" nodeType="tmRoot"/>
       </p:par>
     </p:tnLst>
   </p:timing>
@@ -32380,7 +32390,7 @@
   <p:timing>
     <p:tnLst>
       <p:par>
-        <p:cTn xmlns:p14="http://schemas.microsoft.com/office/powerpoint/2010/main" id="1" dur="indefinite" restart="never" nodeType="tmRoot"/>
+        <p:cTn id="1" dur="indefinite" restart="never" nodeType="tmRoot"/>
       </p:par>
     </p:tnLst>
   </p:timing>
@@ -32934,7 +32944,7 @@
   <p:timing>
     <p:tnLst>
       <p:par>
-        <p:cTn xmlns:p14="http://schemas.microsoft.com/office/powerpoint/2010/main" id="1" dur="indefinite" restart="never" nodeType="tmRoot"/>
+        <p:cTn id="1" dur="indefinite" restart="never" nodeType="tmRoot"/>
       </p:par>
     </p:tnLst>
   </p:timing>
@@ -33470,7 +33480,7 @@
   <p:timing>
     <p:tnLst>
       <p:par>
-        <p:cTn xmlns:p14="http://schemas.microsoft.com/office/powerpoint/2010/main" id="1" dur="indefinite" restart="never" nodeType="tmRoot"/>
+        <p:cTn id="1" dur="indefinite" restart="never" nodeType="tmRoot"/>
       </p:par>
     </p:tnLst>
   </p:timing>
@@ -34137,7 +34147,7 @@
   <p:timing>
     <p:tnLst>
       <p:par>
-        <p:cTn xmlns:p14="http://schemas.microsoft.com/office/powerpoint/2010/main" id="1" dur="indefinite" restart="never" nodeType="tmRoot">
+        <p:cTn id="1" dur="indefinite" restart="never" nodeType="tmRoot">
           <p:childTnLst>
             <p:seq concurrent="1" nextAc="seek">
               <p:cTn id="2" dur="indefinite" nodeType="mainSeq">
@@ -34969,7 +34979,7 @@
   <p:timing>
     <p:tnLst>
       <p:par>
-        <p:cTn xmlns:p14="http://schemas.microsoft.com/office/powerpoint/2010/main" id="1" dur="indefinite" restart="never" nodeType="tmRoot"/>
+        <p:cTn id="1" dur="indefinite" restart="never" nodeType="tmRoot"/>
       </p:par>
     </p:tnLst>
   </p:timing>
@@ -35278,7 +35288,7 @@
   <p:timing>
     <p:tnLst>
       <p:par>
-        <p:cTn xmlns:p14="http://schemas.microsoft.com/office/powerpoint/2010/main" id="1" dur="indefinite" restart="never" nodeType="tmRoot"/>
+        <p:cTn id="1" dur="indefinite" restart="never" nodeType="tmRoot"/>
       </p:par>
     </p:tnLst>
   </p:timing>
@@ -36132,7 +36142,7 @@
   <p:timing>
     <p:tnLst>
       <p:par>
-        <p:cTn xmlns:p14="http://schemas.microsoft.com/office/powerpoint/2010/main" id="1" dur="indefinite" restart="never" nodeType="tmRoot"/>
+        <p:cTn id="1" dur="indefinite" restart="never" nodeType="tmRoot"/>
       </p:par>
     </p:tnLst>
   </p:timing>
@@ -36910,7 +36920,7 @@
   <p:timing>
     <p:tnLst>
       <p:par>
-        <p:cTn xmlns:p14="http://schemas.microsoft.com/office/powerpoint/2010/main" id="1" dur="indefinite" restart="never" nodeType="tmRoot"/>
+        <p:cTn id="1" dur="indefinite" restart="never" nodeType="tmRoot"/>
       </p:par>
     </p:tnLst>
   </p:timing>
@@ -37532,7 +37542,7 @@
   <p:timing>
     <p:tnLst>
       <p:par>
-        <p:cTn xmlns:p14="http://schemas.microsoft.com/office/powerpoint/2010/main" id="1" dur="indefinite" restart="never" nodeType="tmRoot"/>
+        <p:cTn id="1" dur="indefinite" restart="never" nodeType="tmRoot"/>
       </p:par>
     </p:tnLst>
   </p:timing>
@@ -38359,7 +38369,7 @@
   <p:timing>
     <p:tnLst>
       <p:par>
-        <p:cTn xmlns:p14="http://schemas.microsoft.com/office/powerpoint/2010/main" id="1" dur="indefinite" restart="never" nodeType="tmRoot"/>
+        <p:cTn id="1" dur="indefinite" restart="never" nodeType="tmRoot"/>
       </p:par>
     </p:tnLst>
   </p:timing>
@@ -39179,7 +39189,7 @@
   <p:timing>
     <p:tnLst>
       <p:par>
-        <p:cTn xmlns:p14="http://schemas.microsoft.com/office/powerpoint/2010/main" id="1" dur="indefinite" restart="never" nodeType="tmRoot"/>
+        <p:cTn id="1" dur="indefinite" restart="never" nodeType="tmRoot"/>
       </p:par>
     </p:tnLst>
   </p:timing>
@@ -39773,7 +39783,7 @@
   <p:timing>
     <p:tnLst>
       <p:par>
-        <p:cTn xmlns:p14="http://schemas.microsoft.com/office/powerpoint/2010/main" id="1" dur="indefinite" restart="never" nodeType="tmRoot"/>
+        <p:cTn id="1" dur="indefinite" restart="never" nodeType="tmRoot"/>
       </p:par>
     </p:tnLst>
   </p:timing>
@@ -40842,7 +40852,7 @@
           <a:effectLst/>
           <a:extLst>
             <a:ext uri="{91240B29-F687-4f45-9708-019B960494DF}">
-              <a14:hiddenLine xmlns:a14="http://schemas.microsoft.com/office/drawing/2010/main" w="9525">
+              <a14:hiddenLine xmlns:a14="http://schemas.microsoft.com/office/drawing/2010/main" xmlns="" w="9525">
                 <a:solidFill>
                   <a:schemeClr val="tx1"/>
                 </a:solidFill>
@@ -40852,7 +40862,7 @@
               </a14:hiddenLine>
             </a:ext>
             <a:ext uri="{AF507438-7753-43e0-B8FC-AC1667EBCBE1}">
-              <a14:hiddenEffects xmlns:a14="http://schemas.microsoft.com/office/drawing/2010/main">
+              <a14:hiddenEffects xmlns:a14="http://schemas.microsoft.com/office/drawing/2010/main" xmlns="">
                 <a:effectLst>
                   <a:outerShdw dist="35921" dir="2700000" algn="ctr" rotWithShape="0">
                     <a:schemeClr val="bg2"/>
@@ -41036,7 +41046,7 @@
           <a:effectLst/>
           <a:extLst>
             <a:ext uri="{91240B29-F687-4f45-9708-019B960494DF}">
-              <a14:hiddenLine xmlns:a14="http://schemas.microsoft.com/office/drawing/2010/main" w="9525">
+              <a14:hiddenLine xmlns:a14="http://schemas.microsoft.com/office/drawing/2010/main" xmlns="" w="9525">
                 <a:solidFill>
                   <a:schemeClr val="tx1"/>
                 </a:solidFill>
@@ -41046,7 +41056,7 @@
               </a14:hiddenLine>
             </a:ext>
             <a:ext uri="{AF507438-7753-43e0-B8FC-AC1667EBCBE1}">
-              <a14:hiddenEffects xmlns:a14="http://schemas.microsoft.com/office/drawing/2010/main">
+              <a14:hiddenEffects xmlns:a14="http://schemas.microsoft.com/office/drawing/2010/main" xmlns="">
                 <a:effectLst>
                   <a:outerShdw dist="35921" dir="2700000" algn="ctr" rotWithShape="0">
                     <a:schemeClr val="bg2"/>
@@ -41318,7 +41328,7 @@
   <p:timing>
     <p:tnLst>
       <p:par>
-        <p:cTn xmlns:p14="http://schemas.microsoft.com/office/powerpoint/2010/main" id="1" dur="indefinite" restart="never" nodeType="tmRoot"/>
+        <p:cTn id="1" dur="indefinite" restart="never" nodeType="tmRoot"/>
       </p:par>
     </p:tnLst>
   </p:timing>
@@ -41800,7 +41810,7 @@
           <a:effectLst/>
           <a:extLst>
             <a:ext uri="{91240B29-F687-4f45-9708-019B960494DF}">
-              <a14:hiddenLine xmlns:a14="http://schemas.microsoft.com/office/drawing/2010/main" w="9525">
+              <a14:hiddenLine xmlns:a14="http://schemas.microsoft.com/office/drawing/2010/main" xmlns="" w="9525">
                 <a:solidFill>
                   <a:schemeClr val="tx1"/>
                 </a:solidFill>
@@ -41810,7 +41820,7 @@
               </a14:hiddenLine>
             </a:ext>
             <a:ext uri="{AF507438-7753-43e0-B8FC-AC1667EBCBE1}">
-              <a14:hiddenEffects xmlns:a14="http://schemas.microsoft.com/office/drawing/2010/main">
+              <a14:hiddenEffects xmlns:a14="http://schemas.microsoft.com/office/drawing/2010/main" xmlns="">
                 <a:effectLst>
                   <a:outerShdw dist="35921" dir="2700000" algn="ctr" rotWithShape="0">
                     <a:schemeClr val="bg2"/>
@@ -42472,7 +42482,7 @@
   <p:timing>
     <p:tnLst>
       <p:par>
-        <p:cTn xmlns:p14="http://schemas.microsoft.com/office/powerpoint/2010/main" id="1" dur="indefinite" restart="never" nodeType="tmRoot"/>
+        <p:cTn id="1" dur="indefinite" restart="never" nodeType="tmRoot"/>
       </p:par>
     </p:tnLst>
   </p:timing>
@@ -42791,7 +42801,7 @@
   <p:timing>
     <p:tnLst>
       <p:par>
-        <p:cTn xmlns:p14="http://schemas.microsoft.com/office/powerpoint/2010/main" id="1" dur="indefinite" restart="never" nodeType="tmRoot"/>
+        <p:cTn id="1" dur="indefinite" restart="never" nodeType="tmRoot"/>
       </p:par>
     </p:tnLst>
   </p:timing>
@@ -43026,7 +43036,7 @@
   <a:extraClrSchemeLst/>
   <a:extLst>
     <a:ext uri="{05A4C25C-085E-4340-85A3-A5531E510DB2}">
-      <thm15:themeFamily xmlns:thm15="http://schemas.microsoft.com/office/thememl/2012/main" xmlns="" name="Office Theme" id="{62F939B6-93AF-4DB8-9C6B-D6C7DFDC589F}" vid="{4A3C46E8-61CC-4603-A589-7422A47A8E4A}"/>
+      <thm15:themeFamily xmlns:thm15="http://schemas.microsoft.com/office/thememl/2012/main" name="Office Theme" id="{62F939B6-93AF-4DB8-9C6B-D6C7DFDC589F}" vid="{4A3C46E8-61CC-4603-A589-7422A47A8E4A}"/>
     </a:ext>
   </a:extLst>
 </a:theme>
@@ -43287,7 +43297,7 @@
   <a:extraClrSchemeLst/>
   <a:extLst>
     <a:ext uri="{05A4C25C-085E-4340-85A3-A5531E510DB2}">
-      <thm15:themeFamily xmlns:thm15="http://schemas.microsoft.com/office/thememl/2012/main" xmlns="" name="Office Theme" id="{62F939B6-93AF-4DB8-9C6B-D6C7DFDC589F}" vid="{4A3C46E8-61CC-4603-A589-7422A47A8E4A}"/>
+      <thm15:themeFamily xmlns:thm15="http://schemas.microsoft.com/office/thememl/2012/main" name="Office Theme" id="{62F939B6-93AF-4DB8-9C6B-D6C7DFDC589F}" vid="{4A3C46E8-61CC-4603-A589-7422A47A8E4A}"/>
     </a:ext>
   </a:extLst>
 </a:theme>

--- a/ppt/ch8.pptx
+++ b/ppt/ch8.pptx
@@ -274,7 +274,7 @@
           <a:p>
             <a:fld id="{BD44292E-5126-46A5-9121-AA1AFBC221D9}" type="datetimeFigureOut">
               <a:rPr lang="zh-CN" altLang="en-US" smtClean="0"/>
-              <a:t>2018/11/14</a:t>
+              <a:t>2018/11/26</a:t>
             </a:fld>
             <a:endParaRPr lang="zh-CN" altLang="en-US"/>
           </a:p>
@@ -3494,7 +3494,7 @@
               <a:pPr>
                 <a:defRPr/>
               </a:pPr>
-              <a:t>2018/11/14</a:t>
+              <a:t>2018/11/26</a:t>
             </a:fld>
             <a:endParaRPr lang="zh-CN" altLang="en-US"/>
           </a:p>
@@ -3686,7 +3686,7 @@
               <a:pPr>
                 <a:defRPr/>
               </a:pPr>
-              <a:t>2018/11/14</a:t>
+              <a:t>2018/11/26</a:t>
             </a:fld>
             <a:endParaRPr lang="zh-CN" altLang="en-US"/>
           </a:p>
@@ -3888,7 +3888,7 @@
               <a:pPr>
                 <a:defRPr/>
               </a:pPr>
-              <a:t>2018/11/14</a:t>
+              <a:t>2018/11/26</a:t>
             </a:fld>
             <a:endParaRPr lang="zh-CN" altLang="en-US"/>
           </a:p>
@@ -4080,7 +4080,7 @@
               <a:pPr>
                 <a:defRPr/>
               </a:pPr>
-              <a:t>2018/11/14</a:t>
+              <a:t>2018/11/26</a:t>
             </a:fld>
             <a:endParaRPr lang="zh-CN" altLang="en-US"/>
           </a:p>
@@ -4348,7 +4348,7 @@
               <a:pPr>
                 <a:defRPr/>
               </a:pPr>
-              <a:t>2018/11/14</a:t>
+              <a:t>2018/11/26</a:t>
             </a:fld>
             <a:endParaRPr lang="zh-CN" altLang="en-US"/>
           </a:p>
@@ -4602,7 +4602,7 @@
               <a:pPr>
                 <a:defRPr/>
               </a:pPr>
-              <a:t>2018/11/14</a:t>
+              <a:t>2018/11/26</a:t>
             </a:fld>
             <a:endParaRPr lang="zh-CN" altLang="en-US"/>
           </a:p>
@@ -4991,7 +4991,7 @@
               <a:pPr>
                 <a:defRPr/>
               </a:pPr>
-              <a:t>2018/11/14</a:t>
+              <a:t>2018/11/26</a:t>
             </a:fld>
             <a:endParaRPr lang="zh-CN" altLang="en-US"/>
           </a:p>
@@ -5131,7 +5131,7 @@
               <a:pPr>
                 <a:defRPr/>
               </a:pPr>
-              <a:t>2018/11/14</a:t>
+              <a:t>2018/11/26</a:t>
             </a:fld>
             <a:endParaRPr lang="zh-CN" altLang="en-US"/>
           </a:p>
@@ -5248,7 +5248,7 @@
               <a:pPr>
                 <a:defRPr/>
               </a:pPr>
-              <a:t>2018/11/14</a:t>
+              <a:t>2018/11/26</a:t>
             </a:fld>
             <a:endParaRPr lang="zh-CN" altLang="en-US"/>
           </a:p>
@@ -5547,7 +5547,7 @@
               <a:pPr>
                 <a:defRPr/>
               </a:pPr>
-              <a:t>2018/11/14</a:t>
+              <a:t>2018/11/26</a:t>
             </a:fld>
             <a:endParaRPr lang="zh-CN" altLang="en-US"/>
           </a:p>
@@ -5825,7 +5825,7 @@
               <a:pPr>
                 <a:defRPr/>
               </a:pPr>
-              <a:t>2018/11/14</a:t>
+              <a:t>2018/11/26</a:t>
             </a:fld>
             <a:endParaRPr lang="zh-CN" altLang="en-US"/>
           </a:p>
@@ -6088,7 +6088,7 @@
               <a:pPr>
                 <a:defRPr/>
               </a:pPr>
-              <a:t>2018/11/14</a:t>
+              <a:t>2018/11/26</a:t>
             </a:fld>
             <a:endParaRPr lang="zh-CN" altLang="en-US"/>
           </a:p>
@@ -6863,27 +6863,7 @@
                 <a:latin typeface="微软雅黑" pitchFamily="34" charset="-122"/>
                 <a:ea typeface="微软雅黑" pitchFamily="34" charset="-122"/>
               </a:rPr>
-              <a:t>：</a:t>
-            </a:r>
-            <a:r>
-              <a:rPr lang="zh-CN" altLang="en-US" sz="2000" smtClean="0">
-                <a:solidFill>
-                  <a:schemeClr val="bg1"/>
-                </a:solidFill>
-                <a:latin typeface="微软雅黑" pitchFamily="34" charset="-122"/>
-                <a:ea typeface="微软雅黑" pitchFamily="34" charset="-122"/>
-              </a:rPr>
-              <a:t>代立云</a:t>
-            </a:r>
-            <a:r>
-              <a:rPr lang="zh-CN" altLang="en-US" sz="2000" smtClean="0">
-                <a:solidFill>
-                  <a:schemeClr val="bg1"/>
-                </a:solidFill>
-                <a:latin typeface="微软雅黑" pitchFamily="34" charset="-122"/>
-                <a:ea typeface="微软雅黑" pitchFamily="34" charset="-122"/>
-              </a:rPr>
-              <a:t> </a:t>
+              <a:t>：代立云 </a:t>
             </a:r>
             <a:endParaRPr lang="zh-CN" altLang="en-US" sz="2000" dirty="0">
               <a:solidFill>
@@ -7386,7 +7366,7 @@
           </a:ln>
           <a:extLst>
             <a:ext uri="{91240B29-F687-4f45-9708-019B960494DF}">
-              <a14:hiddenLine xmlns:a14="http://schemas.microsoft.com/office/drawing/2010/main" xmlns="" w="12700" cap="flat" cmpd="sng">
+              <a14:hiddenLine xmlns="" xmlns:a14="http://schemas.microsoft.com/office/drawing/2010/main" w="12700" cap="flat" cmpd="sng">
                 <a:solidFill>
                   <a:srgbClr val="42719B"/>
                 </a:solidFill>
@@ -8030,7 +8010,7 @@
         </p:nvCxnSpPr>
         <p:spPr bwMode="auto">
           <a:xfrm flipH="1">
-            <a:off x="4513253" y="6335081"/>
+            <a:off x="4508252" y="6325353"/>
             <a:ext cx="6717124" cy="27293"/>
           </a:xfrm>
           <a:prstGeom prst="line">
@@ -8172,7 +8152,9 @@
             <a:r>
               <a:rPr lang="en-US" altLang="zh-CN" dirty="0" err="1" smtClean="0">
                 <a:solidFill>
-                  <a:schemeClr val="bg1"/>
+                  <a:schemeClr val="bg1">
+                    <a:lumMod val="65000"/>
+                  </a:schemeClr>
                 </a:solidFill>
                 <a:latin typeface="+mn-lt"/>
                 <a:ea typeface="+mn-ea"/>
@@ -8182,7 +8164,9 @@
             <a:r>
               <a:rPr lang="zh-CN" altLang="en-US" dirty="0" smtClean="0">
                 <a:solidFill>
-                  <a:schemeClr val="bg1"/>
+                  <a:schemeClr val="bg1">
+                    <a:lumMod val="65000"/>
+                  </a:schemeClr>
                 </a:solidFill>
                 <a:latin typeface="+mn-lt"/>
                 <a:ea typeface="+mn-ea"/>
@@ -8192,7 +8176,9 @@
             <a:r>
               <a:rPr lang="zh-CN" altLang="en-US" dirty="0">
                 <a:solidFill>
-                  <a:schemeClr val="bg1"/>
+                  <a:schemeClr val="bg1">
+                    <a:lumMod val="65000"/>
+                  </a:schemeClr>
                 </a:solidFill>
                 <a:latin typeface="+mn-lt"/>
                 <a:ea typeface="+mn-ea"/>
@@ -8201,7 +8187,9 @@
             </a:r>
             <a:endParaRPr lang="en-US" altLang="zh-CN" dirty="0">
               <a:solidFill>
-                <a:schemeClr val="bg1"/>
+                <a:schemeClr val="bg1">
+                  <a:lumMod val="65000"/>
+                </a:schemeClr>
               </a:solidFill>
               <a:latin typeface="+mn-lt"/>
               <a:ea typeface="+mn-ea"/>
@@ -8222,7 +8210,9 @@
             <a:r>
               <a:rPr lang="en-US" altLang="zh-CN" dirty="0" err="1" smtClean="0">
                 <a:solidFill>
-                  <a:schemeClr val="bg1"/>
+                  <a:schemeClr val="bg1">
+                    <a:lumMod val="65000"/>
+                  </a:schemeClr>
                 </a:solidFill>
                 <a:latin typeface="+mn-lt"/>
                 <a:ea typeface="+mn-ea"/>
@@ -8232,12 +8222,24 @@
             <a:r>
               <a:rPr lang="zh-CN" altLang="en-US" dirty="0" smtClean="0">
                 <a:solidFill>
-                  <a:schemeClr val="bg1"/>
+                  <a:schemeClr val="bg1">
+                    <a:lumMod val="65000"/>
+                  </a:schemeClr>
                 </a:solidFill>
                 <a:latin typeface="+mn-lt"/>
                 <a:ea typeface="+mn-ea"/>
               </a:rPr>
-              <a:t>：该文件的内容可由其他程序读写。</a:t>
+              <a:t>：该文件的内容可由其他程序读写</a:t>
+            </a:r>
+            <a:r>
+              <a:rPr lang="zh-CN" altLang="en-US" dirty="0" smtClean="0">
+                <a:solidFill>
+                  <a:schemeClr val="bg1"/>
+                </a:solidFill>
+                <a:latin typeface="+mn-lt"/>
+                <a:ea typeface="+mn-ea"/>
+              </a:rPr>
+              <a:t>。</a:t>
             </a:r>
             <a:endParaRPr lang="zh-CN" altLang="en-US" dirty="0">
               <a:solidFill>
@@ -8816,7 +8818,7 @@
           <a:effectLst/>
           <a:extLst>
             <a:ext uri="{91240B29-F687-4f45-9708-019B960494DF}">
-              <a14:hiddenLine xmlns:a14="http://schemas.microsoft.com/office/drawing/2010/main" xmlns="" w="9525">
+              <a14:hiddenLine xmlns="" xmlns:a14="http://schemas.microsoft.com/office/drawing/2010/main" w="9525">
                 <a:solidFill>
                   <a:schemeClr val="tx1"/>
                 </a:solidFill>
@@ -8826,7 +8828,7 @@
               </a14:hiddenLine>
             </a:ext>
             <a:ext uri="{AF507438-7753-43e0-B8FC-AC1667EBCBE1}">
-              <a14:hiddenEffects xmlns:a14="http://schemas.microsoft.com/office/drawing/2010/main" xmlns="">
+              <a14:hiddenEffects xmlns="" xmlns:a14="http://schemas.microsoft.com/office/drawing/2010/main">
                 <a:effectLst>
                   <a:outerShdw dist="35921" dir="2700000" algn="ctr" rotWithShape="0">
                     <a:schemeClr val="bg2"/>
@@ -9818,7 +9820,7 @@
           <a:effectLst/>
           <a:extLst>
             <a:ext uri="{91240B29-F687-4f45-9708-019B960494DF}">
-              <a14:hiddenLine xmlns:a14="http://schemas.microsoft.com/office/drawing/2010/main" xmlns="" w="9525">
+              <a14:hiddenLine xmlns="" xmlns:a14="http://schemas.microsoft.com/office/drawing/2010/main" w="9525">
                 <a:solidFill>
                   <a:schemeClr val="tx1"/>
                 </a:solidFill>
@@ -9828,7 +9830,7 @@
               </a14:hiddenLine>
             </a:ext>
             <a:ext uri="{AF507438-7753-43e0-B8FC-AC1667EBCBE1}">
-              <a14:hiddenEffects xmlns:a14="http://schemas.microsoft.com/office/drawing/2010/main" xmlns="">
+              <a14:hiddenEffects xmlns="" xmlns:a14="http://schemas.microsoft.com/office/drawing/2010/main">
                 <a:effectLst>
                   <a:outerShdw dist="35921" dir="2700000" algn="ctr" rotWithShape="0">
                     <a:schemeClr val="bg2"/>
@@ -11052,7 +11054,7 @@
           <a:effectLst/>
           <a:extLst>
             <a:ext uri="{91240B29-F687-4f45-9708-019B960494DF}">
-              <a14:hiddenLine xmlns:a14="http://schemas.microsoft.com/office/drawing/2010/main" xmlns="" w="9525">
+              <a14:hiddenLine xmlns="" xmlns:a14="http://schemas.microsoft.com/office/drawing/2010/main" w="9525">
                 <a:solidFill>
                   <a:schemeClr val="tx1"/>
                 </a:solidFill>
@@ -11062,7 +11064,7 @@
               </a14:hiddenLine>
             </a:ext>
             <a:ext uri="{AF507438-7753-43e0-B8FC-AC1667EBCBE1}">
-              <a14:hiddenEffects xmlns:a14="http://schemas.microsoft.com/office/drawing/2010/main" xmlns="">
+              <a14:hiddenEffects xmlns="" xmlns:a14="http://schemas.microsoft.com/office/drawing/2010/main">
                 <a:effectLst>
                   <a:outerShdw dist="35921" dir="2700000" algn="ctr" rotWithShape="0">
                     <a:schemeClr val="bg2"/>
@@ -11688,7 +11690,7 @@
           <a:effectLst/>
           <a:extLst>
             <a:ext uri="{91240B29-F687-4f45-9708-019B960494DF}">
-              <a14:hiddenLine xmlns:a14="http://schemas.microsoft.com/office/drawing/2010/main" xmlns="" w="9525">
+              <a14:hiddenLine xmlns="" xmlns:a14="http://schemas.microsoft.com/office/drawing/2010/main" w="9525">
                 <a:solidFill>
                   <a:schemeClr val="tx1"/>
                 </a:solidFill>
@@ -11698,7 +11700,7 @@
               </a14:hiddenLine>
             </a:ext>
             <a:ext uri="{AF507438-7753-43e0-B8FC-AC1667EBCBE1}">
-              <a14:hiddenEffects xmlns:a14="http://schemas.microsoft.com/office/drawing/2010/main" xmlns="">
+              <a14:hiddenEffects xmlns="" xmlns:a14="http://schemas.microsoft.com/office/drawing/2010/main">
                 <a:effectLst>
                   <a:outerShdw dist="35921" dir="2700000" algn="ctr" rotWithShape="0">
                     <a:schemeClr val="bg2"/>
@@ -13462,7 +13464,7 @@
           <a:effectLst/>
           <a:extLst>
             <a:ext uri="{91240B29-F687-4f45-9708-019B960494DF}">
-              <a14:hiddenLine xmlns:a14="http://schemas.microsoft.com/office/drawing/2010/main" xmlns="" w="9525">
+              <a14:hiddenLine xmlns="" xmlns:a14="http://schemas.microsoft.com/office/drawing/2010/main" w="9525">
                 <a:solidFill>
                   <a:schemeClr val="tx1"/>
                 </a:solidFill>
@@ -13472,7 +13474,7 @@
               </a14:hiddenLine>
             </a:ext>
             <a:ext uri="{AF507438-7753-43e0-B8FC-AC1667EBCBE1}">
-              <a14:hiddenEffects xmlns:a14="http://schemas.microsoft.com/office/drawing/2010/main" xmlns="">
+              <a14:hiddenEffects xmlns="" xmlns:a14="http://schemas.microsoft.com/office/drawing/2010/main">
                 <a:effectLst>
                   <a:outerShdw dist="35921" dir="2700000" algn="ctr" rotWithShape="0">
                     <a:schemeClr val="bg2"/>
@@ -13629,7 +13631,7 @@
             <a:effectLst/>
             <a:extLst>
               <a:ext uri="{91240B29-F687-4f45-9708-019B960494DF}">
-                <a14:hiddenLine xmlns:a14="http://schemas.microsoft.com/office/drawing/2010/main" xmlns="" w="9525">
+                <a14:hiddenLine xmlns="" xmlns:a14="http://schemas.microsoft.com/office/drawing/2010/main" w="9525">
                   <a:solidFill>
                     <a:schemeClr val="tx1"/>
                   </a:solidFill>
@@ -13639,7 +13641,7 @@
                 </a14:hiddenLine>
               </a:ext>
               <a:ext uri="{AF507438-7753-43e0-B8FC-AC1667EBCBE1}">
-                <a14:hiddenEffects xmlns:a14="http://schemas.microsoft.com/office/drawing/2010/main" xmlns="">
+                <a14:hiddenEffects xmlns="" xmlns:a14="http://schemas.microsoft.com/office/drawing/2010/main">
                   <a:effectLst>
                     <a:outerShdw dist="35921" dir="2700000" algn="ctr" rotWithShape="0">
                       <a:schemeClr val="bg2"/>
@@ -14771,7 +14773,7 @@
           <a:effectLst/>
           <a:extLst>
             <a:ext uri="{91240B29-F687-4f45-9708-019B960494DF}">
-              <a14:hiddenLine xmlns:a14="http://schemas.microsoft.com/office/drawing/2010/main" xmlns="" w="9525">
+              <a14:hiddenLine xmlns="" xmlns:a14="http://schemas.microsoft.com/office/drawing/2010/main" w="9525">
                 <a:solidFill>
                   <a:schemeClr val="tx1"/>
                 </a:solidFill>
@@ -14781,7 +14783,7 @@
               </a14:hiddenLine>
             </a:ext>
             <a:ext uri="{AF507438-7753-43e0-B8FC-AC1667EBCBE1}">
-              <a14:hiddenEffects xmlns:a14="http://schemas.microsoft.com/office/drawing/2010/main" xmlns="">
+              <a14:hiddenEffects xmlns="" xmlns:a14="http://schemas.microsoft.com/office/drawing/2010/main">
                 <a:effectLst>
                   <a:outerShdw dist="35921" dir="2700000" algn="ctr" rotWithShape="0">
                     <a:schemeClr val="bg2"/>
@@ -16786,7 +16788,7 @@
           <a:effectLst/>
           <a:extLst>
             <a:ext uri="{91240B29-F687-4f45-9708-019B960494DF}">
-              <a14:hiddenLine xmlns:a14="http://schemas.microsoft.com/office/drawing/2010/main" xmlns="" w="9525">
+              <a14:hiddenLine xmlns="" xmlns:a14="http://schemas.microsoft.com/office/drawing/2010/main" w="9525">
                 <a:solidFill>
                   <a:schemeClr val="tx1"/>
                 </a:solidFill>
@@ -16796,7 +16798,7 @@
               </a14:hiddenLine>
             </a:ext>
             <a:ext uri="{AF507438-7753-43e0-B8FC-AC1667EBCBE1}">
-              <a14:hiddenEffects xmlns:a14="http://schemas.microsoft.com/office/drawing/2010/main" xmlns="">
+              <a14:hiddenEffects xmlns="" xmlns:a14="http://schemas.microsoft.com/office/drawing/2010/main">
                 <a:effectLst>
                   <a:outerShdw dist="35921" dir="2700000" algn="ctr" rotWithShape="0">
                     <a:schemeClr val="bg2"/>
@@ -17350,14 +17352,14 @@
           </a:ln>
           <a:extLst>
             <a:ext uri="{909E8E84-426E-40dd-AFC4-6F175D3DCCD1}">
-              <a14:hiddenFill xmlns:a14="http://schemas.microsoft.com/office/drawing/2010/main" xmlns="">
+              <a14:hiddenFill xmlns="" xmlns:a14="http://schemas.microsoft.com/office/drawing/2010/main">
                 <a:solidFill>
                   <a:srgbClr val="FFFFFF"/>
                 </a:solidFill>
               </a14:hiddenFill>
             </a:ext>
             <a:ext uri="{91240B29-F687-4f45-9708-019B960494DF}">
-              <a14:hiddenLine xmlns:a14="http://schemas.microsoft.com/office/drawing/2010/main" xmlns="" w="9525">
+              <a14:hiddenLine xmlns="" xmlns:a14="http://schemas.microsoft.com/office/drawing/2010/main" w="9525">
                 <a:solidFill>
                   <a:srgbClr val="000000"/>
                 </a:solidFill>
@@ -21645,14 +21647,14 @@
           </a:ln>
           <a:extLst>
             <a:ext uri="{909E8E84-426E-40dd-AFC4-6F175D3DCCD1}">
-              <a14:hiddenFill xmlns:a14="http://schemas.microsoft.com/office/drawing/2010/main" xmlns="">
+              <a14:hiddenFill xmlns="" xmlns:a14="http://schemas.microsoft.com/office/drawing/2010/main">
                 <a:solidFill>
                   <a:srgbClr val="FFFFFF"/>
                 </a:solidFill>
               </a14:hiddenFill>
             </a:ext>
             <a:ext uri="{91240B29-F687-4f45-9708-019B960494DF}">
-              <a14:hiddenLine xmlns:a14="http://schemas.microsoft.com/office/drawing/2010/main" xmlns="" w="9525">
+              <a14:hiddenLine xmlns="" xmlns:a14="http://schemas.microsoft.com/office/drawing/2010/main" w="9525">
                 <a:solidFill>
                   <a:srgbClr val="000000"/>
                 </a:solidFill>
@@ -21851,14 +21853,14 @@
           </a:ln>
           <a:extLst>
             <a:ext uri="{909E8E84-426E-40dd-AFC4-6F175D3DCCD1}">
-              <a14:hiddenFill xmlns:a14="http://schemas.microsoft.com/office/drawing/2010/main" xmlns="">
+              <a14:hiddenFill xmlns="" xmlns:a14="http://schemas.microsoft.com/office/drawing/2010/main">
                 <a:solidFill>
                   <a:srgbClr val="FFFFFF"/>
                 </a:solidFill>
               </a14:hiddenFill>
             </a:ext>
             <a:ext uri="{91240B29-F687-4f45-9708-019B960494DF}">
-              <a14:hiddenLine xmlns:a14="http://schemas.microsoft.com/office/drawing/2010/main" xmlns="" w="9525">
+              <a14:hiddenLine xmlns="" xmlns:a14="http://schemas.microsoft.com/office/drawing/2010/main" w="9525">
                 <a:solidFill>
                   <a:srgbClr val="000000"/>
                 </a:solidFill>
@@ -22078,14 +22080,14 @@
           </a:ln>
           <a:extLst>
             <a:ext uri="{909E8E84-426E-40dd-AFC4-6F175D3DCCD1}">
-              <a14:hiddenFill xmlns:a14="http://schemas.microsoft.com/office/drawing/2010/main" xmlns="">
+              <a14:hiddenFill xmlns="" xmlns:a14="http://schemas.microsoft.com/office/drawing/2010/main">
                 <a:solidFill>
                   <a:srgbClr val="FFFFFF"/>
                 </a:solidFill>
               </a14:hiddenFill>
             </a:ext>
             <a:ext uri="{91240B29-F687-4f45-9708-019B960494DF}">
-              <a14:hiddenLine xmlns:a14="http://schemas.microsoft.com/office/drawing/2010/main" xmlns="" w="9525">
+              <a14:hiddenLine xmlns="" xmlns:a14="http://schemas.microsoft.com/office/drawing/2010/main" w="9525">
                 <a:solidFill>
                   <a:srgbClr val="000000"/>
                 </a:solidFill>
@@ -22330,14 +22332,14 @@
           </a:ln>
           <a:extLst>
             <a:ext uri="{909E8E84-426E-40dd-AFC4-6F175D3DCCD1}">
-              <a14:hiddenFill xmlns:a14="http://schemas.microsoft.com/office/drawing/2010/main" xmlns="">
+              <a14:hiddenFill xmlns="" xmlns:a14="http://schemas.microsoft.com/office/drawing/2010/main">
                 <a:solidFill>
                   <a:srgbClr val="FFFFFF"/>
                 </a:solidFill>
               </a14:hiddenFill>
             </a:ext>
             <a:ext uri="{91240B29-F687-4f45-9708-019B960494DF}">
-              <a14:hiddenLine xmlns:a14="http://schemas.microsoft.com/office/drawing/2010/main" xmlns="" w="9525">
+              <a14:hiddenLine xmlns="" xmlns:a14="http://schemas.microsoft.com/office/drawing/2010/main" w="9525">
                 <a:solidFill>
                   <a:srgbClr val="000000"/>
                 </a:solidFill>
@@ -22555,14 +22557,14 @@
           </a:ln>
           <a:extLst>
             <a:ext uri="{909E8E84-426E-40dd-AFC4-6F175D3DCCD1}">
-              <a14:hiddenFill xmlns:a14="http://schemas.microsoft.com/office/drawing/2010/main" xmlns="">
+              <a14:hiddenFill xmlns="" xmlns:a14="http://schemas.microsoft.com/office/drawing/2010/main">
                 <a:solidFill>
                   <a:srgbClr val="FFFFFF"/>
                 </a:solidFill>
               </a14:hiddenFill>
             </a:ext>
             <a:ext uri="{91240B29-F687-4f45-9708-019B960494DF}">
-              <a14:hiddenLine xmlns:a14="http://schemas.microsoft.com/office/drawing/2010/main" xmlns="" w="9525">
+              <a14:hiddenLine xmlns="" xmlns:a14="http://schemas.microsoft.com/office/drawing/2010/main" w="9525">
                 <a:solidFill>
                   <a:srgbClr val="000000"/>
                 </a:solidFill>
@@ -22788,14 +22790,14 @@
           </a:ln>
           <a:extLst>
             <a:ext uri="{909E8E84-426E-40dd-AFC4-6F175D3DCCD1}">
-              <a14:hiddenFill xmlns:a14="http://schemas.microsoft.com/office/drawing/2010/main" xmlns="">
+              <a14:hiddenFill xmlns="" xmlns:a14="http://schemas.microsoft.com/office/drawing/2010/main">
                 <a:solidFill>
                   <a:srgbClr val="FFFFFF"/>
                 </a:solidFill>
               </a14:hiddenFill>
             </a:ext>
             <a:ext uri="{91240B29-F687-4f45-9708-019B960494DF}">
-              <a14:hiddenLine xmlns:a14="http://schemas.microsoft.com/office/drawing/2010/main" xmlns="" w="9525">
+              <a14:hiddenLine xmlns="" xmlns:a14="http://schemas.microsoft.com/office/drawing/2010/main" w="9525">
                 <a:solidFill>
                   <a:srgbClr val="000000"/>
                 </a:solidFill>
@@ -24195,7 +24197,7 @@
           <a:effectLst/>
           <a:extLst>
             <a:ext uri="{91240B29-F687-4f45-9708-019B960494DF}">
-              <a14:hiddenLine xmlns:a14="http://schemas.microsoft.com/office/drawing/2010/main" xmlns="" w="9525">
+              <a14:hiddenLine xmlns="" xmlns:a14="http://schemas.microsoft.com/office/drawing/2010/main" w="9525">
                 <a:solidFill>
                   <a:schemeClr val="tx1"/>
                 </a:solidFill>
@@ -24205,7 +24207,7 @@
               </a14:hiddenLine>
             </a:ext>
             <a:ext uri="{AF507438-7753-43e0-B8FC-AC1667EBCBE1}">
-              <a14:hiddenEffects xmlns:a14="http://schemas.microsoft.com/office/drawing/2010/main" xmlns="">
+              <a14:hiddenEffects xmlns="" xmlns:a14="http://schemas.microsoft.com/office/drawing/2010/main">
                 <a:effectLst>
                   <a:outerShdw dist="35921" dir="2700000" algn="ctr" rotWithShape="0">
                     <a:schemeClr val="bg2"/>
@@ -25239,7 +25241,7 @@
           <a:effectLst/>
           <a:extLst>
             <a:ext uri="{91240B29-F687-4f45-9708-019B960494DF}">
-              <a14:hiddenLine xmlns:a14="http://schemas.microsoft.com/office/drawing/2010/main" xmlns="" w="9525">
+              <a14:hiddenLine xmlns="" xmlns:a14="http://schemas.microsoft.com/office/drawing/2010/main" w="9525">
                 <a:solidFill>
                   <a:schemeClr val="tx1"/>
                 </a:solidFill>
@@ -25249,7 +25251,7 @@
               </a14:hiddenLine>
             </a:ext>
             <a:ext uri="{AF507438-7753-43e0-B8FC-AC1667EBCBE1}">
-              <a14:hiddenEffects xmlns:a14="http://schemas.microsoft.com/office/drawing/2010/main" xmlns="">
+              <a14:hiddenEffects xmlns="" xmlns:a14="http://schemas.microsoft.com/office/drawing/2010/main">
                 <a:effectLst>
                   <a:outerShdw dist="35921" dir="2700000" algn="ctr" rotWithShape="0">
                     <a:schemeClr val="bg2"/>
@@ -26351,7 +26353,7 @@
           <a:effectLst/>
           <a:extLst>
             <a:ext uri="{91240B29-F687-4f45-9708-019B960494DF}">
-              <a14:hiddenLine xmlns:a14="http://schemas.microsoft.com/office/drawing/2010/main" xmlns="" w="9525">
+              <a14:hiddenLine xmlns="" xmlns:a14="http://schemas.microsoft.com/office/drawing/2010/main" w="9525">
                 <a:solidFill>
                   <a:schemeClr val="tx1"/>
                 </a:solidFill>
@@ -26361,7 +26363,7 @@
               </a14:hiddenLine>
             </a:ext>
             <a:ext uri="{AF507438-7753-43e0-B8FC-AC1667EBCBE1}">
-              <a14:hiddenEffects xmlns:a14="http://schemas.microsoft.com/office/drawing/2010/main" xmlns="">
+              <a14:hiddenEffects xmlns="" xmlns:a14="http://schemas.microsoft.com/office/drawing/2010/main">
                 <a:effectLst>
                   <a:outerShdw dist="35921" dir="2700000" algn="ctr" rotWithShape="0">
                     <a:schemeClr val="bg2"/>
@@ -27528,7 +27530,7 @@
           <a:effectLst/>
           <a:extLst>
             <a:ext uri="{91240B29-F687-4f45-9708-019B960494DF}">
-              <a14:hiddenLine xmlns:a14="http://schemas.microsoft.com/office/drawing/2010/main" xmlns="" w="9525">
+              <a14:hiddenLine xmlns="" xmlns:a14="http://schemas.microsoft.com/office/drawing/2010/main" w="9525">
                 <a:solidFill>
                   <a:schemeClr val="tx1"/>
                 </a:solidFill>
@@ -27538,7 +27540,7 @@
               </a14:hiddenLine>
             </a:ext>
             <a:ext uri="{AF507438-7753-43e0-B8FC-AC1667EBCBE1}">
-              <a14:hiddenEffects xmlns:a14="http://schemas.microsoft.com/office/drawing/2010/main" xmlns="">
+              <a14:hiddenEffects xmlns="" xmlns:a14="http://schemas.microsoft.com/office/drawing/2010/main">
                 <a:effectLst>
                   <a:outerShdw dist="35921" dir="2700000" algn="ctr" rotWithShape="0">
                     <a:schemeClr val="bg2"/>
@@ -40852,7 +40854,7 @@
           <a:effectLst/>
           <a:extLst>
             <a:ext uri="{91240B29-F687-4f45-9708-019B960494DF}">
-              <a14:hiddenLine xmlns:a14="http://schemas.microsoft.com/office/drawing/2010/main" xmlns="" w="9525">
+              <a14:hiddenLine xmlns="" xmlns:a14="http://schemas.microsoft.com/office/drawing/2010/main" w="9525">
                 <a:solidFill>
                   <a:schemeClr val="tx1"/>
                 </a:solidFill>
@@ -40862,7 +40864,7 @@
               </a14:hiddenLine>
             </a:ext>
             <a:ext uri="{AF507438-7753-43e0-B8FC-AC1667EBCBE1}">
-              <a14:hiddenEffects xmlns:a14="http://schemas.microsoft.com/office/drawing/2010/main" xmlns="">
+              <a14:hiddenEffects xmlns="" xmlns:a14="http://schemas.microsoft.com/office/drawing/2010/main">
                 <a:effectLst>
                   <a:outerShdw dist="35921" dir="2700000" algn="ctr" rotWithShape="0">
                     <a:schemeClr val="bg2"/>
@@ -41046,7 +41048,7 @@
           <a:effectLst/>
           <a:extLst>
             <a:ext uri="{91240B29-F687-4f45-9708-019B960494DF}">
-              <a14:hiddenLine xmlns:a14="http://schemas.microsoft.com/office/drawing/2010/main" xmlns="" w="9525">
+              <a14:hiddenLine xmlns="" xmlns:a14="http://schemas.microsoft.com/office/drawing/2010/main" w="9525">
                 <a:solidFill>
                   <a:schemeClr val="tx1"/>
                 </a:solidFill>
@@ -41056,7 +41058,7 @@
               </a14:hiddenLine>
             </a:ext>
             <a:ext uri="{AF507438-7753-43e0-B8FC-AC1667EBCBE1}">
-              <a14:hiddenEffects xmlns:a14="http://schemas.microsoft.com/office/drawing/2010/main" xmlns="">
+              <a14:hiddenEffects xmlns="" xmlns:a14="http://schemas.microsoft.com/office/drawing/2010/main">
                 <a:effectLst>
                   <a:outerShdw dist="35921" dir="2700000" algn="ctr" rotWithShape="0">
                     <a:schemeClr val="bg2"/>
@@ -41810,7 +41812,7 @@
           <a:effectLst/>
           <a:extLst>
             <a:ext uri="{91240B29-F687-4f45-9708-019B960494DF}">
-              <a14:hiddenLine xmlns:a14="http://schemas.microsoft.com/office/drawing/2010/main" xmlns="" w="9525">
+              <a14:hiddenLine xmlns="" xmlns:a14="http://schemas.microsoft.com/office/drawing/2010/main" w="9525">
                 <a:solidFill>
                   <a:schemeClr val="tx1"/>
                 </a:solidFill>
@@ -41820,7 +41822,7 @@
               </a14:hiddenLine>
             </a:ext>
             <a:ext uri="{AF507438-7753-43e0-B8FC-AC1667EBCBE1}">
-              <a14:hiddenEffects xmlns:a14="http://schemas.microsoft.com/office/drawing/2010/main" xmlns="">
+              <a14:hiddenEffects xmlns="" xmlns:a14="http://schemas.microsoft.com/office/drawing/2010/main">
                 <a:effectLst>
                   <a:outerShdw dist="35921" dir="2700000" algn="ctr" rotWithShape="0">
                     <a:schemeClr val="bg2"/>

--- a/ppt/ch8.pptx
+++ b/ppt/ch8.pptx
@@ -5,7 +5,7 @@
     <p:sldMasterId id="2147483648" r:id="rId1"/>
   </p:sldMasterIdLst>
   <p:notesMasterIdLst>
-    <p:notesMasterId r:id="rId39"/>
+    <p:notesMasterId r:id="rId40"/>
   </p:notesMasterIdLst>
   <p:sldIdLst>
     <p:sldId id="294" r:id="rId2"/>
@@ -25,26 +25,27 @@
     <p:sldId id="312" r:id="rId16"/>
     <p:sldId id="315" r:id="rId17"/>
     <p:sldId id="316" r:id="rId18"/>
-    <p:sldId id="317" r:id="rId19"/>
-    <p:sldId id="318" r:id="rId20"/>
-    <p:sldId id="321" r:id="rId21"/>
-    <p:sldId id="322" r:id="rId22"/>
-    <p:sldId id="323" r:id="rId23"/>
-    <p:sldId id="319" r:id="rId24"/>
-    <p:sldId id="320" r:id="rId25"/>
-    <p:sldId id="299" r:id="rId26"/>
-    <p:sldId id="327" r:id="rId27"/>
-    <p:sldId id="324" r:id="rId28"/>
-    <p:sldId id="328" r:id="rId29"/>
-    <p:sldId id="329" r:id="rId30"/>
-    <p:sldId id="325" r:id="rId31"/>
-    <p:sldId id="330" r:id="rId32"/>
-    <p:sldId id="331" r:id="rId33"/>
-    <p:sldId id="326" r:id="rId34"/>
-    <p:sldId id="300" r:id="rId35"/>
-    <p:sldId id="332" r:id="rId36"/>
-    <p:sldId id="333" r:id="rId37"/>
-    <p:sldId id="301" r:id="rId38"/>
+    <p:sldId id="334" r:id="rId19"/>
+    <p:sldId id="317" r:id="rId20"/>
+    <p:sldId id="318" r:id="rId21"/>
+    <p:sldId id="321" r:id="rId22"/>
+    <p:sldId id="322" r:id="rId23"/>
+    <p:sldId id="323" r:id="rId24"/>
+    <p:sldId id="319" r:id="rId25"/>
+    <p:sldId id="320" r:id="rId26"/>
+    <p:sldId id="299" r:id="rId27"/>
+    <p:sldId id="327" r:id="rId28"/>
+    <p:sldId id="324" r:id="rId29"/>
+    <p:sldId id="328" r:id="rId30"/>
+    <p:sldId id="329" r:id="rId31"/>
+    <p:sldId id="325" r:id="rId32"/>
+    <p:sldId id="330" r:id="rId33"/>
+    <p:sldId id="331" r:id="rId34"/>
+    <p:sldId id="326" r:id="rId35"/>
+    <p:sldId id="300" r:id="rId36"/>
+    <p:sldId id="332" r:id="rId37"/>
+    <p:sldId id="333" r:id="rId38"/>
+    <p:sldId id="301" r:id="rId39"/>
   </p:sldIdLst>
   <p:sldSz cx="12192000" cy="6858000"/>
   <p:notesSz cx="6858000" cy="9144000"/>
@@ -274,7 +275,7 @@
           <a:p>
             <a:fld id="{BD44292E-5126-46A5-9121-AA1AFBC221D9}" type="datetimeFigureOut">
               <a:rPr lang="zh-CN" altLang="en-US" smtClean="0"/>
-              <a:t>2018/11/14</a:t>
+              <a:t>2018/11/26</a:t>
             </a:fld>
             <a:endParaRPr lang="zh-CN" altLang="en-US"/>
           </a:p>
@@ -1358,7 +1359,7 @@
           <a:p>
             <a:fld id="{2F105051-CC04-4EB9-8666-88DDD402FC00}" type="slidenum">
               <a:rPr lang="zh-CN" altLang="en-US" smtClean="0"/>
-              <a:t>18</a:t>
+              <a:t>19</a:t>
             </a:fld>
             <a:endParaRPr lang="zh-CN" altLang="en-US"/>
           </a:p>
@@ -1442,7 +1443,7 @@
           <a:p>
             <a:fld id="{2F105051-CC04-4EB9-8666-88DDD402FC00}" type="slidenum">
               <a:rPr lang="zh-CN" altLang="en-US" smtClean="0"/>
-              <a:t>19</a:t>
+              <a:t>20</a:t>
             </a:fld>
             <a:endParaRPr lang="zh-CN" altLang="en-US"/>
           </a:p>
@@ -1526,7 +1527,7 @@
           <a:p>
             <a:fld id="{2F105051-CC04-4EB9-8666-88DDD402FC00}" type="slidenum">
               <a:rPr lang="zh-CN" altLang="en-US" smtClean="0"/>
-              <a:t>20</a:t>
+              <a:t>21</a:t>
             </a:fld>
             <a:endParaRPr lang="zh-CN" altLang="en-US"/>
           </a:p>
@@ -1610,7 +1611,7 @@
           <a:p>
             <a:fld id="{2F105051-CC04-4EB9-8666-88DDD402FC00}" type="slidenum">
               <a:rPr lang="zh-CN" altLang="en-US" smtClean="0"/>
-              <a:t>21</a:t>
+              <a:t>22</a:t>
             </a:fld>
             <a:endParaRPr lang="zh-CN" altLang="en-US"/>
           </a:p>
@@ -1778,7 +1779,7 @@
           <a:p>
             <a:fld id="{2F105051-CC04-4EB9-8666-88DDD402FC00}" type="slidenum">
               <a:rPr lang="zh-CN" altLang="en-US" smtClean="0"/>
-              <a:t>22</a:t>
+              <a:t>23</a:t>
             </a:fld>
             <a:endParaRPr lang="zh-CN" altLang="en-US"/>
           </a:p>
@@ -1862,7 +1863,7 @@
           <a:p>
             <a:fld id="{2F105051-CC04-4EB9-8666-88DDD402FC00}" type="slidenum">
               <a:rPr lang="zh-CN" altLang="en-US" smtClean="0"/>
-              <a:t>23</a:t>
+              <a:t>24</a:t>
             </a:fld>
             <a:endParaRPr lang="zh-CN" altLang="en-US"/>
           </a:p>
@@ -1946,7 +1947,7 @@
           <a:p>
             <a:fld id="{2F105051-CC04-4EB9-8666-88DDD402FC00}" type="slidenum">
               <a:rPr lang="zh-CN" altLang="en-US" smtClean="0"/>
-              <a:t>24</a:t>
+              <a:t>25</a:t>
             </a:fld>
             <a:endParaRPr lang="zh-CN" altLang="en-US"/>
           </a:p>
@@ -2030,7 +2031,7 @@
           <a:p>
             <a:fld id="{678D3716-3079-41B6-8951-92C177AE559C}" type="slidenum">
               <a:rPr lang="zh-CN" altLang="en-US" smtClean="0"/>
-              <a:t>25</a:t>
+              <a:t>26</a:t>
             </a:fld>
             <a:endParaRPr lang="zh-CN" altLang="en-US"/>
           </a:p>
@@ -2114,7 +2115,7 @@
           <a:p>
             <a:fld id="{2F105051-CC04-4EB9-8666-88DDD402FC00}" type="slidenum">
               <a:rPr lang="zh-CN" altLang="en-US" smtClean="0"/>
-              <a:t>27</a:t>
+              <a:t>28</a:t>
             </a:fld>
             <a:endParaRPr lang="zh-CN" altLang="en-US"/>
           </a:p>
@@ -2198,7 +2199,7 @@
           <a:p>
             <a:fld id="{2F105051-CC04-4EB9-8666-88DDD402FC00}" type="slidenum">
               <a:rPr lang="zh-CN" altLang="en-US" smtClean="0"/>
-              <a:t>28</a:t>
+              <a:t>29</a:t>
             </a:fld>
             <a:endParaRPr lang="zh-CN" altLang="en-US"/>
           </a:p>
@@ -2282,7 +2283,7 @@
           <a:p>
             <a:fld id="{2F105051-CC04-4EB9-8666-88DDD402FC00}" type="slidenum">
               <a:rPr lang="zh-CN" altLang="en-US" smtClean="0"/>
-              <a:t>29</a:t>
+              <a:t>30</a:t>
             </a:fld>
             <a:endParaRPr lang="zh-CN" altLang="en-US"/>
           </a:p>
@@ -2366,7 +2367,7 @@
           <a:p>
             <a:fld id="{2F105051-CC04-4EB9-8666-88DDD402FC00}" type="slidenum">
               <a:rPr lang="zh-CN" altLang="en-US" smtClean="0"/>
-              <a:t>30</a:t>
+              <a:t>31</a:t>
             </a:fld>
             <a:endParaRPr lang="zh-CN" altLang="en-US"/>
           </a:p>
@@ -2450,7 +2451,7 @@
           <a:p>
             <a:fld id="{2F105051-CC04-4EB9-8666-88DDD402FC00}" type="slidenum">
               <a:rPr lang="zh-CN" altLang="en-US" smtClean="0"/>
-              <a:t>31</a:t>
+              <a:t>32</a:t>
             </a:fld>
             <a:endParaRPr lang="zh-CN" altLang="en-US"/>
           </a:p>
@@ -2534,7 +2535,7 @@
           <a:p>
             <a:fld id="{2F105051-CC04-4EB9-8666-88DDD402FC00}" type="slidenum">
               <a:rPr lang="zh-CN" altLang="en-US" smtClean="0"/>
-              <a:t>32</a:t>
+              <a:t>33</a:t>
             </a:fld>
             <a:endParaRPr lang="zh-CN" altLang="en-US"/>
           </a:p>
@@ -2702,7 +2703,7 @@
           <a:p>
             <a:fld id="{2F105051-CC04-4EB9-8666-88DDD402FC00}" type="slidenum">
               <a:rPr lang="zh-CN" altLang="en-US" smtClean="0"/>
-              <a:t>33</a:t>
+              <a:t>34</a:t>
             </a:fld>
             <a:endParaRPr lang="zh-CN" altLang="en-US"/>
           </a:p>
@@ -2826,7 +2827,7 @@
           <a:p>
             <a:fld id="{678D3716-3079-41B6-8951-92C177AE559C}" type="slidenum">
               <a:rPr lang="zh-CN" altLang="en-US" smtClean="0"/>
-              <a:t>34</a:t>
+              <a:t>35</a:t>
             </a:fld>
             <a:endParaRPr lang="zh-CN" altLang="en-US"/>
           </a:p>
@@ -3494,7 +3495,7 @@
               <a:pPr>
                 <a:defRPr/>
               </a:pPr>
-              <a:t>2018/11/14</a:t>
+              <a:t>2018/11/26</a:t>
             </a:fld>
             <a:endParaRPr lang="zh-CN" altLang="en-US"/>
           </a:p>
@@ -3686,7 +3687,7 @@
               <a:pPr>
                 <a:defRPr/>
               </a:pPr>
-              <a:t>2018/11/14</a:t>
+              <a:t>2018/11/26</a:t>
             </a:fld>
             <a:endParaRPr lang="zh-CN" altLang="en-US"/>
           </a:p>
@@ -3888,7 +3889,7 @@
               <a:pPr>
                 <a:defRPr/>
               </a:pPr>
-              <a:t>2018/11/14</a:t>
+              <a:t>2018/11/26</a:t>
             </a:fld>
             <a:endParaRPr lang="zh-CN" altLang="en-US"/>
           </a:p>
@@ -4080,7 +4081,7 @@
               <a:pPr>
                 <a:defRPr/>
               </a:pPr>
-              <a:t>2018/11/14</a:t>
+              <a:t>2018/11/26</a:t>
             </a:fld>
             <a:endParaRPr lang="zh-CN" altLang="en-US"/>
           </a:p>
@@ -4348,7 +4349,7 @@
               <a:pPr>
                 <a:defRPr/>
               </a:pPr>
-              <a:t>2018/11/14</a:t>
+              <a:t>2018/11/26</a:t>
             </a:fld>
             <a:endParaRPr lang="zh-CN" altLang="en-US"/>
           </a:p>
@@ -4602,7 +4603,7 @@
               <a:pPr>
                 <a:defRPr/>
               </a:pPr>
-              <a:t>2018/11/14</a:t>
+              <a:t>2018/11/26</a:t>
             </a:fld>
             <a:endParaRPr lang="zh-CN" altLang="en-US"/>
           </a:p>
@@ -4991,7 +4992,7 @@
               <a:pPr>
                 <a:defRPr/>
               </a:pPr>
-              <a:t>2018/11/14</a:t>
+              <a:t>2018/11/26</a:t>
             </a:fld>
             <a:endParaRPr lang="zh-CN" altLang="en-US"/>
           </a:p>
@@ -5131,7 +5132,7 @@
               <a:pPr>
                 <a:defRPr/>
               </a:pPr>
-              <a:t>2018/11/14</a:t>
+              <a:t>2018/11/26</a:t>
             </a:fld>
             <a:endParaRPr lang="zh-CN" altLang="en-US"/>
           </a:p>
@@ -5248,7 +5249,7 @@
               <a:pPr>
                 <a:defRPr/>
               </a:pPr>
-              <a:t>2018/11/14</a:t>
+              <a:t>2018/11/26</a:t>
             </a:fld>
             <a:endParaRPr lang="zh-CN" altLang="en-US"/>
           </a:p>
@@ -5547,7 +5548,7 @@
               <a:pPr>
                 <a:defRPr/>
               </a:pPr>
-              <a:t>2018/11/14</a:t>
+              <a:t>2018/11/26</a:t>
             </a:fld>
             <a:endParaRPr lang="zh-CN" altLang="en-US"/>
           </a:p>
@@ -5825,7 +5826,7 @@
               <a:pPr>
                 <a:defRPr/>
               </a:pPr>
-              <a:t>2018/11/14</a:t>
+              <a:t>2018/11/26</a:t>
             </a:fld>
             <a:endParaRPr lang="zh-CN" altLang="en-US"/>
           </a:p>
@@ -6088,7 +6089,7 @@
               <a:pPr>
                 <a:defRPr/>
               </a:pPr>
-              <a:t>2018/11/14</a:t>
+              <a:t>2018/11/26</a:t>
             </a:fld>
             <a:endParaRPr lang="zh-CN" altLang="en-US"/>
           </a:p>
@@ -6863,27 +6864,7 @@
                 <a:latin typeface="微软雅黑" pitchFamily="34" charset="-122"/>
                 <a:ea typeface="微软雅黑" pitchFamily="34" charset="-122"/>
               </a:rPr>
-              <a:t>：</a:t>
-            </a:r>
-            <a:r>
-              <a:rPr lang="zh-CN" altLang="en-US" sz="2000" smtClean="0">
-                <a:solidFill>
-                  <a:schemeClr val="bg1"/>
-                </a:solidFill>
-                <a:latin typeface="微软雅黑" pitchFamily="34" charset="-122"/>
-                <a:ea typeface="微软雅黑" pitchFamily="34" charset="-122"/>
-              </a:rPr>
-              <a:t>代立云</a:t>
-            </a:r>
-            <a:r>
-              <a:rPr lang="zh-CN" altLang="en-US" sz="2000" smtClean="0">
-                <a:solidFill>
-                  <a:schemeClr val="bg1"/>
-                </a:solidFill>
-                <a:latin typeface="微软雅黑" pitchFamily="34" charset="-122"/>
-                <a:ea typeface="微软雅黑" pitchFamily="34" charset="-122"/>
-              </a:rPr>
-              <a:t> </a:t>
+              <a:t>：代立云 </a:t>
             </a:r>
             <a:endParaRPr lang="zh-CN" altLang="en-US" sz="2000" dirty="0">
               <a:solidFill>
@@ -7386,7 +7367,7 @@
           </a:ln>
           <a:extLst>
             <a:ext uri="{91240B29-F687-4f45-9708-019B960494DF}">
-              <a14:hiddenLine xmlns:a14="http://schemas.microsoft.com/office/drawing/2010/main" xmlns="" w="12700" cap="flat" cmpd="sng">
+              <a14:hiddenLine xmlns="" xmlns:a14="http://schemas.microsoft.com/office/drawing/2010/main" w="12700" cap="flat" cmpd="sng">
                 <a:solidFill>
                   <a:srgbClr val="42719B"/>
                 </a:solidFill>
@@ -8816,7 +8797,7 @@
           <a:effectLst/>
           <a:extLst>
             <a:ext uri="{91240B29-F687-4f45-9708-019B960494DF}">
-              <a14:hiddenLine xmlns:a14="http://schemas.microsoft.com/office/drawing/2010/main" xmlns="" w="9525">
+              <a14:hiddenLine xmlns="" xmlns:a14="http://schemas.microsoft.com/office/drawing/2010/main" w="9525">
                 <a:solidFill>
                   <a:schemeClr val="tx1"/>
                 </a:solidFill>
@@ -8826,7 +8807,7 @@
               </a14:hiddenLine>
             </a:ext>
             <a:ext uri="{AF507438-7753-43e0-B8FC-AC1667EBCBE1}">
-              <a14:hiddenEffects xmlns:a14="http://schemas.microsoft.com/office/drawing/2010/main" xmlns="">
+              <a14:hiddenEffects xmlns="" xmlns:a14="http://schemas.microsoft.com/office/drawing/2010/main">
                 <a:effectLst>
                   <a:outerShdw dist="35921" dir="2700000" algn="ctr" rotWithShape="0">
                     <a:schemeClr val="bg2"/>
@@ -9818,7 +9799,7 @@
           <a:effectLst/>
           <a:extLst>
             <a:ext uri="{91240B29-F687-4f45-9708-019B960494DF}">
-              <a14:hiddenLine xmlns:a14="http://schemas.microsoft.com/office/drawing/2010/main" xmlns="" w="9525">
+              <a14:hiddenLine xmlns="" xmlns:a14="http://schemas.microsoft.com/office/drawing/2010/main" w="9525">
                 <a:solidFill>
                   <a:schemeClr val="tx1"/>
                 </a:solidFill>
@@ -9828,7 +9809,7 @@
               </a14:hiddenLine>
             </a:ext>
             <a:ext uri="{AF507438-7753-43e0-B8FC-AC1667EBCBE1}">
-              <a14:hiddenEffects xmlns:a14="http://schemas.microsoft.com/office/drawing/2010/main" xmlns="">
+              <a14:hiddenEffects xmlns="" xmlns:a14="http://schemas.microsoft.com/office/drawing/2010/main">
                 <a:effectLst>
                   <a:outerShdw dist="35921" dir="2700000" algn="ctr" rotWithShape="0">
                     <a:schemeClr val="bg2"/>
@@ -11052,7 +11033,7 @@
           <a:effectLst/>
           <a:extLst>
             <a:ext uri="{91240B29-F687-4f45-9708-019B960494DF}">
-              <a14:hiddenLine xmlns:a14="http://schemas.microsoft.com/office/drawing/2010/main" xmlns="" w="9525">
+              <a14:hiddenLine xmlns="" xmlns:a14="http://schemas.microsoft.com/office/drawing/2010/main" w="9525">
                 <a:solidFill>
                   <a:schemeClr val="tx1"/>
                 </a:solidFill>
@@ -11062,7 +11043,7 @@
               </a14:hiddenLine>
             </a:ext>
             <a:ext uri="{AF507438-7753-43e0-B8FC-AC1667EBCBE1}">
-              <a14:hiddenEffects xmlns:a14="http://schemas.microsoft.com/office/drawing/2010/main" xmlns="">
+              <a14:hiddenEffects xmlns="" xmlns:a14="http://schemas.microsoft.com/office/drawing/2010/main">
                 <a:effectLst>
                   <a:outerShdw dist="35921" dir="2700000" algn="ctr" rotWithShape="0">
                     <a:schemeClr val="bg2"/>
@@ -11688,7 +11669,7 @@
           <a:effectLst/>
           <a:extLst>
             <a:ext uri="{91240B29-F687-4f45-9708-019B960494DF}">
-              <a14:hiddenLine xmlns:a14="http://schemas.microsoft.com/office/drawing/2010/main" xmlns="" w="9525">
+              <a14:hiddenLine xmlns="" xmlns:a14="http://schemas.microsoft.com/office/drawing/2010/main" w="9525">
                 <a:solidFill>
                   <a:schemeClr val="tx1"/>
                 </a:solidFill>
@@ -11698,7 +11679,7 @@
               </a14:hiddenLine>
             </a:ext>
             <a:ext uri="{AF507438-7753-43e0-B8FC-AC1667EBCBE1}">
-              <a14:hiddenEffects xmlns:a14="http://schemas.microsoft.com/office/drawing/2010/main" xmlns="">
+              <a14:hiddenEffects xmlns="" xmlns:a14="http://schemas.microsoft.com/office/drawing/2010/main">
                 <a:effectLst>
                   <a:outerShdw dist="35921" dir="2700000" algn="ctr" rotWithShape="0">
                     <a:schemeClr val="bg2"/>
@@ -13462,7 +13443,7 @@
           <a:effectLst/>
           <a:extLst>
             <a:ext uri="{91240B29-F687-4f45-9708-019B960494DF}">
-              <a14:hiddenLine xmlns:a14="http://schemas.microsoft.com/office/drawing/2010/main" xmlns="" w="9525">
+              <a14:hiddenLine xmlns="" xmlns:a14="http://schemas.microsoft.com/office/drawing/2010/main" w="9525">
                 <a:solidFill>
                   <a:schemeClr val="tx1"/>
                 </a:solidFill>
@@ -13472,7 +13453,7 @@
               </a14:hiddenLine>
             </a:ext>
             <a:ext uri="{AF507438-7753-43e0-B8FC-AC1667EBCBE1}">
-              <a14:hiddenEffects xmlns:a14="http://schemas.microsoft.com/office/drawing/2010/main" xmlns="">
+              <a14:hiddenEffects xmlns="" xmlns:a14="http://schemas.microsoft.com/office/drawing/2010/main">
                 <a:effectLst>
                   <a:outerShdw dist="35921" dir="2700000" algn="ctr" rotWithShape="0">
                     <a:schemeClr val="bg2"/>
@@ -13629,7 +13610,7 @@
             <a:effectLst/>
             <a:extLst>
               <a:ext uri="{91240B29-F687-4f45-9708-019B960494DF}">
-                <a14:hiddenLine xmlns:a14="http://schemas.microsoft.com/office/drawing/2010/main" xmlns="" w="9525">
+                <a14:hiddenLine xmlns="" xmlns:a14="http://schemas.microsoft.com/office/drawing/2010/main" w="9525">
                   <a:solidFill>
                     <a:schemeClr val="tx1"/>
                   </a:solidFill>
@@ -13639,7 +13620,7 @@
                 </a14:hiddenLine>
               </a:ext>
               <a:ext uri="{AF507438-7753-43e0-B8FC-AC1667EBCBE1}">
-                <a14:hiddenEffects xmlns:a14="http://schemas.microsoft.com/office/drawing/2010/main" xmlns="">
+                <a14:hiddenEffects xmlns="" xmlns:a14="http://schemas.microsoft.com/office/drawing/2010/main">
                   <a:effectLst>
                     <a:outerShdw dist="35921" dir="2700000" algn="ctr" rotWithShape="0">
                       <a:schemeClr val="bg2"/>
@@ -14771,7 +14752,7 @@
           <a:effectLst/>
           <a:extLst>
             <a:ext uri="{91240B29-F687-4f45-9708-019B960494DF}">
-              <a14:hiddenLine xmlns:a14="http://schemas.microsoft.com/office/drawing/2010/main" xmlns="" w="9525">
+              <a14:hiddenLine xmlns="" xmlns:a14="http://schemas.microsoft.com/office/drawing/2010/main" w="9525">
                 <a:solidFill>
                   <a:schemeClr val="tx1"/>
                 </a:solidFill>
@@ -14781,7 +14762,7 @@
               </a14:hiddenLine>
             </a:ext>
             <a:ext uri="{AF507438-7753-43e0-B8FC-AC1667EBCBE1}">
-              <a14:hiddenEffects xmlns:a14="http://schemas.microsoft.com/office/drawing/2010/main" xmlns="">
+              <a14:hiddenEffects xmlns="" xmlns:a14="http://schemas.microsoft.com/office/drawing/2010/main">
                 <a:effectLst>
                   <a:outerShdw dist="35921" dir="2700000" algn="ctr" rotWithShape="0">
                     <a:schemeClr val="bg2"/>
@@ -14998,15 +14979,52 @@
           </a:p>
         </p:txBody>
       </p:sp>
+    </p:spTree>
+    <p:extLst>
+      <p:ext uri="{BB962C8B-B14F-4D97-AF65-F5344CB8AC3E}">
+        <p14:creationId xmlns:p14="http://schemas.microsoft.com/office/powerpoint/2010/main" val="631798438"/>
+      </p:ext>
+    </p:extLst>
+  </p:cSld>
+  <p:clrMapOvr>
+    <a:masterClrMapping/>
+  </p:clrMapOvr>
+  <p:timing>
+    <p:tnLst>
+      <p:par>
+        <p:cTn id="1" dur="indefinite" restart="never" nodeType="tmRoot"/>
+      </p:par>
+    </p:tnLst>
+  </p:timing>
+</p:sld>
+</file>
+
+<file path=ppt/slides/slide18.xml><?xml version="1.0" encoding="utf-8"?>
+<p:sld xmlns:a="http://schemas.openxmlformats.org/drawingml/2006/main" xmlns:r="http://schemas.openxmlformats.org/officeDocument/2006/relationships" xmlns:p="http://schemas.openxmlformats.org/presentationml/2006/main">
+  <p:cSld>
+    <p:spTree>
+      <p:nvGrpSpPr>
+        <p:cNvPr id="1" name=""/>
+        <p:cNvGrpSpPr/>
+        <p:nvPr/>
+      </p:nvGrpSpPr>
+      <p:grpSpPr>
+        <a:xfrm>
+          <a:off x="0" y="0"/>
+          <a:ext cx="0" cy="0"/>
+          <a:chOff x="0" y="0"/>
+          <a:chExt cx="0" cy="0"/>
+        </a:xfrm>
+      </p:grpSpPr>
       <p:sp>
         <p:nvSpPr>
-          <p:cNvPr id="9" name="矩形 8"/>
+          <p:cNvPr id="4" name="矩形 3"/>
           <p:cNvSpPr/>
           <p:nvPr/>
         </p:nvSpPr>
         <p:spPr>
           <a:xfrm>
-            <a:off x="1691741" y="1754858"/>
+            <a:off x="1075720" y="2120618"/>
             <a:ext cx="8726481" cy="3989320"/>
           </a:xfrm>
           <a:prstGeom prst="rect">
@@ -15258,10 +15276,109 @@
           </a:p>
         </p:txBody>
       </p:sp>
+      <p:sp>
+        <p:nvSpPr>
+          <p:cNvPr id="5" name="文本框 3"/>
+          <p:cNvSpPr txBox="1">
+            <a:spLocks noGrp="1" noChangeArrowheads="1"/>
+          </p:cNvSpPr>
+          <p:nvPr>
+            <p:ph type="title"/>
+          </p:nvPr>
+        </p:nvSpPr>
+        <p:spPr bwMode="auto">
+          <a:prstGeom prst="rect">
+            <a:avLst/>
+          </a:prstGeom>
+          <a:noFill/>
+          <a:ln w="9525">
+            <a:noFill/>
+            <a:miter lim="800000"/>
+            <a:headEnd/>
+            <a:tailEnd/>
+          </a:ln>
+        </p:spPr>
+        <p:txBody>
+          <a:bodyPr wrap="none">
+            <a:spAutoFit/>
+          </a:bodyPr>
+          <a:lstStyle/>
+          <a:p>
+            <a:pPr algn="ctr"/>
+            <a:r>
+              <a:rPr lang="en-US" altLang="zh-CN" sz="4800" dirty="0" smtClean="0">
+                <a:solidFill>
+                  <a:schemeClr val="bg1"/>
+                </a:solidFill>
+                <a:latin typeface="Calibri" pitchFamily="34" charset="0"/>
+                <a:ea typeface="方正大黑简体" pitchFamily="2" charset="-122"/>
+              </a:rPr>
+              <a:t>8.3.3 </a:t>
+            </a:r>
+            <a:r>
+              <a:rPr lang="zh-CN" altLang="en-US" sz="4800" dirty="0" smtClean="0">
+                <a:solidFill>
+                  <a:schemeClr val="bg1"/>
+                </a:solidFill>
+                <a:latin typeface="Calibri" pitchFamily="34" charset="0"/>
+                <a:ea typeface="方正大黑简体" pitchFamily="2" charset="-122"/>
+              </a:rPr>
+              <a:t>使用</a:t>
+            </a:r>
+            <a:r>
+              <a:rPr lang="en-US" altLang="zh-CN" sz="4800" dirty="0" smtClean="0">
+                <a:solidFill>
+                  <a:schemeClr val="bg1"/>
+                </a:solidFill>
+                <a:latin typeface="Calibri" pitchFamily="34" charset="0"/>
+                <a:ea typeface="方正大黑简体" pitchFamily="2" charset="-122"/>
+              </a:rPr>
+              <a:t>SQL</a:t>
+            </a:r>
+            <a:r>
+              <a:rPr lang="zh-CN" altLang="en-US" sz="4800" dirty="0" smtClean="0">
+                <a:solidFill>
+                  <a:schemeClr val="bg1"/>
+                </a:solidFill>
+                <a:latin typeface="Calibri" pitchFamily="34" charset="0"/>
+                <a:ea typeface="方正大黑简体" pitchFamily="2" charset="-122"/>
+              </a:rPr>
+              <a:t>语句操作</a:t>
+            </a:r>
+            <a:r>
+              <a:rPr lang="en-US" altLang="zh-CN" sz="4800" dirty="0" smtClean="0">
+                <a:solidFill>
+                  <a:schemeClr val="bg1"/>
+                </a:solidFill>
+                <a:latin typeface="Calibri" pitchFamily="34" charset="0"/>
+                <a:ea typeface="方正大黑简体" pitchFamily="2" charset="-122"/>
+              </a:rPr>
+              <a:t>SQLite</a:t>
+            </a:r>
+            <a:r>
+              <a:rPr lang="zh-CN" altLang="en-US" sz="4800" dirty="0" smtClean="0">
+                <a:solidFill>
+                  <a:schemeClr val="bg1"/>
+                </a:solidFill>
+                <a:latin typeface="Calibri" pitchFamily="34" charset="0"/>
+                <a:ea typeface="方正大黑简体" pitchFamily="2" charset="-122"/>
+              </a:rPr>
+              <a:t>数据库</a:t>
+            </a:r>
+            <a:endParaRPr lang="zh-CN" altLang="en-US" sz="4800" dirty="0">
+              <a:solidFill>
+                <a:schemeClr val="bg1"/>
+              </a:solidFill>
+              <a:latin typeface="Calibri" pitchFamily="34" charset="0"/>
+              <a:ea typeface="方正大黑简体" pitchFamily="2" charset="-122"/>
+            </a:endParaRPr>
+          </a:p>
+        </p:txBody>
+      </p:sp>
     </p:spTree>
     <p:extLst>
       <p:ext uri="{BB962C8B-B14F-4D97-AF65-F5344CB8AC3E}">
-        <p14:creationId xmlns:p14="http://schemas.microsoft.com/office/powerpoint/2010/main" val="631798438"/>
+        <p14:creationId xmlns:p14="http://schemas.microsoft.com/office/powerpoint/2010/main" val="695051114"/>
       </p:ext>
     </p:extLst>
   </p:cSld>
@@ -15302,7 +15419,7 @@
                                           </p:stCondLst>
                                         </p:cTn>
                                         <p:tgtEl>
-                                          <p:spTgt spid="9"/>
+                                          <p:spTgt spid="4"/>
                                         </p:tgtEl>
                                         <p:attrNameLst>
                                           <p:attrName>style.visibility</p:attrName>
@@ -15316,7 +15433,7 @@
                                       <p:cBhvr>
                                         <p:cTn id="7" dur="500"/>
                                         <p:tgtEl>
-                                          <p:spTgt spid="9"/>
+                                          <p:spTgt spid="4"/>
                                         </p:tgtEl>
                                       </p:cBhvr>
                                     </p:animEffect>
@@ -15324,7 +15441,7 @@
                                       <p:cBhvr>
                                         <p:cTn id="8" dur="500" fill="hold"/>
                                         <p:tgtEl>
-                                          <p:spTgt spid="9"/>
+                                          <p:spTgt spid="4"/>
                                         </p:tgtEl>
                                         <p:attrNameLst>
                                           <p:attrName>ppt_x</p:attrName>
@@ -15347,7 +15464,7 @@
                                       <p:cBhvr>
                                         <p:cTn id="9" dur="500" fill="hold"/>
                                         <p:tgtEl>
-                                          <p:spTgt spid="9"/>
+                                          <p:spTgt spid="4"/>
                                         </p:tgtEl>
                                         <p:attrNameLst>
                                           <p:attrName>ppt_y</p:attrName>
@@ -15397,13 +15514,13 @@
       </p:par>
     </p:tnLst>
     <p:bldLst>
-      <p:bldP spid="9" grpId="0" animBg="1"/>
+      <p:bldP spid="4" grpId="0" animBg="1"/>
     </p:bldLst>
   </p:timing>
 </p:sld>
 </file>
 
-<file path=ppt/slides/slide18.xml><?xml version="1.0" encoding="utf-8"?>
+<file path=ppt/slides/slide19.xml><?xml version="1.0" encoding="utf-8"?>
 <p:sld xmlns:a="http://schemas.openxmlformats.org/drawingml/2006/main" xmlns:r="http://schemas.openxmlformats.org/officeDocument/2006/relationships" xmlns:p="http://schemas.openxmlformats.org/presentationml/2006/main">
   <p:cSld>
     <p:spTree>
@@ -16277,1040 +16394,6 @@
 </p:sld>
 </file>
 
-<file path=ppt/slides/slide19.xml><?xml version="1.0" encoding="utf-8"?>
-<p:sld xmlns:a="http://schemas.openxmlformats.org/drawingml/2006/main" xmlns:r="http://schemas.openxmlformats.org/officeDocument/2006/relationships" xmlns:p="http://schemas.openxmlformats.org/presentationml/2006/main">
-  <p:cSld>
-    <p:spTree>
-      <p:nvGrpSpPr>
-        <p:cNvPr id="1" name=""/>
-        <p:cNvGrpSpPr/>
-        <p:nvPr/>
-      </p:nvGrpSpPr>
-      <p:grpSpPr>
-        <a:xfrm>
-          <a:off x="0" y="0"/>
-          <a:ext cx="0" cy="0"/>
-          <a:chOff x="0" y="0"/>
-          <a:chExt cx="0" cy="0"/>
-        </a:xfrm>
-      </p:grpSpPr>
-      <p:sp>
-        <p:nvSpPr>
-          <p:cNvPr id="11" name="文本框 3"/>
-          <p:cNvSpPr txBox="1">
-            <a:spLocks noChangeArrowheads="1"/>
-          </p:cNvSpPr>
-          <p:nvPr/>
-        </p:nvSpPr>
-        <p:spPr bwMode="auto">
-          <a:xfrm>
-            <a:off x="1082404" y="356358"/>
-            <a:ext cx="9945158" cy="830997"/>
-          </a:xfrm>
-          <a:prstGeom prst="rect">
-            <a:avLst/>
-          </a:prstGeom>
-          <a:noFill/>
-          <a:ln w="9525">
-            <a:noFill/>
-            <a:miter lim="800000"/>
-            <a:headEnd/>
-            <a:tailEnd/>
-          </a:ln>
-        </p:spPr>
-        <p:txBody>
-          <a:bodyPr wrap="none">
-            <a:spAutoFit/>
-          </a:bodyPr>
-          <a:lstStyle/>
-          <a:p>
-            <a:pPr algn="ctr"/>
-            <a:r>
-              <a:rPr lang="en-US" altLang="zh-CN" sz="4800" dirty="0" smtClean="0">
-                <a:solidFill>
-                  <a:schemeClr val="bg1"/>
-                </a:solidFill>
-                <a:latin typeface="Calibri" pitchFamily="34" charset="0"/>
-                <a:ea typeface="方正大黑简体" pitchFamily="2" charset="-122"/>
-              </a:rPr>
-              <a:t>8.3.5 </a:t>
-            </a:r>
-            <a:r>
-              <a:rPr lang="zh-CN" altLang="en-US" sz="4800" dirty="0" smtClean="0">
-                <a:solidFill>
-                  <a:schemeClr val="bg1"/>
-                </a:solidFill>
-                <a:latin typeface="Calibri" pitchFamily="34" charset="0"/>
-                <a:ea typeface="方正大黑简体" pitchFamily="2" charset="-122"/>
-              </a:rPr>
-              <a:t>使用特定方法操作</a:t>
-            </a:r>
-            <a:r>
-              <a:rPr lang="en-US" altLang="zh-CN" sz="4800" dirty="0" smtClean="0">
-                <a:solidFill>
-                  <a:schemeClr val="bg1"/>
-                </a:solidFill>
-                <a:latin typeface="Calibri" pitchFamily="34" charset="0"/>
-                <a:ea typeface="方正大黑简体" pitchFamily="2" charset="-122"/>
-              </a:rPr>
-              <a:t>SQLite</a:t>
-            </a:r>
-            <a:r>
-              <a:rPr lang="zh-CN" altLang="en-US" sz="4800" dirty="0" smtClean="0">
-                <a:solidFill>
-                  <a:schemeClr val="bg1"/>
-                </a:solidFill>
-                <a:latin typeface="Calibri" pitchFamily="34" charset="0"/>
-                <a:ea typeface="方正大黑简体" pitchFamily="2" charset="-122"/>
-              </a:rPr>
-              <a:t>数据库</a:t>
-            </a:r>
-            <a:endParaRPr lang="zh-CN" altLang="en-US" sz="4800" dirty="0">
-              <a:solidFill>
-                <a:schemeClr val="bg1"/>
-              </a:solidFill>
-              <a:latin typeface="Calibri" pitchFamily="34" charset="0"/>
-              <a:ea typeface="方正大黑简体" pitchFamily="2" charset="-122"/>
-            </a:endParaRPr>
-          </a:p>
-        </p:txBody>
-      </p:sp>
-      <p:cxnSp>
-        <p:nvCxnSpPr>
-          <p:cNvPr id="12" name="直接连接符 11"/>
-          <p:cNvCxnSpPr/>
-          <p:nvPr/>
-        </p:nvCxnSpPr>
-        <p:spPr>
-          <a:xfrm>
-            <a:off x="1087220" y="1187355"/>
-            <a:ext cx="9729788" cy="0"/>
-          </a:xfrm>
-          <a:prstGeom prst="line">
-            <a:avLst/>
-          </a:prstGeom>
-          <a:ln>
-            <a:solidFill>
-              <a:schemeClr val="bg1"/>
-            </a:solidFill>
-          </a:ln>
-        </p:spPr>
-        <p:style>
-          <a:lnRef idx="1">
-            <a:schemeClr val="accent1"/>
-          </a:lnRef>
-          <a:fillRef idx="0">
-            <a:schemeClr val="accent1"/>
-          </a:fillRef>
-          <a:effectRef idx="0">
-            <a:schemeClr val="accent1"/>
-          </a:effectRef>
-          <a:fontRef idx="minor">
-            <a:schemeClr val="tx1"/>
-          </a:fontRef>
-        </p:style>
-      </p:cxnSp>
-      <p:sp>
-        <p:nvSpPr>
-          <p:cNvPr id="2" name="矩形 1"/>
-          <p:cNvSpPr/>
-          <p:nvPr/>
-        </p:nvSpPr>
-        <p:spPr>
-          <a:xfrm>
-            <a:off x="992252" y="1305652"/>
-            <a:ext cx="3701654" cy="461665"/>
-          </a:xfrm>
-          <a:prstGeom prst="rect">
-            <a:avLst/>
-          </a:prstGeom>
-        </p:spPr>
-        <p:txBody>
-          <a:bodyPr wrap="none">
-            <a:spAutoFit/>
-          </a:bodyPr>
-          <a:lstStyle/>
-          <a:p>
-            <a:r>
-              <a:rPr lang="en-US" altLang="zh-CN" sz="2400" b="1" dirty="0" smtClean="0">
-                <a:solidFill>
-                  <a:srgbClr val="FE5A3E"/>
-                </a:solidFill>
-                <a:latin typeface="Calibri" pitchFamily="34" charset="0"/>
-                <a:ea typeface="方正大黑简体" pitchFamily="2" charset="-122"/>
-              </a:rPr>
-              <a:t>1. </a:t>
-            </a:r>
-            <a:r>
-              <a:rPr lang="zh-CN" altLang="en-US" sz="2400" b="1" dirty="0" smtClean="0">
-                <a:solidFill>
-                  <a:srgbClr val="FE5A3E"/>
-                </a:solidFill>
-                <a:latin typeface="Calibri" pitchFamily="34" charset="0"/>
-                <a:ea typeface="方正大黑简体" pitchFamily="2" charset="-122"/>
-              </a:rPr>
-              <a:t>使用</a:t>
-            </a:r>
-            <a:r>
-              <a:rPr lang="en-US" altLang="zh-CN" sz="2400" b="1" dirty="0" smtClean="0">
-                <a:solidFill>
-                  <a:srgbClr val="FE5A3E"/>
-                </a:solidFill>
-                <a:latin typeface="Calibri" pitchFamily="34" charset="0"/>
-                <a:ea typeface="方正大黑简体" pitchFamily="2" charset="-122"/>
-              </a:rPr>
-              <a:t>insert</a:t>
-            </a:r>
-            <a:r>
-              <a:rPr lang="zh-CN" altLang="en-US" sz="2400" b="1" dirty="0" smtClean="0">
-                <a:solidFill>
-                  <a:srgbClr val="FE5A3E"/>
-                </a:solidFill>
-                <a:latin typeface="Calibri" pitchFamily="34" charset="0"/>
-                <a:ea typeface="方正大黑简体" pitchFamily="2" charset="-122"/>
-              </a:rPr>
-              <a:t>方法插入记录</a:t>
-            </a:r>
-            <a:endParaRPr lang="zh-CN" altLang="en-US" sz="2400" b="1" dirty="0">
-              <a:solidFill>
-                <a:srgbClr val="FE5A3E"/>
-              </a:solidFill>
-            </a:endParaRPr>
-          </a:p>
-        </p:txBody>
-      </p:sp>
-      <p:sp>
-        <p:nvSpPr>
-          <p:cNvPr id="6" name="矩形 5"/>
-          <p:cNvSpPr/>
-          <p:nvPr/>
-        </p:nvSpPr>
-        <p:spPr>
-          <a:xfrm>
-            <a:off x="1084812" y="1885612"/>
-            <a:ext cx="9734604" cy="3278815"/>
-          </a:xfrm>
-          <a:prstGeom prst="rect">
-            <a:avLst/>
-          </a:prstGeom>
-          <a:solidFill>
-            <a:srgbClr val="FE5A3E"/>
-          </a:solidFill>
-          <a:ln>
-            <a:noFill/>
-          </a:ln>
-        </p:spPr>
-        <p:style>
-          <a:lnRef idx="2">
-            <a:schemeClr val="accent1">
-              <a:shade val="50000"/>
-            </a:schemeClr>
-          </a:lnRef>
-          <a:fillRef idx="1">
-            <a:schemeClr val="accent1"/>
-          </a:fillRef>
-          <a:effectRef idx="0">
-            <a:schemeClr val="accent1"/>
-          </a:effectRef>
-          <a:fontRef idx="minor">
-            <a:schemeClr val="lt1"/>
-          </a:fontRef>
-        </p:style>
-        <p:txBody>
-          <a:bodyPr anchor="ctr"/>
-          <a:lstStyle/>
-          <a:p>
-            <a:pPr fontAlgn="auto">
-              <a:spcBef>
-                <a:spcPts val="0"/>
-              </a:spcBef>
-              <a:spcAft>
-                <a:spcPts val="0"/>
-              </a:spcAft>
-              <a:defRPr/>
-            </a:pPr>
-            <a:r>
-              <a:rPr lang="en-US" altLang="zh-CN" dirty="0" err="1" smtClean="0"/>
-              <a:t>SQLiteDatabase</a:t>
-            </a:r>
-            <a:r>
-              <a:rPr lang="zh-CN" altLang="en-US" dirty="0" smtClean="0"/>
-              <a:t>的</a:t>
-            </a:r>
-            <a:r>
-              <a:rPr lang="en-US" altLang="zh-CN" dirty="0" smtClean="0"/>
-              <a:t>insert</a:t>
-            </a:r>
-            <a:r>
-              <a:rPr lang="zh-CN" altLang="en-US" dirty="0" smtClean="0"/>
-              <a:t>方法的签名为 </a:t>
-            </a:r>
-            <a:r>
-              <a:rPr lang="en-US" altLang="zh-CN" dirty="0" smtClean="0"/>
-              <a:t>long insert(String table, String </a:t>
-            </a:r>
-            <a:r>
-              <a:rPr lang="en-US" altLang="zh-CN" dirty="0" err="1" smtClean="0"/>
-              <a:t>nullColumnHack</a:t>
-            </a:r>
-            <a:r>
-              <a:rPr lang="en-US" altLang="zh-CN" dirty="0" smtClean="0"/>
-              <a:t>, </a:t>
-            </a:r>
-            <a:r>
-              <a:rPr lang="en-US" altLang="zh-CN" dirty="0" err="1" smtClean="0"/>
-              <a:t>ContentValues</a:t>
-            </a:r>
-            <a:r>
-              <a:rPr lang="en-US" altLang="zh-CN" dirty="0" smtClean="0"/>
-              <a:t> values)</a:t>
-            </a:r>
-            <a:r>
-              <a:rPr lang="zh-CN" altLang="en-US" dirty="0" smtClean="0"/>
-              <a:t>，这个插入方法的参数说明如下：</a:t>
-            </a:r>
-            <a:endParaRPr lang="en-US" altLang="zh-CN" dirty="0" smtClean="0"/>
-          </a:p>
-          <a:p>
-            <a:pPr fontAlgn="auto">
-              <a:spcBef>
-                <a:spcPts val="0"/>
-              </a:spcBef>
-              <a:spcAft>
-                <a:spcPts val="0"/>
-              </a:spcAft>
-              <a:defRPr/>
-            </a:pPr>
-            <a:endParaRPr lang="en-US" altLang="zh-CN" dirty="0"/>
-          </a:p>
-          <a:p>
-            <a:pPr marL="285750" indent="-285750" fontAlgn="auto">
-              <a:spcBef>
-                <a:spcPts val="0"/>
-              </a:spcBef>
-              <a:spcAft>
-                <a:spcPts val="0"/>
-              </a:spcAft>
-              <a:buFont typeface="Wingdings" panose="05000000000000000000" pitchFamily="2" charset="2"/>
-              <a:buChar char="Ø"/>
-              <a:defRPr/>
-            </a:pPr>
-            <a:r>
-              <a:rPr lang="en-US" altLang="zh-CN" dirty="0" smtClean="0"/>
-              <a:t>table</a:t>
-            </a:r>
-            <a:r>
-              <a:rPr lang="zh-CN" altLang="en-US" dirty="0" smtClean="0"/>
-              <a:t>：代表想插入数据的表名。</a:t>
-            </a:r>
-            <a:endParaRPr lang="en-US" altLang="zh-CN" dirty="0" smtClean="0"/>
-          </a:p>
-          <a:p>
-            <a:pPr marL="285750" indent="-285750" fontAlgn="auto">
-              <a:spcBef>
-                <a:spcPts val="0"/>
-              </a:spcBef>
-              <a:spcAft>
-                <a:spcPts val="0"/>
-              </a:spcAft>
-              <a:buFont typeface="Wingdings" panose="05000000000000000000" pitchFamily="2" charset="2"/>
-              <a:buChar char="Ø"/>
-              <a:defRPr/>
-            </a:pPr>
-            <a:r>
-              <a:rPr lang="en-US" altLang="zh-CN" dirty="0" err="1" smtClean="0"/>
-              <a:t>nullColumnHack</a:t>
-            </a:r>
-            <a:r>
-              <a:rPr lang="zh-CN" altLang="en-US" dirty="0" smtClean="0"/>
-              <a:t>：代表强行插入</a:t>
-            </a:r>
-            <a:r>
-              <a:rPr lang="en-US" altLang="zh-CN" dirty="0" smtClean="0"/>
-              <a:t>null</a:t>
-            </a:r>
-            <a:r>
-              <a:rPr lang="zh-CN" altLang="en-US" dirty="0" smtClean="0"/>
-              <a:t>值的数据列的列名。当</a:t>
-            </a:r>
-            <a:r>
-              <a:rPr lang="en-US" altLang="zh-CN" dirty="0" smtClean="0"/>
-              <a:t>values</a:t>
-            </a:r>
-            <a:r>
-              <a:rPr lang="zh-CN" altLang="en-US" dirty="0" smtClean="0"/>
-              <a:t>参数为</a:t>
-            </a:r>
-            <a:r>
-              <a:rPr lang="en-US" altLang="zh-CN" dirty="0" smtClean="0"/>
-              <a:t>null</a:t>
-            </a:r>
-            <a:r>
-              <a:rPr lang="zh-CN" altLang="en-US" dirty="0" smtClean="0"/>
-              <a:t>或不包含任何</a:t>
-            </a:r>
-            <a:r>
-              <a:rPr lang="en-US" altLang="zh-CN" dirty="0" smtClean="0"/>
-              <a:t>key-value</a:t>
-            </a:r>
-            <a:r>
-              <a:rPr lang="zh-CN" altLang="en-US" dirty="0" smtClean="0"/>
-              <a:t>对时，该参数有效。</a:t>
-            </a:r>
-            <a:endParaRPr lang="en-US" altLang="zh-CN" dirty="0" smtClean="0"/>
-          </a:p>
-          <a:p>
-            <a:pPr marL="285750" indent="-285750" fontAlgn="auto">
-              <a:spcBef>
-                <a:spcPts val="0"/>
-              </a:spcBef>
-              <a:spcAft>
-                <a:spcPts val="0"/>
-              </a:spcAft>
-              <a:buFont typeface="Wingdings" panose="05000000000000000000" pitchFamily="2" charset="2"/>
-              <a:buChar char="Ø"/>
-              <a:defRPr/>
-            </a:pPr>
-            <a:r>
-              <a:rPr lang="en-US" altLang="zh-CN" dirty="0" smtClean="0"/>
-              <a:t>values</a:t>
-            </a:r>
-            <a:r>
-              <a:rPr lang="zh-CN" altLang="en-US" dirty="0" smtClean="0"/>
-              <a:t>：代表一行记录的数据。</a:t>
-            </a:r>
-            <a:endParaRPr lang="en-US" altLang="zh-CN" dirty="0" smtClean="0"/>
-          </a:p>
-          <a:p>
-            <a:pPr marL="285750" indent="-285750" fontAlgn="auto">
-              <a:spcBef>
-                <a:spcPts val="0"/>
-              </a:spcBef>
-              <a:spcAft>
-                <a:spcPts val="0"/>
-              </a:spcAft>
-              <a:buFont typeface="Wingdings" panose="05000000000000000000" pitchFamily="2" charset="2"/>
-              <a:buChar char="Ø"/>
-              <a:defRPr/>
-            </a:pPr>
-            <a:endParaRPr lang="en-US" altLang="zh-CN" dirty="0"/>
-          </a:p>
-          <a:p>
-            <a:pPr fontAlgn="auto">
-              <a:spcBef>
-                <a:spcPts val="0"/>
-              </a:spcBef>
-              <a:spcAft>
-                <a:spcPts val="0"/>
-              </a:spcAft>
-              <a:defRPr/>
-            </a:pPr>
-            <a:r>
-              <a:rPr lang="en-US" altLang="zh-CN" dirty="0" smtClean="0"/>
-              <a:t>Insert</a:t>
-            </a:r>
-            <a:r>
-              <a:rPr lang="zh-CN" altLang="en-US" dirty="0" smtClean="0"/>
-              <a:t>方法插入的一行记录使用</a:t>
-            </a:r>
-            <a:r>
-              <a:rPr lang="en-US" altLang="zh-CN" dirty="0" err="1" smtClean="0"/>
-              <a:t>ContentValues</a:t>
-            </a:r>
-            <a:r>
-              <a:rPr lang="zh-CN" altLang="en-US" dirty="0" smtClean="0"/>
-              <a:t>存放，</a:t>
-            </a:r>
-            <a:r>
-              <a:rPr lang="en-US" altLang="zh-CN" dirty="0" err="1" smtClean="0"/>
-              <a:t>ContentValues</a:t>
-            </a:r>
-            <a:r>
-              <a:rPr lang="zh-CN" altLang="en-US" dirty="0" smtClean="0"/>
-              <a:t>类似于</a:t>
-            </a:r>
-            <a:r>
-              <a:rPr lang="en-US" altLang="zh-CN" dirty="0" smtClean="0"/>
-              <a:t>Map</a:t>
-            </a:r>
-            <a:r>
-              <a:rPr lang="zh-CN" altLang="en-US" dirty="0" smtClean="0"/>
-              <a:t>，它提供了</a:t>
-            </a:r>
-            <a:r>
-              <a:rPr lang="en-US" altLang="zh-CN" dirty="0" smtClean="0"/>
-              <a:t>put(String key, Xxx value)</a:t>
-            </a:r>
-            <a:r>
-              <a:rPr lang="zh-CN" altLang="en-US" dirty="0" smtClean="0"/>
-              <a:t>方法用于存入数据，</a:t>
-            </a:r>
-            <a:r>
-              <a:rPr lang="en-US" altLang="zh-CN" dirty="0" err="1" smtClean="0"/>
-              <a:t>getAsXxx</a:t>
-            </a:r>
-            <a:r>
-              <a:rPr lang="en-US" altLang="zh-CN" dirty="0" smtClean="0"/>
-              <a:t>(String key)</a:t>
-            </a:r>
-            <a:r>
-              <a:rPr lang="zh-CN" altLang="en-US" dirty="0" smtClean="0"/>
-              <a:t>方法用于取出数据。</a:t>
-            </a:r>
-            <a:endParaRPr lang="en-US" altLang="zh-CN" dirty="0"/>
-          </a:p>
-        </p:txBody>
-      </p:sp>
-      <p:sp>
-        <p:nvSpPr>
-          <p:cNvPr id="3" name="Rectangle 1"/>
-          <p:cNvSpPr>
-            <a:spLocks noChangeArrowheads="1"/>
-          </p:cNvSpPr>
-          <p:nvPr/>
-        </p:nvSpPr>
-        <p:spPr bwMode="auto">
-          <a:xfrm>
-            <a:off x="1082404" y="5282722"/>
-            <a:ext cx="6526146" cy="1169551"/>
-          </a:xfrm>
-          <a:prstGeom prst="rect">
-            <a:avLst/>
-          </a:prstGeom>
-          <a:solidFill>
-            <a:srgbClr val="FFFFFF"/>
-          </a:solidFill>
-          <a:ln>
-            <a:noFill/>
-          </a:ln>
-          <a:effectLst/>
-          <a:extLst>
-            <a:ext uri="{91240B29-F687-4f45-9708-019B960494DF}">
-              <a14:hiddenLine xmlns:a14="http://schemas.microsoft.com/office/drawing/2010/main" xmlns="" w="9525">
-                <a:solidFill>
-                  <a:schemeClr val="tx1"/>
-                </a:solidFill>
-                <a:miter lim="800000"/>
-                <a:headEnd/>
-                <a:tailEnd/>
-              </a14:hiddenLine>
-            </a:ext>
-            <a:ext uri="{AF507438-7753-43e0-B8FC-AC1667EBCBE1}">
-              <a14:hiddenEffects xmlns:a14="http://schemas.microsoft.com/office/drawing/2010/main" xmlns="">
-                <a:effectLst>
-                  <a:outerShdw dist="35921" dir="2700000" algn="ctr" rotWithShape="0">
-                    <a:schemeClr val="bg2"/>
-                  </a:outerShdw>
-                </a:effectLst>
-              </a14:hiddenEffects>
-            </a:ext>
-          </a:extLst>
-        </p:spPr>
-        <p:txBody>
-          <a:bodyPr vert="horz" wrap="none" lIns="91440" tIns="45720" rIns="91440" bIns="45720" numCol="1" anchor="ctr" anchorCtr="0" compatLnSpc="1">
-            <a:prstTxWarp prst="textNoShape">
-              <a:avLst/>
-            </a:prstTxWarp>
-            <a:spAutoFit/>
-          </a:bodyPr>
-          <a:lstStyle/>
-          <a:p>
-            <a:pPr marL="0" marR="0" lvl="0" indent="0" algn="l" defTabSz="914400" rtl="0" eaLnBrk="0" fontAlgn="base" latinLnBrk="0" hangingPunct="0">
-              <a:lnSpc>
-                <a:spcPct val="100000"/>
-              </a:lnSpc>
-              <a:spcBef>
-                <a:spcPct val="0"/>
-              </a:spcBef>
-              <a:spcAft>
-                <a:spcPct val="0"/>
-              </a:spcAft>
-              <a:buClrTx/>
-              <a:buSzTx/>
-              <a:buFontTx/>
-              <a:buNone/>
-              <a:tabLst/>
-            </a:pPr>
-            <a:r>
-              <a:rPr kumimoji="0" lang="zh-CN" altLang="zh-CN" sz="1400" b="0" i="0" u="none" strike="noStrike" cap="none" normalizeH="0" baseline="0" dirty="0" smtClean="0">
-                <a:ln>
-                  <a:noFill/>
-                </a:ln>
-                <a:solidFill>
-                  <a:srgbClr val="000000"/>
-                </a:solidFill>
-                <a:effectLst/>
-                <a:latin typeface="Consolas" panose="020B0609020204030204" pitchFamily="49" charset="0"/>
-                <a:cs typeface="Consolas" panose="020B0609020204030204" pitchFamily="49" charset="0"/>
-              </a:rPr>
-              <a:t>ContentValues </a:t>
-            </a:r>
-            <a:r>
-              <a:rPr kumimoji="0" lang="zh-CN" altLang="zh-CN" sz="1400" b="1" i="0" u="none" strike="noStrike" cap="none" normalizeH="0" baseline="0" dirty="0" smtClean="0">
-                <a:ln>
-                  <a:noFill/>
-                </a:ln>
-                <a:solidFill>
-                  <a:srgbClr val="660E7A"/>
-                </a:solidFill>
-                <a:effectLst/>
-                <a:latin typeface="Consolas" panose="020B0609020204030204" pitchFamily="49" charset="0"/>
-                <a:cs typeface="Consolas" panose="020B0609020204030204" pitchFamily="49" charset="0"/>
-              </a:rPr>
-              <a:t>values</a:t>
-            </a:r>
-            <a:r>
-              <a:rPr kumimoji="0" lang="zh-CN" altLang="zh-CN" sz="1400" b="0" i="0" u="none" strike="noStrike" cap="none" normalizeH="0" baseline="0" dirty="0" smtClean="0">
-                <a:ln>
-                  <a:noFill/>
-                </a:ln>
-                <a:solidFill>
-                  <a:srgbClr val="000000"/>
-                </a:solidFill>
-                <a:effectLst/>
-                <a:latin typeface="Consolas" panose="020B0609020204030204" pitchFamily="49" charset="0"/>
-                <a:cs typeface="Consolas" panose="020B0609020204030204" pitchFamily="49" charset="0"/>
-              </a:rPr>
-              <a:t>=</a:t>
-            </a:r>
-            <a:r>
-              <a:rPr kumimoji="0" lang="zh-CN" altLang="zh-CN" sz="1400" b="1" i="0" u="none" strike="noStrike" cap="none" normalizeH="0" baseline="0" dirty="0" smtClean="0">
-                <a:ln>
-                  <a:noFill/>
-                </a:ln>
-                <a:solidFill>
-                  <a:srgbClr val="000080"/>
-                </a:solidFill>
-                <a:effectLst/>
-                <a:latin typeface="Consolas" panose="020B0609020204030204" pitchFamily="49" charset="0"/>
-                <a:cs typeface="Consolas" panose="020B0609020204030204" pitchFamily="49" charset="0"/>
-              </a:rPr>
-              <a:t>new </a:t>
-            </a:r>
-            <a:r>
-              <a:rPr kumimoji="0" lang="zh-CN" altLang="zh-CN" sz="1400" b="0" i="0" u="none" strike="noStrike" cap="none" normalizeH="0" baseline="0" dirty="0" smtClean="0">
-                <a:ln>
-                  <a:noFill/>
-                </a:ln>
-                <a:solidFill>
-                  <a:srgbClr val="000000"/>
-                </a:solidFill>
-                <a:effectLst/>
-                <a:latin typeface="Consolas" panose="020B0609020204030204" pitchFamily="49" charset="0"/>
-                <a:cs typeface="Consolas" panose="020B0609020204030204" pitchFamily="49" charset="0"/>
-              </a:rPr>
-              <a:t>ContentValues();</a:t>
-            </a:r>
-            <a:br>
-              <a:rPr kumimoji="0" lang="zh-CN" altLang="zh-CN" sz="1400" b="0" i="0" u="none" strike="noStrike" cap="none" normalizeH="0" baseline="0" dirty="0" smtClean="0">
-                <a:ln>
-                  <a:noFill/>
-                </a:ln>
-                <a:solidFill>
-                  <a:srgbClr val="000000"/>
-                </a:solidFill>
-                <a:effectLst/>
-                <a:latin typeface="Consolas" panose="020B0609020204030204" pitchFamily="49" charset="0"/>
-                <a:cs typeface="Consolas" panose="020B0609020204030204" pitchFamily="49" charset="0"/>
-              </a:rPr>
-            </a:br>
-            <a:r>
-              <a:rPr kumimoji="0" lang="zh-CN" altLang="zh-CN" sz="1400" b="0" i="0" u="none" strike="noStrike" cap="none" normalizeH="0" baseline="0" dirty="0" smtClean="0">
-                <a:ln>
-                  <a:noFill/>
-                </a:ln>
-                <a:solidFill>
-                  <a:srgbClr val="000000"/>
-                </a:solidFill>
-                <a:effectLst/>
-                <a:latin typeface="Consolas" panose="020B0609020204030204" pitchFamily="49" charset="0"/>
-                <a:cs typeface="Consolas" panose="020B0609020204030204" pitchFamily="49" charset="0"/>
-              </a:rPr>
-              <a:t>values.put(</a:t>
-            </a:r>
-            <a:r>
-              <a:rPr kumimoji="0" lang="zh-CN" altLang="zh-CN" sz="1400" b="1" i="0" u="none" strike="noStrike" cap="none" normalizeH="0" baseline="0" dirty="0" smtClean="0">
-                <a:ln>
-                  <a:noFill/>
-                </a:ln>
-                <a:solidFill>
-                  <a:srgbClr val="008000"/>
-                </a:solidFill>
-                <a:effectLst/>
-                <a:latin typeface="Consolas" panose="020B0609020204030204" pitchFamily="49" charset="0"/>
-                <a:cs typeface="Consolas" panose="020B0609020204030204" pitchFamily="49" charset="0"/>
-              </a:rPr>
-              <a:t>"name"</a:t>
-            </a:r>
-            <a:r>
-              <a:rPr kumimoji="0" lang="zh-CN" altLang="zh-CN" sz="1400" b="0" i="0" u="none" strike="noStrike" cap="none" normalizeH="0" baseline="0" dirty="0" smtClean="0">
-                <a:ln>
-                  <a:noFill/>
-                </a:ln>
-                <a:solidFill>
-                  <a:srgbClr val="000000"/>
-                </a:solidFill>
-                <a:effectLst/>
-                <a:latin typeface="Consolas" panose="020B0609020204030204" pitchFamily="49" charset="0"/>
-                <a:cs typeface="Consolas" panose="020B0609020204030204" pitchFamily="49" charset="0"/>
-              </a:rPr>
-              <a:t>,</a:t>
-            </a:r>
-            <a:r>
-              <a:rPr kumimoji="0" lang="zh-CN" altLang="zh-CN" sz="1400" b="1" i="0" u="none" strike="noStrike" cap="none" normalizeH="0" baseline="0" dirty="0" smtClean="0">
-                <a:ln>
-                  <a:noFill/>
-                </a:ln>
-                <a:solidFill>
-                  <a:srgbClr val="008000"/>
-                </a:solidFill>
-                <a:effectLst/>
-                <a:latin typeface="Consolas" panose="020B0609020204030204" pitchFamily="49" charset="0"/>
-                <a:cs typeface="Consolas" panose="020B0609020204030204" pitchFamily="49" charset="0"/>
-              </a:rPr>
-              <a:t>"</a:t>
-            </a:r>
-            <a:r>
-              <a:rPr kumimoji="0" lang="zh-CN" sz="1400" b="1" i="0" u="none" strike="noStrike" cap="none" normalizeH="0" baseline="0" dirty="0" smtClean="0">
-                <a:ln>
-                  <a:noFill/>
-                </a:ln>
-                <a:solidFill>
-                  <a:srgbClr val="008000"/>
-                </a:solidFill>
-                <a:effectLst/>
-                <a:latin typeface="宋体" panose="02010600030101010101" pitchFamily="2" charset="-122"/>
-                <a:ea typeface="宋体" panose="02010600030101010101" pitchFamily="2" charset="-122"/>
-                <a:cs typeface="Consolas" panose="020B0609020204030204" pitchFamily="49" charset="0"/>
-              </a:rPr>
-              <a:t>孙悟空</a:t>
-            </a:r>
-            <a:r>
-              <a:rPr kumimoji="0" lang="zh-CN" altLang="zh-CN" sz="1400" b="1" i="0" u="none" strike="noStrike" cap="none" normalizeH="0" baseline="0" dirty="0" smtClean="0">
-                <a:ln>
-                  <a:noFill/>
-                </a:ln>
-                <a:solidFill>
-                  <a:srgbClr val="008000"/>
-                </a:solidFill>
-                <a:effectLst/>
-                <a:latin typeface="Consolas" panose="020B0609020204030204" pitchFamily="49" charset="0"/>
-                <a:cs typeface="Consolas" panose="020B0609020204030204" pitchFamily="49" charset="0"/>
-              </a:rPr>
-              <a:t>"</a:t>
-            </a:r>
-            <a:r>
-              <a:rPr kumimoji="0" lang="zh-CN" altLang="zh-CN" sz="1400" b="0" i="0" u="none" strike="noStrike" cap="none" normalizeH="0" baseline="0" dirty="0" smtClean="0">
-                <a:ln>
-                  <a:noFill/>
-                </a:ln>
-                <a:solidFill>
-                  <a:srgbClr val="000000"/>
-                </a:solidFill>
-                <a:effectLst/>
-                <a:latin typeface="Consolas" panose="020B0609020204030204" pitchFamily="49" charset="0"/>
-                <a:cs typeface="Consolas" panose="020B0609020204030204" pitchFamily="49" charset="0"/>
-              </a:rPr>
-              <a:t>);</a:t>
-            </a:r>
-            <a:br>
-              <a:rPr kumimoji="0" lang="zh-CN" altLang="zh-CN" sz="1400" b="0" i="0" u="none" strike="noStrike" cap="none" normalizeH="0" baseline="0" dirty="0" smtClean="0">
-                <a:ln>
-                  <a:noFill/>
-                </a:ln>
-                <a:solidFill>
-                  <a:srgbClr val="000000"/>
-                </a:solidFill>
-                <a:effectLst/>
-                <a:latin typeface="Consolas" panose="020B0609020204030204" pitchFamily="49" charset="0"/>
-                <a:cs typeface="Consolas" panose="020B0609020204030204" pitchFamily="49" charset="0"/>
-              </a:rPr>
-            </a:br>
-            <a:r>
-              <a:rPr kumimoji="0" lang="zh-CN" altLang="zh-CN" sz="1400" b="0" i="0" u="none" strike="noStrike" cap="none" normalizeH="0" baseline="0" dirty="0" smtClean="0">
-                <a:ln>
-                  <a:noFill/>
-                </a:ln>
-                <a:solidFill>
-                  <a:srgbClr val="000000"/>
-                </a:solidFill>
-                <a:effectLst/>
-                <a:latin typeface="Consolas" panose="020B0609020204030204" pitchFamily="49" charset="0"/>
-                <a:cs typeface="Consolas" panose="020B0609020204030204" pitchFamily="49" charset="0"/>
-              </a:rPr>
-              <a:t>values.put(</a:t>
-            </a:r>
-            <a:r>
-              <a:rPr kumimoji="0" lang="zh-CN" altLang="zh-CN" sz="1400" b="1" i="0" u="none" strike="noStrike" cap="none" normalizeH="0" baseline="0" dirty="0" smtClean="0">
-                <a:ln>
-                  <a:noFill/>
-                </a:ln>
-                <a:solidFill>
-                  <a:srgbClr val="008000"/>
-                </a:solidFill>
-                <a:effectLst/>
-                <a:latin typeface="Consolas" panose="020B0609020204030204" pitchFamily="49" charset="0"/>
-                <a:cs typeface="Consolas" panose="020B0609020204030204" pitchFamily="49" charset="0"/>
-              </a:rPr>
-              <a:t>"age"</a:t>
-            </a:r>
-            <a:r>
-              <a:rPr kumimoji="0" lang="zh-CN" altLang="zh-CN" sz="1400" b="0" i="0" u="none" strike="noStrike" cap="none" normalizeH="0" baseline="0" dirty="0" smtClean="0">
-                <a:ln>
-                  <a:noFill/>
-                </a:ln>
-                <a:solidFill>
-                  <a:srgbClr val="000000"/>
-                </a:solidFill>
-                <a:effectLst/>
-                <a:latin typeface="Consolas" panose="020B0609020204030204" pitchFamily="49" charset="0"/>
-                <a:cs typeface="Consolas" panose="020B0609020204030204" pitchFamily="49" charset="0"/>
-              </a:rPr>
-              <a:t>,</a:t>
-            </a:r>
-            <a:r>
-              <a:rPr kumimoji="0" lang="zh-CN" altLang="zh-CN" sz="1400" b="0" i="0" u="none" strike="noStrike" cap="none" normalizeH="0" baseline="0" dirty="0" smtClean="0">
-                <a:ln>
-                  <a:noFill/>
-                </a:ln>
-                <a:solidFill>
-                  <a:srgbClr val="0000FF"/>
-                </a:solidFill>
-                <a:effectLst/>
-                <a:latin typeface="Consolas" panose="020B0609020204030204" pitchFamily="49" charset="0"/>
-                <a:cs typeface="Consolas" panose="020B0609020204030204" pitchFamily="49" charset="0"/>
-              </a:rPr>
-              <a:t>500</a:t>
-            </a:r>
-            <a:r>
-              <a:rPr kumimoji="0" lang="zh-CN" altLang="zh-CN" sz="1400" b="0" i="0" u="none" strike="noStrike" cap="none" normalizeH="0" baseline="0" dirty="0" smtClean="0">
-                <a:ln>
-                  <a:noFill/>
-                </a:ln>
-                <a:solidFill>
-                  <a:srgbClr val="000000"/>
-                </a:solidFill>
-                <a:effectLst/>
-                <a:latin typeface="Consolas" panose="020B0609020204030204" pitchFamily="49" charset="0"/>
-                <a:cs typeface="Consolas" panose="020B0609020204030204" pitchFamily="49" charset="0"/>
-              </a:rPr>
-              <a:t>);</a:t>
-            </a:r>
-            <a:br>
-              <a:rPr kumimoji="0" lang="zh-CN" altLang="zh-CN" sz="1400" b="0" i="0" u="none" strike="noStrike" cap="none" normalizeH="0" baseline="0" dirty="0" smtClean="0">
-                <a:ln>
-                  <a:noFill/>
-                </a:ln>
-                <a:solidFill>
-                  <a:srgbClr val="000000"/>
-                </a:solidFill>
-                <a:effectLst/>
-                <a:latin typeface="Consolas" panose="020B0609020204030204" pitchFamily="49" charset="0"/>
-                <a:cs typeface="Consolas" panose="020B0609020204030204" pitchFamily="49" charset="0"/>
-              </a:rPr>
-            </a:br>
-            <a:r>
-              <a:rPr kumimoji="0" lang="zh-CN" altLang="zh-CN" sz="1400" b="0" i="1" u="none" strike="noStrike" cap="none" normalizeH="0" baseline="0" dirty="0" smtClean="0">
-                <a:ln>
-                  <a:noFill/>
-                </a:ln>
-                <a:solidFill>
-                  <a:srgbClr val="808080"/>
-                </a:solidFill>
-                <a:effectLst/>
-                <a:latin typeface="Consolas" panose="020B0609020204030204" pitchFamily="49" charset="0"/>
-                <a:cs typeface="Consolas" panose="020B0609020204030204" pitchFamily="49" charset="0"/>
-              </a:rPr>
-              <a:t>//</a:t>
-            </a:r>
-            <a:r>
-              <a:rPr kumimoji="0" lang="zh-CN" sz="1400" b="0" i="1" u="none" strike="noStrike" cap="none" normalizeH="0" baseline="0" dirty="0" smtClean="0">
-                <a:ln>
-                  <a:noFill/>
-                </a:ln>
-                <a:solidFill>
-                  <a:srgbClr val="808080"/>
-                </a:solidFill>
-                <a:effectLst/>
-                <a:latin typeface="宋体" panose="02010600030101010101" pitchFamily="2" charset="-122"/>
-                <a:ea typeface="宋体" panose="02010600030101010101" pitchFamily="2" charset="-122"/>
-                <a:cs typeface="Consolas" panose="020B0609020204030204" pitchFamily="49" charset="0"/>
-              </a:rPr>
-              <a:t>返回新添记录的行号，该行号是一个内部值，与主键</a:t>
-            </a:r>
-            <a:r>
-              <a:rPr kumimoji="0" lang="zh-CN" altLang="zh-CN" sz="1400" b="0" i="1" u="none" strike="noStrike" cap="none" normalizeH="0" baseline="0" dirty="0" smtClean="0">
-                <a:ln>
-                  <a:noFill/>
-                </a:ln>
-                <a:solidFill>
-                  <a:srgbClr val="808080"/>
-                </a:solidFill>
-                <a:effectLst/>
-                <a:latin typeface="Consolas" panose="020B0609020204030204" pitchFamily="49" charset="0"/>
-                <a:cs typeface="Consolas" panose="020B0609020204030204" pitchFamily="49" charset="0"/>
-              </a:rPr>
-              <a:t>id</a:t>
-            </a:r>
-            <a:r>
-              <a:rPr kumimoji="0" lang="zh-CN" sz="1400" b="0" i="1" u="none" strike="noStrike" cap="none" normalizeH="0" baseline="0" dirty="0" smtClean="0">
-                <a:ln>
-                  <a:noFill/>
-                </a:ln>
-                <a:solidFill>
-                  <a:srgbClr val="808080"/>
-                </a:solidFill>
-                <a:effectLst/>
-                <a:latin typeface="宋体" panose="02010600030101010101" pitchFamily="2" charset="-122"/>
-                <a:ea typeface="宋体" panose="02010600030101010101" pitchFamily="2" charset="-122"/>
-                <a:cs typeface="Consolas" panose="020B0609020204030204" pitchFamily="49" charset="0"/>
-              </a:rPr>
-              <a:t>无关，发生错误返回</a:t>
-            </a:r>
-            <a:r>
-              <a:rPr kumimoji="0" lang="zh-CN" altLang="zh-CN" sz="1400" b="0" i="1" u="none" strike="noStrike" cap="none" normalizeH="0" baseline="0" dirty="0" smtClean="0">
-                <a:ln>
-                  <a:noFill/>
-                </a:ln>
-                <a:solidFill>
-                  <a:srgbClr val="808080"/>
-                </a:solidFill>
-                <a:effectLst/>
-                <a:latin typeface="Consolas" panose="020B0609020204030204" pitchFamily="49" charset="0"/>
-                <a:cs typeface="Consolas" panose="020B0609020204030204" pitchFamily="49" charset="0"/>
-              </a:rPr>
-              <a:t>-1</a:t>
-            </a:r>
-            <a:br>
-              <a:rPr kumimoji="0" lang="zh-CN" altLang="zh-CN" sz="1400" b="0" i="1" u="none" strike="noStrike" cap="none" normalizeH="0" baseline="0" dirty="0" smtClean="0">
-                <a:ln>
-                  <a:noFill/>
-                </a:ln>
-                <a:solidFill>
-                  <a:srgbClr val="808080"/>
-                </a:solidFill>
-                <a:effectLst/>
-                <a:latin typeface="Consolas" panose="020B0609020204030204" pitchFamily="49" charset="0"/>
-                <a:cs typeface="Consolas" panose="020B0609020204030204" pitchFamily="49" charset="0"/>
-              </a:rPr>
-            </a:br>
-            <a:r>
-              <a:rPr kumimoji="0" lang="zh-CN" altLang="zh-CN" sz="1400" b="1" i="0" u="none" strike="noStrike" cap="none" normalizeH="0" baseline="0" dirty="0" smtClean="0">
-                <a:ln>
-                  <a:noFill/>
-                </a:ln>
-                <a:solidFill>
-                  <a:srgbClr val="000080"/>
-                </a:solidFill>
-                <a:effectLst/>
-                <a:latin typeface="Consolas" panose="020B0609020204030204" pitchFamily="49" charset="0"/>
-                <a:cs typeface="Consolas" panose="020B0609020204030204" pitchFamily="49" charset="0"/>
-              </a:rPr>
-              <a:t>long </a:t>
-            </a:r>
-            <a:r>
-              <a:rPr kumimoji="0" lang="zh-CN" altLang="zh-CN" sz="1400" b="0" i="0" u="none" strike="noStrike" cap="none" normalizeH="0" baseline="0" dirty="0" smtClean="0">
-                <a:ln>
-                  <a:noFill/>
-                </a:ln>
-                <a:solidFill>
-                  <a:srgbClr val="000000"/>
-                </a:solidFill>
-                <a:effectLst/>
-                <a:latin typeface="Consolas" panose="020B0609020204030204" pitchFamily="49" charset="0"/>
-                <a:cs typeface="Consolas" panose="020B0609020204030204" pitchFamily="49" charset="0"/>
-              </a:rPr>
-              <a:t>rowid = db.insert(</a:t>
-            </a:r>
-            <a:r>
-              <a:rPr kumimoji="0" lang="zh-CN" altLang="zh-CN" sz="1400" b="1" i="0" u="none" strike="noStrike" cap="none" normalizeH="0" baseline="0" dirty="0" smtClean="0">
-                <a:ln>
-                  <a:noFill/>
-                </a:ln>
-                <a:solidFill>
-                  <a:srgbClr val="008000"/>
-                </a:solidFill>
-                <a:effectLst/>
-                <a:latin typeface="Consolas" panose="020B0609020204030204" pitchFamily="49" charset="0"/>
-                <a:cs typeface="Consolas" panose="020B0609020204030204" pitchFamily="49" charset="0"/>
-              </a:rPr>
-              <a:t>"person_inf"</a:t>
-            </a:r>
-            <a:r>
-              <a:rPr kumimoji="0" lang="zh-CN" altLang="zh-CN" sz="1400" b="0" i="0" u="none" strike="noStrike" cap="none" normalizeH="0" baseline="0" dirty="0" smtClean="0">
-                <a:ln>
-                  <a:noFill/>
-                </a:ln>
-                <a:solidFill>
-                  <a:srgbClr val="000000"/>
-                </a:solidFill>
-                <a:effectLst/>
-                <a:latin typeface="Consolas" panose="020B0609020204030204" pitchFamily="49" charset="0"/>
-                <a:cs typeface="Consolas" panose="020B0609020204030204" pitchFamily="49" charset="0"/>
-              </a:rPr>
-              <a:t>,</a:t>
-            </a:r>
-            <a:r>
-              <a:rPr kumimoji="0" lang="zh-CN" altLang="zh-CN" sz="1400" b="1" i="0" u="none" strike="noStrike" cap="none" normalizeH="0" baseline="0" dirty="0" smtClean="0">
-                <a:ln>
-                  <a:noFill/>
-                </a:ln>
-                <a:solidFill>
-                  <a:srgbClr val="000080"/>
-                </a:solidFill>
-                <a:effectLst/>
-                <a:latin typeface="Consolas" panose="020B0609020204030204" pitchFamily="49" charset="0"/>
-                <a:cs typeface="Consolas" panose="020B0609020204030204" pitchFamily="49" charset="0"/>
-              </a:rPr>
-              <a:t>null</a:t>
-            </a:r>
-            <a:r>
-              <a:rPr kumimoji="0" lang="zh-CN" altLang="zh-CN" sz="1400" b="0" i="0" u="none" strike="noStrike" cap="none" normalizeH="0" baseline="0" dirty="0" smtClean="0">
-                <a:ln>
-                  <a:noFill/>
-                </a:ln>
-                <a:solidFill>
-                  <a:srgbClr val="000000"/>
-                </a:solidFill>
-                <a:effectLst/>
-                <a:latin typeface="Consolas" panose="020B0609020204030204" pitchFamily="49" charset="0"/>
-                <a:cs typeface="Consolas" panose="020B0609020204030204" pitchFamily="49" charset="0"/>
-              </a:rPr>
-              <a:t>,values);</a:t>
-            </a:r>
-            <a:endParaRPr kumimoji="0" lang="zh-CN" altLang="zh-CN" sz="2000" b="0" i="0" u="none" strike="noStrike" cap="none" normalizeH="0" baseline="0" dirty="0" smtClean="0">
-              <a:ln>
-                <a:noFill/>
-              </a:ln>
-              <a:solidFill>
-                <a:schemeClr val="tx1"/>
-              </a:solidFill>
-              <a:effectLst/>
-              <a:latin typeface="Arial" panose="020B0604020202020204" pitchFamily="34" charset="0"/>
-            </a:endParaRPr>
-          </a:p>
-        </p:txBody>
-      </p:sp>
-    </p:spTree>
-    <p:extLst>
-      <p:ext uri="{BB962C8B-B14F-4D97-AF65-F5344CB8AC3E}">
-        <p14:creationId xmlns:p14="http://schemas.microsoft.com/office/powerpoint/2010/main" val="2767258824"/>
-      </p:ext>
-    </p:extLst>
-  </p:cSld>
-  <p:clrMapOvr>
-    <a:masterClrMapping/>
-  </p:clrMapOvr>
-  <p:timing>
-    <p:tnLst>
-      <p:par>
-        <p:cTn id="1" dur="indefinite" restart="never" nodeType="tmRoot"/>
-      </p:par>
-    </p:tnLst>
-  </p:timing>
-</p:sld>
-</file>
-
 <file path=ppt/slides/slide2.xml><?xml version="1.0" encoding="utf-8"?>
 <p:sld xmlns:a="http://schemas.openxmlformats.org/drawingml/2006/main" xmlns:r="http://schemas.openxmlformats.org/officeDocument/2006/relationships" xmlns:p="http://schemas.openxmlformats.org/presentationml/2006/main">
   <p:cSld>
@@ -17350,14 +16433,14 @@
           </a:ln>
           <a:extLst>
             <a:ext uri="{909E8E84-426E-40dd-AFC4-6F175D3DCCD1}">
-              <a14:hiddenFill xmlns:a14="http://schemas.microsoft.com/office/drawing/2010/main" xmlns="">
+              <a14:hiddenFill xmlns="" xmlns:a14="http://schemas.microsoft.com/office/drawing/2010/main">
                 <a:solidFill>
                   <a:srgbClr val="FFFFFF"/>
                 </a:solidFill>
               </a14:hiddenFill>
             </a:ext>
             <a:ext uri="{91240B29-F687-4f45-9708-019B960494DF}">
-              <a14:hiddenLine xmlns:a14="http://schemas.microsoft.com/office/drawing/2010/main" xmlns="" w="9525">
+              <a14:hiddenLine xmlns="" xmlns:a14="http://schemas.microsoft.com/office/drawing/2010/main" w="9525">
                 <a:solidFill>
                   <a:srgbClr val="000000"/>
                 </a:solidFill>
@@ -21645,14 +20728,14 @@
           </a:ln>
           <a:extLst>
             <a:ext uri="{909E8E84-426E-40dd-AFC4-6F175D3DCCD1}">
-              <a14:hiddenFill xmlns:a14="http://schemas.microsoft.com/office/drawing/2010/main" xmlns="">
+              <a14:hiddenFill xmlns="" xmlns:a14="http://schemas.microsoft.com/office/drawing/2010/main">
                 <a:solidFill>
                   <a:srgbClr val="FFFFFF"/>
                 </a:solidFill>
               </a14:hiddenFill>
             </a:ext>
             <a:ext uri="{91240B29-F687-4f45-9708-019B960494DF}">
-              <a14:hiddenLine xmlns:a14="http://schemas.microsoft.com/office/drawing/2010/main" xmlns="" w="9525">
+              <a14:hiddenLine xmlns="" xmlns:a14="http://schemas.microsoft.com/office/drawing/2010/main" w="9525">
                 <a:solidFill>
                   <a:srgbClr val="000000"/>
                 </a:solidFill>
@@ -21851,14 +20934,14 @@
           </a:ln>
           <a:extLst>
             <a:ext uri="{909E8E84-426E-40dd-AFC4-6F175D3DCCD1}">
-              <a14:hiddenFill xmlns:a14="http://schemas.microsoft.com/office/drawing/2010/main" xmlns="">
+              <a14:hiddenFill xmlns="" xmlns:a14="http://schemas.microsoft.com/office/drawing/2010/main">
                 <a:solidFill>
                   <a:srgbClr val="FFFFFF"/>
                 </a:solidFill>
               </a14:hiddenFill>
             </a:ext>
             <a:ext uri="{91240B29-F687-4f45-9708-019B960494DF}">
-              <a14:hiddenLine xmlns:a14="http://schemas.microsoft.com/office/drawing/2010/main" xmlns="" w="9525">
+              <a14:hiddenLine xmlns="" xmlns:a14="http://schemas.microsoft.com/office/drawing/2010/main" w="9525">
                 <a:solidFill>
                   <a:srgbClr val="000000"/>
                 </a:solidFill>
@@ -22078,14 +21161,14 @@
           </a:ln>
           <a:extLst>
             <a:ext uri="{909E8E84-426E-40dd-AFC4-6F175D3DCCD1}">
-              <a14:hiddenFill xmlns:a14="http://schemas.microsoft.com/office/drawing/2010/main" xmlns="">
+              <a14:hiddenFill xmlns="" xmlns:a14="http://schemas.microsoft.com/office/drawing/2010/main">
                 <a:solidFill>
                   <a:srgbClr val="FFFFFF"/>
                 </a:solidFill>
               </a14:hiddenFill>
             </a:ext>
             <a:ext uri="{91240B29-F687-4f45-9708-019B960494DF}">
-              <a14:hiddenLine xmlns:a14="http://schemas.microsoft.com/office/drawing/2010/main" xmlns="" w="9525">
+              <a14:hiddenLine xmlns="" xmlns:a14="http://schemas.microsoft.com/office/drawing/2010/main" w="9525">
                 <a:solidFill>
                   <a:srgbClr val="000000"/>
                 </a:solidFill>
@@ -22330,14 +21413,14 @@
           </a:ln>
           <a:extLst>
             <a:ext uri="{909E8E84-426E-40dd-AFC4-6F175D3DCCD1}">
-              <a14:hiddenFill xmlns:a14="http://schemas.microsoft.com/office/drawing/2010/main" xmlns="">
+              <a14:hiddenFill xmlns="" xmlns:a14="http://schemas.microsoft.com/office/drawing/2010/main">
                 <a:solidFill>
                   <a:srgbClr val="FFFFFF"/>
                 </a:solidFill>
               </a14:hiddenFill>
             </a:ext>
             <a:ext uri="{91240B29-F687-4f45-9708-019B960494DF}">
-              <a14:hiddenLine xmlns:a14="http://schemas.microsoft.com/office/drawing/2010/main" xmlns="" w="9525">
+              <a14:hiddenLine xmlns="" xmlns:a14="http://schemas.microsoft.com/office/drawing/2010/main" w="9525">
                 <a:solidFill>
                   <a:srgbClr val="000000"/>
                 </a:solidFill>
@@ -22555,14 +21638,14 @@
           </a:ln>
           <a:extLst>
             <a:ext uri="{909E8E84-426E-40dd-AFC4-6F175D3DCCD1}">
-              <a14:hiddenFill xmlns:a14="http://schemas.microsoft.com/office/drawing/2010/main" xmlns="">
+              <a14:hiddenFill xmlns="" xmlns:a14="http://schemas.microsoft.com/office/drawing/2010/main">
                 <a:solidFill>
                   <a:srgbClr val="FFFFFF"/>
                 </a:solidFill>
               </a14:hiddenFill>
             </a:ext>
             <a:ext uri="{91240B29-F687-4f45-9708-019B960494DF}">
-              <a14:hiddenLine xmlns:a14="http://schemas.microsoft.com/office/drawing/2010/main" xmlns="" w="9525">
+              <a14:hiddenLine xmlns="" xmlns:a14="http://schemas.microsoft.com/office/drawing/2010/main" w="9525">
                 <a:solidFill>
                   <a:srgbClr val="000000"/>
                 </a:solidFill>
@@ -22788,14 +21871,14 @@
           </a:ln>
           <a:extLst>
             <a:ext uri="{909E8E84-426E-40dd-AFC4-6F175D3DCCD1}">
-              <a14:hiddenFill xmlns:a14="http://schemas.microsoft.com/office/drawing/2010/main" xmlns="">
+              <a14:hiddenFill xmlns="" xmlns:a14="http://schemas.microsoft.com/office/drawing/2010/main">
                 <a:solidFill>
                   <a:srgbClr val="FFFFFF"/>
                 </a:solidFill>
               </a14:hiddenFill>
             </a:ext>
             <a:ext uri="{91240B29-F687-4f45-9708-019B960494DF}">
-              <a14:hiddenLine xmlns:a14="http://schemas.microsoft.com/office/drawing/2010/main" xmlns="" w="9525">
+              <a14:hiddenLine xmlns="" xmlns:a14="http://schemas.microsoft.com/office/drawing/2010/main" w="9525">
                 <a:solidFill>
                   <a:srgbClr val="000000"/>
                 </a:solidFill>
@@ -23835,6 +22918,1040 @@
       </p:cxnSp>
       <p:sp>
         <p:nvSpPr>
+          <p:cNvPr id="2" name="矩形 1"/>
+          <p:cNvSpPr/>
+          <p:nvPr/>
+        </p:nvSpPr>
+        <p:spPr>
+          <a:xfrm>
+            <a:off x="992252" y="1305652"/>
+            <a:ext cx="3701654" cy="461665"/>
+          </a:xfrm>
+          <a:prstGeom prst="rect">
+            <a:avLst/>
+          </a:prstGeom>
+        </p:spPr>
+        <p:txBody>
+          <a:bodyPr wrap="none">
+            <a:spAutoFit/>
+          </a:bodyPr>
+          <a:lstStyle/>
+          <a:p>
+            <a:r>
+              <a:rPr lang="en-US" altLang="zh-CN" sz="2400" b="1" dirty="0" smtClean="0">
+                <a:solidFill>
+                  <a:srgbClr val="FE5A3E"/>
+                </a:solidFill>
+                <a:latin typeface="Calibri" pitchFamily="34" charset="0"/>
+                <a:ea typeface="方正大黑简体" pitchFamily="2" charset="-122"/>
+              </a:rPr>
+              <a:t>1. </a:t>
+            </a:r>
+            <a:r>
+              <a:rPr lang="zh-CN" altLang="en-US" sz="2400" b="1" dirty="0" smtClean="0">
+                <a:solidFill>
+                  <a:srgbClr val="FE5A3E"/>
+                </a:solidFill>
+                <a:latin typeface="Calibri" pitchFamily="34" charset="0"/>
+                <a:ea typeface="方正大黑简体" pitchFamily="2" charset="-122"/>
+              </a:rPr>
+              <a:t>使用</a:t>
+            </a:r>
+            <a:r>
+              <a:rPr lang="en-US" altLang="zh-CN" sz="2400" b="1" dirty="0" smtClean="0">
+                <a:solidFill>
+                  <a:srgbClr val="FE5A3E"/>
+                </a:solidFill>
+                <a:latin typeface="Calibri" pitchFamily="34" charset="0"/>
+                <a:ea typeface="方正大黑简体" pitchFamily="2" charset="-122"/>
+              </a:rPr>
+              <a:t>insert</a:t>
+            </a:r>
+            <a:r>
+              <a:rPr lang="zh-CN" altLang="en-US" sz="2400" b="1" dirty="0" smtClean="0">
+                <a:solidFill>
+                  <a:srgbClr val="FE5A3E"/>
+                </a:solidFill>
+                <a:latin typeface="Calibri" pitchFamily="34" charset="0"/>
+                <a:ea typeface="方正大黑简体" pitchFamily="2" charset="-122"/>
+              </a:rPr>
+              <a:t>方法插入记录</a:t>
+            </a:r>
+            <a:endParaRPr lang="zh-CN" altLang="en-US" sz="2400" b="1" dirty="0">
+              <a:solidFill>
+                <a:srgbClr val="FE5A3E"/>
+              </a:solidFill>
+            </a:endParaRPr>
+          </a:p>
+        </p:txBody>
+      </p:sp>
+      <p:sp>
+        <p:nvSpPr>
+          <p:cNvPr id="6" name="矩形 5"/>
+          <p:cNvSpPr/>
+          <p:nvPr/>
+        </p:nvSpPr>
+        <p:spPr>
+          <a:xfrm>
+            <a:off x="1084812" y="1885612"/>
+            <a:ext cx="9734604" cy="3278815"/>
+          </a:xfrm>
+          <a:prstGeom prst="rect">
+            <a:avLst/>
+          </a:prstGeom>
+          <a:solidFill>
+            <a:srgbClr val="FE5A3E"/>
+          </a:solidFill>
+          <a:ln>
+            <a:noFill/>
+          </a:ln>
+        </p:spPr>
+        <p:style>
+          <a:lnRef idx="2">
+            <a:schemeClr val="accent1">
+              <a:shade val="50000"/>
+            </a:schemeClr>
+          </a:lnRef>
+          <a:fillRef idx="1">
+            <a:schemeClr val="accent1"/>
+          </a:fillRef>
+          <a:effectRef idx="0">
+            <a:schemeClr val="accent1"/>
+          </a:effectRef>
+          <a:fontRef idx="minor">
+            <a:schemeClr val="lt1"/>
+          </a:fontRef>
+        </p:style>
+        <p:txBody>
+          <a:bodyPr anchor="ctr"/>
+          <a:lstStyle/>
+          <a:p>
+            <a:pPr fontAlgn="auto">
+              <a:spcBef>
+                <a:spcPts val="0"/>
+              </a:spcBef>
+              <a:spcAft>
+                <a:spcPts val="0"/>
+              </a:spcAft>
+              <a:defRPr/>
+            </a:pPr>
+            <a:r>
+              <a:rPr lang="en-US" altLang="zh-CN" dirty="0" err="1" smtClean="0"/>
+              <a:t>SQLiteDatabase</a:t>
+            </a:r>
+            <a:r>
+              <a:rPr lang="zh-CN" altLang="en-US" dirty="0" smtClean="0"/>
+              <a:t>的</a:t>
+            </a:r>
+            <a:r>
+              <a:rPr lang="en-US" altLang="zh-CN" dirty="0" smtClean="0"/>
+              <a:t>insert</a:t>
+            </a:r>
+            <a:r>
+              <a:rPr lang="zh-CN" altLang="en-US" dirty="0" smtClean="0"/>
+              <a:t>方法的签名为 </a:t>
+            </a:r>
+            <a:r>
+              <a:rPr lang="en-US" altLang="zh-CN" dirty="0" smtClean="0"/>
+              <a:t>long insert(String table, String </a:t>
+            </a:r>
+            <a:r>
+              <a:rPr lang="en-US" altLang="zh-CN" dirty="0" err="1" smtClean="0"/>
+              <a:t>nullColumnHack</a:t>
+            </a:r>
+            <a:r>
+              <a:rPr lang="en-US" altLang="zh-CN" dirty="0" smtClean="0"/>
+              <a:t>, </a:t>
+            </a:r>
+            <a:r>
+              <a:rPr lang="en-US" altLang="zh-CN" dirty="0" err="1" smtClean="0"/>
+              <a:t>ContentValues</a:t>
+            </a:r>
+            <a:r>
+              <a:rPr lang="en-US" altLang="zh-CN" dirty="0" smtClean="0"/>
+              <a:t> values)</a:t>
+            </a:r>
+            <a:r>
+              <a:rPr lang="zh-CN" altLang="en-US" dirty="0" smtClean="0"/>
+              <a:t>，这个插入方法的参数说明如下：</a:t>
+            </a:r>
+            <a:endParaRPr lang="en-US" altLang="zh-CN" dirty="0" smtClean="0"/>
+          </a:p>
+          <a:p>
+            <a:pPr fontAlgn="auto">
+              <a:spcBef>
+                <a:spcPts val="0"/>
+              </a:spcBef>
+              <a:spcAft>
+                <a:spcPts val="0"/>
+              </a:spcAft>
+              <a:defRPr/>
+            </a:pPr>
+            <a:endParaRPr lang="en-US" altLang="zh-CN" dirty="0"/>
+          </a:p>
+          <a:p>
+            <a:pPr marL="285750" indent="-285750" fontAlgn="auto">
+              <a:spcBef>
+                <a:spcPts val="0"/>
+              </a:spcBef>
+              <a:spcAft>
+                <a:spcPts val="0"/>
+              </a:spcAft>
+              <a:buFont typeface="Wingdings" panose="05000000000000000000" pitchFamily="2" charset="2"/>
+              <a:buChar char="Ø"/>
+              <a:defRPr/>
+            </a:pPr>
+            <a:r>
+              <a:rPr lang="en-US" altLang="zh-CN" dirty="0" smtClean="0"/>
+              <a:t>table</a:t>
+            </a:r>
+            <a:r>
+              <a:rPr lang="zh-CN" altLang="en-US" dirty="0" smtClean="0"/>
+              <a:t>：代表想插入数据的表名。</a:t>
+            </a:r>
+            <a:endParaRPr lang="en-US" altLang="zh-CN" dirty="0" smtClean="0"/>
+          </a:p>
+          <a:p>
+            <a:pPr marL="285750" indent="-285750" fontAlgn="auto">
+              <a:spcBef>
+                <a:spcPts val="0"/>
+              </a:spcBef>
+              <a:spcAft>
+                <a:spcPts val="0"/>
+              </a:spcAft>
+              <a:buFont typeface="Wingdings" panose="05000000000000000000" pitchFamily="2" charset="2"/>
+              <a:buChar char="Ø"/>
+              <a:defRPr/>
+            </a:pPr>
+            <a:r>
+              <a:rPr lang="en-US" altLang="zh-CN" dirty="0" err="1" smtClean="0"/>
+              <a:t>nullColumnHack</a:t>
+            </a:r>
+            <a:r>
+              <a:rPr lang="zh-CN" altLang="en-US" dirty="0" smtClean="0"/>
+              <a:t>：代表强行插入</a:t>
+            </a:r>
+            <a:r>
+              <a:rPr lang="en-US" altLang="zh-CN" dirty="0" smtClean="0"/>
+              <a:t>null</a:t>
+            </a:r>
+            <a:r>
+              <a:rPr lang="zh-CN" altLang="en-US" dirty="0" smtClean="0"/>
+              <a:t>值的数据列的列名。当</a:t>
+            </a:r>
+            <a:r>
+              <a:rPr lang="en-US" altLang="zh-CN" dirty="0" smtClean="0"/>
+              <a:t>values</a:t>
+            </a:r>
+            <a:r>
+              <a:rPr lang="zh-CN" altLang="en-US" dirty="0" smtClean="0"/>
+              <a:t>参数为</a:t>
+            </a:r>
+            <a:r>
+              <a:rPr lang="en-US" altLang="zh-CN" dirty="0" smtClean="0"/>
+              <a:t>null</a:t>
+            </a:r>
+            <a:r>
+              <a:rPr lang="zh-CN" altLang="en-US" dirty="0" smtClean="0"/>
+              <a:t>或不包含任何</a:t>
+            </a:r>
+            <a:r>
+              <a:rPr lang="en-US" altLang="zh-CN" dirty="0" smtClean="0"/>
+              <a:t>key-value</a:t>
+            </a:r>
+            <a:r>
+              <a:rPr lang="zh-CN" altLang="en-US" dirty="0" smtClean="0"/>
+              <a:t>对时，该参数有效。</a:t>
+            </a:r>
+            <a:endParaRPr lang="en-US" altLang="zh-CN" dirty="0" smtClean="0"/>
+          </a:p>
+          <a:p>
+            <a:pPr marL="285750" indent="-285750" fontAlgn="auto">
+              <a:spcBef>
+                <a:spcPts val="0"/>
+              </a:spcBef>
+              <a:spcAft>
+                <a:spcPts val="0"/>
+              </a:spcAft>
+              <a:buFont typeface="Wingdings" panose="05000000000000000000" pitchFamily="2" charset="2"/>
+              <a:buChar char="Ø"/>
+              <a:defRPr/>
+            </a:pPr>
+            <a:r>
+              <a:rPr lang="en-US" altLang="zh-CN" dirty="0" smtClean="0"/>
+              <a:t>values</a:t>
+            </a:r>
+            <a:r>
+              <a:rPr lang="zh-CN" altLang="en-US" dirty="0" smtClean="0"/>
+              <a:t>：代表一行记录的数据。</a:t>
+            </a:r>
+            <a:endParaRPr lang="en-US" altLang="zh-CN" dirty="0" smtClean="0"/>
+          </a:p>
+          <a:p>
+            <a:pPr marL="285750" indent="-285750" fontAlgn="auto">
+              <a:spcBef>
+                <a:spcPts val="0"/>
+              </a:spcBef>
+              <a:spcAft>
+                <a:spcPts val="0"/>
+              </a:spcAft>
+              <a:buFont typeface="Wingdings" panose="05000000000000000000" pitchFamily="2" charset="2"/>
+              <a:buChar char="Ø"/>
+              <a:defRPr/>
+            </a:pPr>
+            <a:endParaRPr lang="en-US" altLang="zh-CN" dirty="0"/>
+          </a:p>
+          <a:p>
+            <a:pPr fontAlgn="auto">
+              <a:spcBef>
+                <a:spcPts val="0"/>
+              </a:spcBef>
+              <a:spcAft>
+                <a:spcPts val="0"/>
+              </a:spcAft>
+              <a:defRPr/>
+            </a:pPr>
+            <a:r>
+              <a:rPr lang="en-US" altLang="zh-CN" dirty="0" smtClean="0"/>
+              <a:t>Insert</a:t>
+            </a:r>
+            <a:r>
+              <a:rPr lang="zh-CN" altLang="en-US" dirty="0" smtClean="0"/>
+              <a:t>方法插入的一行记录使用</a:t>
+            </a:r>
+            <a:r>
+              <a:rPr lang="en-US" altLang="zh-CN" dirty="0" err="1" smtClean="0"/>
+              <a:t>ContentValues</a:t>
+            </a:r>
+            <a:r>
+              <a:rPr lang="zh-CN" altLang="en-US" dirty="0" smtClean="0"/>
+              <a:t>存放，</a:t>
+            </a:r>
+            <a:r>
+              <a:rPr lang="en-US" altLang="zh-CN" dirty="0" err="1" smtClean="0"/>
+              <a:t>ContentValues</a:t>
+            </a:r>
+            <a:r>
+              <a:rPr lang="zh-CN" altLang="en-US" dirty="0" smtClean="0"/>
+              <a:t>类似于</a:t>
+            </a:r>
+            <a:r>
+              <a:rPr lang="en-US" altLang="zh-CN" dirty="0" smtClean="0"/>
+              <a:t>Map</a:t>
+            </a:r>
+            <a:r>
+              <a:rPr lang="zh-CN" altLang="en-US" dirty="0" smtClean="0"/>
+              <a:t>，它提供了</a:t>
+            </a:r>
+            <a:r>
+              <a:rPr lang="en-US" altLang="zh-CN" dirty="0" smtClean="0"/>
+              <a:t>put(String key, Xxx value)</a:t>
+            </a:r>
+            <a:r>
+              <a:rPr lang="zh-CN" altLang="en-US" dirty="0" smtClean="0"/>
+              <a:t>方法用于存入数据，</a:t>
+            </a:r>
+            <a:r>
+              <a:rPr lang="en-US" altLang="zh-CN" dirty="0" err="1" smtClean="0"/>
+              <a:t>getAsXxx</a:t>
+            </a:r>
+            <a:r>
+              <a:rPr lang="en-US" altLang="zh-CN" dirty="0" smtClean="0"/>
+              <a:t>(String key)</a:t>
+            </a:r>
+            <a:r>
+              <a:rPr lang="zh-CN" altLang="en-US" dirty="0" smtClean="0"/>
+              <a:t>方法用于取出数据。</a:t>
+            </a:r>
+            <a:endParaRPr lang="en-US" altLang="zh-CN" dirty="0"/>
+          </a:p>
+        </p:txBody>
+      </p:sp>
+      <p:sp>
+        <p:nvSpPr>
+          <p:cNvPr id="3" name="Rectangle 1"/>
+          <p:cNvSpPr>
+            <a:spLocks noChangeArrowheads="1"/>
+          </p:cNvSpPr>
+          <p:nvPr/>
+        </p:nvSpPr>
+        <p:spPr bwMode="auto">
+          <a:xfrm>
+            <a:off x="1082404" y="5282722"/>
+            <a:ext cx="6526146" cy="1169551"/>
+          </a:xfrm>
+          <a:prstGeom prst="rect">
+            <a:avLst/>
+          </a:prstGeom>
+          <a:solidFill>
+            <a:srgbClr val="FFFFFF"/>
+          </a:solidFill>
+          <a:ln>
+            <a:noFill/>
+          </a:ln>
+          <a:effectLst/>
+          <a:extLst>
+            <a:ext uri="{91240B29-F687-4f45-9708-019B960494DF}">
+              <a14:hiddenLine xmlns="" xmlns:a14="http://schemas.microsoft.com/office/drawing/2010/main" w="9525">
+                <a:solidFill>
+                  <a:schemeClr val="tx1"/>
+                </a:solidFill>
+                <a:miter lim="800000"/>
+                <a:headEnd/>
+                <a:tailEnd/>
+              </a14:hiddenLine>
+            </a:ext>
+            <a:ext uri="{AF507438-7753-43e0-B8FC-AC1667EBCBE1}">
+              <a14:hiddenEffects xmlns="" xmlns:a14="http://schemas.microsoft.com/office/drawing/2010/main">
+                <a:effectLst>
+                  <a:outerShdw dist="35921" dir="2700000" algn="ctr" rotWithShape="0">
+                    <a:schemeClr val="bg2"/>
+                  </a:outerShdw>
+                </a:effectLst>
+              </a14:hiddenEffects>
+            </a:ext>
+          </a:extLst>
+        </p:spPr>
+        <p:txBody>
+          <a:bodyPr vert="horz" wrap="none" lIns="91440" tIns="45720" rIns="91440" bIns="45720" numCol="1" anchor="ctr" anchorCtr="0" compatLnSpc="1">
+            <a:prstTxWarp prst="textNoShape">
+              <a:avLst/>
+            </a:prstTxWarp>
+            <a:spAutoFit/>
+          </a:bodyPr>
+          <a:lstStyle/>
+          <a:p>
+            <a:pPr marL="0" marR="0" lvl="0" indent="0" algn="l" defTabSz="914400" rtl="0" eaLnBrk="0" fontAlgn="base" latinLnBrk="0" hangingPunct="0">
+              <a:lnSpc>
+                <a:spcPct val="100000"/>
+              </a:lnSpc>
+              <a:spcBef>
+                <a:spcPct val="0"/>
+              </a:spcBef>
+              <a:spcAft>
+                <a:spcPct val="0"/>
+              </a:spcAft>
+              <a:buClrTx/>
+              <a:buSzTx/>
+              <a:buFontTx/>
+              <a:buNone/>
+              <a:tabLst/>
+            </a:pPr>
+            <a:r>
+              <a:rPr kumimoji="0" lang="zh-CN" altLang="zh-CN" sz="1400" b="0" i="0" u="none" strike="noStrike" cap="none" normalizeH="0" baseline="0" dirty="0" smtClean="0">
+                <a:ln>
+                  <a:noFill/>
+                </a:ln>
+                <a:solidFill>
+                  <a:srgbClr val="000000"/>
+                </a:solidFill>
+                <a:effectLst/>
+                <a:latin typeface="Consolas" panose="020B0609020204030204" pitchFamily="49" charset="0"/>
+                <a:cs typeface="Consolas" panose="020B0609020204030204" pitchFamily="49" charset="0"/>
+              </a:rPr>
+              <a:t>ContentValues </a:t>
+            </a:r>
+            <a:r>
+              <a:rPr kumimoji="0" lang="zh-CN" altLang="zh-CN" sz="1400" b="1" i="0" u="none" strike="noStrike" cap="none" normalizeH="0" baseline="0" dirty="0" smtClean="0">
+                <a:ln>
+                  <a:noFill/>
+                </a:ln>
+                <a:solidFill>
+                  <a:srgbClr val="660E7A"/>
+                </a:solidFill>
+                <a:effectLst/>
+                <a:latin typeface="Consolas" panose="020B0609020204030204" pitchFamily="49" charset="0"/>
+                <a:cs typeface="Consolas" panose="020B0609020204030204" pitchFamily="49" charset="0"/>
+              </a:rPr>
+              <a:t>values</a:t>
+            </a:r>
+            <a:r>
+              <a:rPr kumimoji="0" lang="zh-CN" altLang="zh-CN" sz="1400" b="0" i="0" u="none" strike="noStrike" cap="none" normalizeH="0" baseline="0" dirty="0" smtClean="0">
+                <a:ln>
+                  <a:noFill/>
+                </a:ln>
+                <a:solidFill>
+                  <a:srgbClr val="000000"/>
+                </a:solidFill>
+                <a:effectLst/>
+                <a:latin typeface="Consolas" panose="020B0609020204030204" pitchFamily="49" charset="0"/>
+                <a:cs typeface="Consolas" panose="020B0609020204030204" pitchFamily="49" charset="0"/>
+              </a:rPr>
+              <a:t>=</a:t>
+            </a:r>
+            <a:r>
+              <a:rPr kumimoji="0" lang="zh-CN" altLang="zh-CN" sz="1400" b="1" i="0" u="none" strike="noStrike" cap="none" normalizeH="0" baseline="0" dirty="0" smtClean="0">
+                <a:ln>
+                  <a:noFill/>
+                </a:ln>
+                <a:solidFill>
+                  <a:srgbClr val="000080"/>
+                </a:solidFill>
+                <a:effectLst/>
+                <a:latin typeface="Consolas" panose="020B0609020204030204" pitchFamily="49" charset="0"/>
+                <a:cs typeface="Consolas" panose="020B0609020204030204" pitchFamily="49" charset="0"/>
+              </a:rPr>
+              <a:t>new </a:t>
+            </a:r>
+            <a:r>
+              <a:rPr kumimoji="0" lang="zh-CN" altLang="zh-CN" sz="1400" b="0" i="0" u="none" strike="noStrike" cap="none" normalizeH="0" baseline="0" dirty="0" smtClean="0">
+                <a:ln>
+                  <a:noFill/>
+                </a:ln>
+                <a:solidFill>
+                  <a:srgbClr val="000000"/>
+                </a:solidFill>
+                <a:effectLst/>
+                <a:latin typeface="Consolas" panose="020B0609020204030204" pitchFamily="49" charset="0"/>
+                <a:cs typeface="Consolas" panose="020B0609020204030204" pitchFamily="49" charset="0"/>
+              </a:rPr>
+              <a:t>ContentValues();</a:t>
+            </a:r>
+            <a:br>
+              <a:rPr kumimoji="0" lang="zh-CN" altLang="zh-CN" sz="1400" b="0" i="0" u="none" strike="noStrike" cap="none" normalizeH="0" baseline="0" dirty="0" smtClean="0">
+                <a:ln>
+                  <a:noFill/>
+                </a:ln>
+                <a:solidFill>
+                  <a:srgbClr val="000000"/>
+                </a:solidFill>
+                <a:effectLst/>
+                <a:latin typeface="Consolas" panose="020B0609020204030204" pitchFamily="49" charset="0"/>
+                <a:cs typeface="Consolas" panose="020B0609020204030204" pitchFamily="49" charset="0"/>
+              </a:rPr>
+            </a:br>
+            <a:r>
+              <a:rPr kumimoji="0" lang="zh-CN" altLang="zh-CN" sz="1400" b="0" i="0" u="none" strike="noStrike" cap="none" normalizeH="0" baseline="0" dirty="0" smtClean="0">
+                <a:ln>
+                  <a:noFill/>
+                </a:ln>
+                <a:solidFill>
+                  <a:srgbClr val="000000"/>
+                </a:solidFill>
+                <a:effectLst/>
+                <a:latin typeface="Consolas" panose="020B0609020204030204" pitchFamily="49" charset="0"/>
+                <a:cs typeface="Consolas" panose="020B0609020204030204" pitchFamily="49" charset="0"/>
+              </a:rPr>
+              <a:t>values.put(</a:t>
+            </a:r>
+            <a:r>
+              <a:rPr kumimoji="0" lang="zh-CN" altLang="zh-CN" sz="1400" b="1" i="0" u="none" strike="noStrike" cap="none" normalizeH="0" baseline="0" dirty="0" smtClean="0">
+                <a:ln>
+                  <a:noFill/>
+                </a:ln>
+                <a:solidFill>
+                  <a:srgbClr val="008000"/>
+                </a:solidFill>
+                <a:effectLst/>
+                <a:latin typeface="Consolas" panose="020B0609020204030204" pitchFamily="49" charset="0"/>
+                <a:cs typeface="Consolas" panose="020B0609020204030204" pitchFamily="49" charset="0"/>
+              </a:rPr>
+              <a:t>"name"</a:t>
+            </a:r>
+            <a:r>
+              <a:rPr kumimoji="0" lang="zh-CN" altLang="zh-CN" sz="1400" b="0" i="0" u="none" strike="noStrike" cap="none" normalizeH="0" baseline="0" dirty="0" smtClean="0">
+                <a:ln>
+                  <a:noFill/>
+                </a:ln>
+                <a:solidFill>
+                  <a:srgbClr val="000000"/>
+                </a:solidFill>
+                <a:effectLst/>
+                <a:latin typeface="Consolas" panose="020B0609020204030204" pitchFamily="49" charset="0"/>
+                <a:cs typeface="Consolas" panose="020B0609020204030204" pitchFamily="49" charset="0"/>
+              </a:rPr>
+              <a:t>,</a:t>
+            </a:r>
+            <a:r>
+              <a:rPr kumimoji="0" lang="zh-CN" altLang="zh-CN" sz="1400" b="1" i="0" u="none" strike="noStrike" cap="none" normalizeH="0" baseline="0" dirty="0" smtClean="0">
+                <a:ln>
+                  <a:noFill/>
+                </a:ln>
+                <a:solidFill>
+                  <a:srgbClr val="008000"/>
+                </a:solidFill>
+                <a:effectLst/>
+                <a:latin typeface="Consolas" panose="020B0609020204030204" pitchFamily="49" charset="0"/>
+                <a:cs typeface="Consolas" panose="020B0609020204030204" pitchFamily="49" charset="0"/>
+              </a:rPr>
+              <a:t>"</a:t>
+            </a:r>
+            <a:r>
+              <a:rPr kumimoji="0" lang="zh-CN" sz="1400" b="1" i="0" u="none" strike="noStrike" cap="none" normalizeH="0" baseline="0" dirty="0" smtClean="0">
+                <a:ln>
+                  <a:noFill/>
+                </a:ln>
+                <a:solidFill>
+                  <a:srgbClr val="008000"/>
+                </a:solidFill>
+                <a:effectLst/>
+                <a:latin typeface="宋体" panose="02010600030101010101" pitchFamily="2" charset="-122"/>
+                <a:ea typeface="宋体" panose="02010600030101010101" pitchFamily="2" charset="-122"/>
+                <a:cs typeface="Consolas" panose="020B0609020204030204" pitchFamily="49" charset="0"/>
+              </a:rPr>
+              <a:t>孙悟空</a:t>
+            </a:r>
+            <a:r>
+              <a:rPr kumimoji="0" lang="zh-CN" altLang="zh-CN" sz="1400" b="1" i="0" u="none" strike="noStrike" cap="none" normalizeH="0" baseline="0" dirty="0" smtClean="0">
+                <a:ln>
+                  <a:noFill/>
+                </a:ln>
+                <a:solidFill>
+                  <a:srgbClr val="008000"/>
+                </a:solidFill>
+                <a:effectLst/>
+                <a:latin typeface="Consolas" panose="020B0609020204030204" pitchFamily="49" charset="0"/>
+                <a:cs typeface="Consolas" panose="020B0609020204030204" pitchFamily="49" charset="0"/>
+              </a:rPr>
+              <a:t>"</a:t>
+            </a:r>
+            <a:r>
+              <a:rPr kumimoji="0" lang="zh-CN" altLang="zh-CN" sz="1400" b="0" i="0" u="none" strike="noStrike" cap="none" normalizeH="0" baseline="0" dirty="0" smtClean="0">
+                <a:ln>
+                  <a:noFill/>
+                </a:ln>
+                <a:solidFill>
+                  <a:srgbClr val="000000"/>
+                </a:solidFill>
+                <a:effectLst/>
+                <a:latin typeface="Consolas" panose="020B0609020204030204" pitchFamily="49" charset="0"/>
+                <a:cs typeface="Consolas" panose="020B0609020204030204" pitchFamily="49" charset="0"/>
+              </a:rPr>
+              <a:t>);</a:t>
+            </a:r>
+            <a:br>
+              <a:rPr kumimoji="0" lang="zh-CN" altLang="zh-CN" sz="1400" b="0" i="0" u="none" strike="noStrike" cap="none" normalizeH="0" baseline="0" dirty="0" smtClean="0">
+                <a:ln>
+                  <a:noFill/>
+                </a:ln>
+                <a:solidFill>
+                  <a:srgbClr val="000000"/>
+                </a:solidFill>
+                <a:effectLst/>
+                <a:latin typeface="Consolas" panose="020B0609020204030204" pitchFamily="49" charset="0"/>
+                <a:cs typeface="Consolas" panose="020B0609020204030204" pitchFamily="49" charset="0"/>
+              </a:rPr>
+            </a:br>
+            <a:r>
+              <a:rPr kumimoji="0" lang="zh-CN" altLang="zh-CN" sz="1400" b="0" i="0" u="none" strike="noStrike" cap="none" normalizeH="0" baseline="0" dirty="0" smtClean="0">
+                <a:ln>
+                  <a:noFill/>
+                </a:ln>
+                <a:solidFill>
+                  <a:srgbClr val="000000"/>
+                </a:solidFill>
+                <a:effectLst/>
+                <a:latin typeface="Consolas" panose="020B0609020204030204" pitchFamily="49" charset="0"/>
+                <a:cs typeface="Consolas" panose="020B0609020204030204" pitchFamily="49" charset="0"/>
+              </a:rPr>
+              <a:t>values.put(</a:t>
+            </a:r>
+            <a:r>
+              <a:rPr kumimoji="0" lang="zh-CN" altLang="zh-CN" sz="1400" b="1" i="0" u="none" strike="noStrike" cap="none" normalizeH="0" baseline="0" dirty="0" smtClean="0">
+                <a:ln>
+                  <a:noFill/>
+                </a:ln>
+                <a:solidFill>
+                  <a:srgbClr val="008000"/>
+                </a:solidFill>
+                <a:effectLst/>
+                <a:latin typeface="Consolas" panose="020B0609020204030204" pitchFamily="49" charset="0"/>
+                <a:cs typeface="Consolas" panose="020B0609020204030204" pitchFamily="49" charset="0"/>
+              </a:rPr>
+              <a:t>"age"</a:t>
+            </a:r>
+            <a:r>
+              <a:rPr kumimoji="0" lang="zh-CN" altLang="zh-CN" sz="1400" b="0" i="0" u="none" strike="noStrike" cap="none" normalizeH="0" baseline="0" dirty="0" smtClean="0">
+                <a:ln>
+                  <a:noFill/>
+                </a:ln>
+                <a:solidFill>
+                  <a:srgbClr val="000000"/>
+                </a:solidFill>
+                <a:effectLst/>
+                <a:latin typeface="Consolas" panose="020B0609020204030204" pitchFamily="49" charset="0"/>
+                <a:cs typeface="Consolas" panose="020B0609020204030204" pitchFamily="49" charset="0"/>
+              </a:rPr>
+              <a:t>,</a:t>
+            </a:r>
+            <a:r>
+              <a:rPr kumimoji="0" lang="zh-CN" altLang="zh-CN" sz="1400" b="0" i="0" u="none" strike="noStrike" cap="none" normalizeH="0" baseline="0" dirty="0" smtClean="0">
+                <a:ln>
+                  <a:noFill/>
+                </a:ln>
+                <a:solidFill>
+                  <a:srgbClr val="0000FF"/>
+                </a:solidFill>
+                <a:effectLst/>
+                <a:latin typeface="Consolas" panose="020B0609020204030204" pitchFamily="49" charset="0"/>
+                <a:cs typeface="Consolas" panose="020B0609020204030204" pitchFamily="49" charset="0"/>
+              </a:rPr>
+              <a:t>500</a:t>
+            </a:r>
+            <a:r>
+              <a:rPr kumimoji="0" lang="zh-CN" altLang="zh-CN" sz="1400" b="0" i="0" u="none" strike="noStrike" cap="none" normalizeH="0" baseline="0" dirty="0" smtClean="0">
+                <a:ln>
+                  <a:noFill/>
+                </a:ln>
+                <a:solidFill>
+                  <a:srgbClr val="000000"/>
+                </a:solidFill>
+                <a:effectLst/>
+                <a:latin typeface="Consolas" panose="020B0609020204030204" pitchFamily="49" charset="0"/>
+                <a:cs typeface="Consolas" panose="020B0609020204030204" pitchFamily="49" charset="0"/>
+              </a:rPr>
+              <a:t>);</a:t>
+            </a:r>
+            <a:br>
+              <a:rPr kumimoji="0" lang="zh-CN" altLang="zh-CN" sz="1400" b="0" i="0" u="none" strike="noStrike" cap="none" normalizeH="0" baseline="0" dirty="0" smtClean="0">
+                <a:ln>
+                  <a:noFill/>
+                </a:ln>
+                <a:solidFill>
+                  <a:srgbClr val="000000"/>
+                </a:solidFill>
+                <a:effectLst/>
+                <a:latin typeface="Consolas" panose="020B0609020204030204" pitchFamily="49" charset="0"/>
+                <a:cs typeface="Consolas" panose="020B0609020204030204" pitchFamily="49" charset="0"/>
+              </a:rPr>
+            </a:br>
+            <a:r>
+              <a:rPr kumimoji="0" lang="zh-CN" altLang="zh-CN" sz="1400" b="0" i="1" u="none" strike="noStrike" cap="none" normalizeH="0" baseline="0" dirty="0" smtClean="0">
+                <a:ln>
+                  <a:noFill/>
+                </a:ln>
+                <a:solidFill>
+                  <a:srgbClr val="808080"/>
+                </a:solidFill>
+                <a:effectLst/>
+                <a:latin typeface="Consolas" panose="020B0609020204030204" pitchFamily="49" charset="0"/>
+                <a:cs typeface="Consolas" panose="020B0609020204030204" pitchFamily="49" charset="0"/>
+              </a:rPr>
+              <a:t>//</a:t>
+            </a:r>
+            <a:r>
+              <a:rPr kumimoji="0" lang="zh-CN" sz="1400" b="0" i="1" u="none" strike="noStrike" cap="none" normalizeH="0" baseline="0" dirty="0" smtClean="0">
+                <a:ln>
+                  <a:noFill/>
+                </a:ln>
+                <a:solidFill>
+                  <a:srgbClr val="808080"/>
+                </a:solidFill>
+                <a:effectLst/>
+                <a:latin typeface="宋体" panose="02010600030101010101" pitchFamily="2" charset="-122"/>
+                <a:ea typeface="宋体" panose="02010600030101010101" pitchFamily="2" charset="-122"/>
+                <a:cs typeface="Consolas" panose="020B0609020204030204" pitchFamily="49" charset="0"/>
+              </a:rPr>
+              <a:t>返回新添记录的行号，该行号是一个内部值，与主键</a:t>
+            </a:r>
+            <a:r>
+              <a:rPr kumimoji="0" lang="zh-CN" altLang="zh-CN" sz="1400" b="0" i="1" u="none" strike="noStrike" cap="none" normalizeH="0" baseline="0" dirty="0" smtClean="0">
+                <a:ln>
+                  <a:noFill/>
+                </a:ln>
+                <a:solidFill>
+                  <a:srgbClr val="808080"/>
+                </a:solidFill>
+                <a:effectLst/>
+                <a:latin typeface="Consolas" panose="020B0609020204030204" pitchFamily="49" charset="0"/>
+                <a:cs typeface="Consolas" panose="020B0609020204030204" pitchFamily="49" charset="0"/>
+              </a:rPr>
+              <a:t>id</a:t>
+            </a:r>
+            <a:r>
+              <a:rPr kumimoji="0" lang="zh-CN" sz="1400" b="0" i="1" u="none" strike="noStrike" cap="none" normalizeH="0" baseline="0" dirty="0" smtClean="0">
+                <a:ln>
+                  <a:noFill/>
+                </a:ln>
+                <a:solidFill>
+                  <a:srgbClr val="808080"/>
+                </a:solidFill>
+                <a:effectLst/>
+                <a:latin typeface="宋体" panose="02010600030101010101" pitchFamily="2" charset="-122"/>
+                <a:ea typeface="宋体" panose="02010600030101010101" pitchFamily="2" charset="-122"/>
+                <a:cs typeface="Consolas" panose="020B0609020204030204" pitchFamily="49" charset="0"/>
+              </a:rPr>
+              <a:t>无关，发生错误返回</a:t>
+            </a:r>
+            <a:r>
+              <a:rPr kumimoji="0" lang="zh-CN" altLang="zh-CN" sz="1400" b="0" i="1" u="none" strike="noStrike" cap="none" normalizeH="0" baseline="0" dirty="0" smtClean="0">
+                <a:ln>
+                  <a:noFill/>
+                </a:ln>
+                <a:solidFill>
+                  <a:srgbClr val="808080"/>
+                </a:solidFill>
+                <a:effectLst/>
+                <a:latin typeface="Consolas" panose="020B0609020204030204" pitchFamily="49" charset="0"/>
+                <a:cs typeface="Consolas" panose="020B0609020204030204" pitchFamily="49" charset="0"/>
+              </a:rPr>
+              <a:t>-1</a:t>
+            </a:r>
+            <a:br>
+              <a:rPr kumimoji="0" lang="zh-CN" altLang="zh-CN" sz="1400" b="0" i="1" u="none" strike="noStrike" cap="none" normalizeH="0" baseline="0" dirty="0" smtClean="0">
+                <a:ln>
+                  <a:noFill/>
+                </a:ln>
+                <a:solidFill>
+                  <a:srgbClr val="808080"/>
+                </a:solidFill>
+                <a:effectLst/>
+                <a:latin typeface="Consolas" panose="020B0609020204030204" pitchFamily="49" charset="0"/>
+                <a:cs typeface="Consolas" panose="020B0609020204030204" pitchFamily="49" charset="0"/>
+              </a:rPr>
+            </a:br>
+            <a:r>
+              <a:rPr kumimoji="0" lang="zh-CN" altLang="zh-CN" sz="1400" b="1" i="0" u="none" strike="noStrike" cap="none" normalizeH="0" baseline="0" dirty="0" smtClean="0">
+                <a:ln>
+                  <a:noFill/>
+                </a:ln>
+                <a:solidFill>
+                  <a:srgbClr val="000080"/>
+                </a:solidFill>
+                <a:effectLst/>
+                <a:latin typeface="Consolas" panose="020B0609020204030204" pitchFamily="49" charset="0"/>
+                <a:cs typeface="Consolas" panose="020B0609020204030204" pitchFamily="49" charset="0"/>
+              </a:rPr>
+              <a:t>long </a:t>
+            </a:r>
+            <a:r>
+              <a:rPr kumimoji="0" lang="zh-CN" altLang="zh-CN" sz="1400" b="0" i="0" u="none" strike="noStrike" cap="none" normalizeH="0" baseline="0" dirty="0" smtClean="0">
+                <a:ln>
+                  <a:noFill/>
+                </a:ln>
+                <a:solidFill>
+                  <a:srgbClr val="000000"/>
+                </a:solidFill>
+                <a:effectLst/>
+                <a:latin typeface="Consolas" panose="020B0609020204030204" pitchFamily="49" charset="0"/>
+                <a:cs typeface="Consolas" panose="020B0609020204030204" pitchFamily="49" charset="0"/>
+              </a:rPr>
+              <a:t>rowid = db.insert(</a:t>
+            </a:r>
+            <a:r>
+              <a:rPr kumimoji="0" lang="zh-CN" altLang="zh-CN" sz="1400" b="1" i="0" u="none" strike="noStrike" cap="none" normalizeH="0" baseline="0" dirty="0" smtClean="0">
+                <a:ln>
+                  <a:noFill/>
+                </a:ln>
+                <a:solidFill>
+                  <a:srgbClr val="008000"/>
+                </a:solidFill>
+                <a:effectLst/>
+                <a:latin typeface="Consolas" panose="020B0609020204030204" pitchFamily="49" charset="0"/>
+                <a:cs typeface="Consolas" panose="020B0609020204030204" pitchFamily="49" charset="0"/>
+              </a:rPr>
+              <a:t>"person_inf"</a:t>
+            </a:r>
+            <a:r>
+              <a:rPr kumimoji="0" lang="zh-CN" altLang="zh-CN" sz="1400" b="0" i="0" u="none" strike="noStrike" cap="none" normalizeH="0" baseline="0" dirty="0" smtClean="0">
+                <a:ln>
+                  <a:noFill/>
+                </a:ln>
+                <a:solidFill>
+                  <a:srgbClr val="000000"/>
+                </a:solidFill>
+                <a:effectLst/>
+                <a:latin typeface="Consolas" panose="020B0609020204030204" pitchFamily="49" charset="0"/>
+                <a:cs typeface="Consolas" panose="020B0609020204030204" pitchFamily="49" charset="0"/>
+              </a:rPr>
+              <a:t>,</a:t>
+            </a:r>
+            <a:r>
+              <a:rPr kumimoji="0" lang="zh-CN" altLang="zh-CN" sz="1400" b="1" i="0" u="none" strike="noStrike" cap="none" normalizeH="0" baseline="0" dirty="0" smtClean="0">
+                <a:ln>
+                  <a:noFill/>
+                </a:ln>
+                <a:solidFill>
+                  <a:srgbClr val="000080"/>
+                </a:solidFill>
+                <a:effectLst/>
+                <a:latin typeface="Consolas" panose="020B0609020204030204" pitchFamily="49" charset="0"/>
+                <a:cs typeface="Consolas" panose="020B0609020204030204" pitchFamily="49" charset="0"/>
+              </a:rPr>
+              <a:t>null</a:t>
+            </a:r>
+            <a:r>
+              <a:rPr kumimoji="0" lang="zh-CN" altLang="zh-CN" sz="1400" b="0" i="0" u="none" strike="noStrike" cap="none" normalizeH="0" baseline="0" dirty="0" smtClean="0">
+                <a:ln>
+                  <a:noFill/>
+                </a:ln>
+                <a:solidFill>
+                  <a:srgbClr val="000000"/>
+                </a:solidFill>
+                <a:effectLst/>
+                <a:latin typeface="Consolas" panose="020B0609020204030204" pitchFamily="49" charset="0"/>
+                <a:cs typeface="Consolas" panose="020B0609020204030204" pitchFamily="49" charset="0"/>
+              </a:rPr>
+              <a:t>,values);</a:t>
+            </a:r>
+            <a:endParaRPr kumimoji="0" lang="zh-CN" altLang="zh-CN" sz="2000" b="0" i="0" u="none" strike="noStrike" cap="none" normalizeH="0" baseline="0" dirty="0" smtClean="0">
+              <a:ln>
+                <a:noFill/>
+              </a:ln>
+              <a:solidFill>
+                <a:schemeClr val="tx1"/>
+              </a:solidFill>
+              <a:effectLst/>
+              <a:latin typeface="Arial" panose="020B0604020202020204" pitchFamily="34" charset="0"/>
+            </a:endParaRPr>
+          </a:p>
+        </p:txBody>
+      </p:sp>
+    </p:spTree>
+    <p:extLst>
+      <p:ext uri="{BB962C8B-B14F-4D97-AF65-F5344CB8AC3E}">
+        <p14:creationId xmlns:p14="http://schemas.microsoft.com/office/powerpoint/2010/main" val="2767258824"/>
+      </p:ext>
+    </p:extLst>
+  </p:cSld>
+  <p:clrMapOvr>
+    <a:masterClrMapping/>
+  </p:clrMapOvr>
+  <p:timing>
+    <p:tnLst>
+      <p:par>
+        <p:cTn id="1" dur="indefinite" restart="never" nodeType="tmRoot"/>
+      </p:par>
+    </p:tnLst>
+  </p:timing>
+</p:sld>
+</file>
+
+<file path=ppt/slides/slide21.xml><?xml version="1.0" encoding="utf-8"?>
+<p:sld xmlns:a="http://schemas.openxmlformats.org/drawingml/2006/main" xmlns:r="http://schemas.openxmlformats.org/officeDocument/2006/relationships" xmlns:p="http://schemas.openxmlformats.org/presentationml/2006/main">
+  <p:cSld>
+    <p:spTree>
+      <p:nvGrpSpPr>
+        <p:cNvPr id="1" name=""/>
+        <p:cNvGrpSpPr/>
+        <p:nvPr/>
+      </p:nvGrpSpPr>
+      <p:grpSpPr>
+        <a:xfrm>
+          <a:off x="0" y="0"/>
+          <a:ext cx="0" cy="0"/>
+          <a:chOff x="0" y="0"/>
+          <a:chExt cx="0" cy="0"/>
+        </a:xfrm>
+      </p:grpSpPr>
+      <p:sp>
+        <p:nvSpPr>
+          <p:cNvPr id="11" name="文本框 3"/>
+          <p:cNvSpPr txBox="1">
+            <a:spLocks noChangeArrowheads="1"/>
+          </p:cNvSpPr>
+          <p:nvPr/>
+        </p:nvSpPr>
+        <p:spPr bwMode="auto">
+          <a:xfrm>
+            <a:off x="1082404" y="356358"/>
+            <a:ext cx="9945158" cy="830997"/>
+          </a:xfrm>
+          <a:prstGeom prst="rect">
+            <a:avLst/>
+          </a:prstGeom>
+          <a:noFill/>
+          <a:ln w="9525">
+            <a:noFill/>
+            <a:miter lim="800000"/>
+            <a:headEnd/>
+            <a:tailEnd/>
+          </a:ln>
+        </p:spPr>
+        <p:txBody>
+          <a:bodyPr wrap="none">
+            <a:spAutoFit/>
+          </a:bodyPr>
+          <a:lstStyle/>
+          <a:p>
+            <a:pPr algn="ctr"/>
+            <a:r>
+              <a:rPr lang="en-US" altLang="zh-CN" sz="4800" dirty="0" smtClean="0">
+                <a:solidFill>
+                  <a:schemeClr val="bg1"/>
+                </a:solidFill>
+                <a:latin typeface="Calibri" pitchFamily="34" charset="0"/>
+                <a:ea typeface="方正大黑简体" pitchFamily="2" charset="-122"/>
+              </a:rPr>
+              <a:t>8.3.5 </a:t>
+            </a:r>
+            <a:r>
+              <a:rPr lang="zh-CN" altLang="en-US" sz="4800" dirty="0" smtClean="0">
+                <a:solidFill>
+                  <a:schemeClr val="bg1"/>
+                </a:solidFill>
+                <a:latin typeface="Calibri" pitchFamily="34" charset="0"/>
+                <a:ea typeface="方正大黑简体" pitchFamily="2" charset="-122"/>
+              </a:rPr>
+              <a:t>使用特定方法操作</a:t>
+            </a:r>
+            <a:r>
+              <a:rPr lang="en-US" altLang="zh-CN" sz="4800" dirty="0" smtClean="0">
+                <a:solidFill>
+                  <a:schemeClr val="bg1"/>
+                </a:solidFill>
+                <a:latin typeface="Calibri" pitchFamily="34" charset="0"/>
+                <a:ea typeface="方正大黑简体" pitchFamily="2" charset="-122"/>
+              </a:rPr>
+              <a:t>SQLite</a:t>
+            </a:r>
+            <a:r>
+              <a:rPr lang="zh-CN" altLang="en-US" sz="4800" dirty="0" smtClean="0">
+                <a:solidFill>
+                  <a:schemeClr val="bg1"/>
+                </a:solidFill>
+                <a:latin typeface="Calibri" pitchFamily="34" charset="0"/>
+                <a:ea typeface="方正大黑简体" pitchFamily="2" charset="-122"/>
+              </a:rPr>
+              <a:t>数据库</a:t>
+            </a:r>
+            <a:endParaRPr lang="zh-CN" altLang="en-US" sz="4800" dirty="0">
+              <a:solidFill>
+                <a:schemeClr val="bg1"/>
+              </a:solidFill>
+              <a:latin typeface="Calibri" pitchFamily="34" charset="0"/>
+              <a:ea typeface="方正大黑简体" pitchFamily="2" charset="-122"/>
+            </a:endParaRPr>
+          </a:p>
+        </p:txBody>
+      </p:sp>
+      <p:cxnSp>
+        <p:nvCxnSpPr>
+          <p:cNvPr id="12" name="直接连接符 11"/>
+          <p:cNvCxnSpPr/>
+          <p:nvPr/>
+        </p:nvCxnSpPr>
+        <p:spPr>
+          <a:xfrm>
+            <a:off x="1087220" y="1187355"/>
+            <a:ext cx="9729788" cy="0"/>
+          </a:xfrm>
+          <a:prstGeom prst="line">
+            <a:avLst/>
+          </a:prstGeom>
+          <a:ln>
+            <a:solidFill>
+              <a:schemeClr val="bg1"/>
+            </a:solidFill>
+          </a:ln>
+        </p:spPr>
+        <p:style>
+          <a:lnRef idx="1">
+            <a:schemeClr val="accent1"/>
+          </a:lnRef>
+          <a:fillRef idx="0">
+            <a:schemeClr val="accent1"/>
+          </a:fillRef>
+          <a:effectRef idx="0">
+            <a:schemeClr val="accent1"/>
+          </a:effectRef>
+          <a:fontRef idx="minor">
+            <a:schemeClr val="tx1"/>
+          </a:fontRef>
+        </p:style>
+      </p:cxnSp>
+      <p:sp>
+        <p:nvSpPr>
           <p:cNvPr id="4" name="矩形 3"/>
           <p:cNvSpPr/>
           <p:nvPr/>
@@ -24195,7 +24312,7 @@
           <a:effectLst/>
           <a:extLst>
             <a:ext uri="{91240B29-F687-4f45-9708-019B960494DF}">
-              <a14:hiddenLine xmlns:a14="http://schemas.microsoft.com/office/drawing/2010/main" xmlns="" w="9525">
+              <a14:hiddenLine xmlns="" xmlns:a14="http://schemas.microsoft.com/office/drawing/2010/main" w="9525">
                 <a:solidFill>
                   <a:schemeClr val="tx1"/>
                 </a:solidFill>
@@ -24205,7 +24322,7 @@
               </a14:hiddenLine>
             </a:ext>
             <a:ext uri="{AF507438-7753-43e0-B8FC-AC1667EBCBE1}">
-              <a14:hiddenEffects xmlns:a14="http://schemas.microsoft.com/office/drawing/2010/main" xmlns="">
+              <a14:hiddenEffects xmlns="" xmlns:a14="http://schemas.microsoft.com/office/drawing/2010/main">
                 <a:effectLst>
                   <a:outerShdw dist="35921" dir="2700000" algn="ctr" rotWithShape="0">
                     <a:schemeClr val="bg2"/>
@@ -24752,7 +24869,7 @@
 </p:sld>
 </file>
 
-<file path=ppt/slides/slide21.xml><?xml version="1.0" encoding="utf-8"?>
+<file path=ppt/slides/slide22.xml><?xml version="1.0" encoding="utf-8"?>
 <p:sld xmlns:a="http://schemas.openxmlformats.org/drawingml/2006/main" xmlns:r="http://schemas.openxmlformats.org/officeDocument/2006/relationships" xmlns:p="http://schemas.openxmlformats.org/presentationml/2006/main">
   <p:cSld>
     <p:spTree>
@@ -25239,7 +25356,7 @@
           <a:effectLst/>
           <a:extLst>
             <a:ext uri="{91240B29-F687-4f45-9708-019B960494DF}">
-              <a14:hiddenLine xmlns:a14="http://schemas.microsoft.com/office/drawing/2010/main" xmlns="" w="9525">
+              <a14:hiddenLine xmlns="" xmlns:a14="http://schemas.microsoft.com/office/drawing/2010/main" w="9525">
                 <a:solidFill>
                   <a:schemeClr val="tx1"/>
                 </a:solidFill>
@@ -25249,7 +25366,7 @@
               </a14:hiddenLine>
             </a:ext>
             <a:ext uri="{AF507438-7753-43e0-B8FC-AC1667EBCBE1}">
-              <a14:hiddenEffects xmlns:a14="http://schemas.microsoft.com/office/drawing/2010/main" xmlns="">
+              <a14:hiddenEffects xmlns="" xmlns:a14="http://schemas.microsoft.com/office/drawing/2010/main">
                 <a:effectLst>
                   <a:outerShdw dist="35921" dir="2700000" algn="ctr" rotWithShape="0">
                     <a:schemeClr val="bg2"/>
@@ -25630,7 +25747,7 @@
 </p:sld>
 </file>
 
-<file path=ppt/slides/slide22.xml><?xml version="1.0" encoding="utf-8"?>
+<file path=ppt/slides/slide23.xml><?xml version="1.0" encoding="utf-8"?>
 <p:sld xmlns:a="http://schemas.openxmlformats.org/drawingml/2006/main" xmlns:r="http://schemas.openxmlformats.org/officeDocument/2006/relationships" xmlns:p="http://schemas.openxmlformats.org/presentationml/2006/main">
   <p:cSld>
     <p:spTree>
@@ -26351,7 +26468,7 @@
           <a:effectLst/>
           <a:extLst>
             <a:ext uri="{91240B29-F687-4f45-9708-019B960494DF}">
-              <a14:hiddenLine xmlns:a14="http://schemas.microsoft.com/office/drawing/2010/main" xmlns="" w="9525">
+              <a14:hiddenLine xmlns="" xmlns:a14="http://schemas.microsoft.com/office/drawing/2010/main" w="9525">
                 <a:solidFill>
                   <a:schemeClr val="tx1"/>
                 </a:solidFill>
@@ -26361,7 +26478,7 @@
               </a14:hiddenLine>
             </a:ext>
             <a:ext uri="{AF507438-7753-43e0-B8FC-AC1667EBCBE1}">
-              <a14:hiddenEffects xmlns:a14="http://schemas.microsoft.com/office/drawing/2010/main" xmlns="">
+              <a14:hiddenEffects xmlns="" xmlns:a14="http://schemas.microsoft.com/office/drawing/2010/main">
                 <a:effectLst>
                   <a:outerShdw dist="35921" dir="2700000" algn="ctr" rotWithShape="0">
                     <a:schemeClr val="bg2"/>
@@ -27159,7 +27276,7 @@
 </p:sld>
 </file>
 
-<file path=ppt/slides/slide23.xml><?xml version="1.0" encoding="utf-8"?>
+<file path=ppt/slides/slide24.xml><?xml version="1.0" encoding="utf-8"?>
 <p:sld xmlns:a="http://schemas.openxmlformats.org/drawingml/2006/main" xmlns:r="http://schemas.openxmlformats.org/officeDocument/2006/relationships" xmlns:p="http://schemas.openxmlformats.org/presentationml/2006/main">
   <p:cSld>
     <p:spTree>
@@ -27528,7 +27645,7 @@
           <a:effectLst/>
           <a:extLst>
             <a:ext uri="{91240B29-F687-4f45-9708-019B960494DF}">
-              <a14:hiddenLine xmlns:a14="http://schemas.microsoft.com/office/drawing/2010/main" xmlns="" w="9525">
+              <a14:hiddenLine xmlns="" xmlns:a14="http://schemas.microsoft.com/office/drawing/2010/main" w="9525">
                 <a:solidFill>
                   <a:schemeClr val="tx1"/>
                 </a:solidFill>
@@ -27538,7 +27655,7 @@
               </a14:hiddenLine>
             </a:ext>
             <a:ext uri="{AF507438-7753-43e0-B8FC-AC1667EBCBE1}">
-              <a14:hiddenEffects xmlns:a14="http://schemas.microsoft.com/office/drawing/2010/main" xmlns="">
+              <a14:hiddenEffects xmlns="" xmlns:a14="http://schemas.microsoft.com/office/drawing/2010/main">
                 <a:effectLst>
                   <a:outerShdw dist="35921" dir="2700000" algn="ctr" rotWithShape="0">
                     <a:schemeClr val="bg2"/>
@@ -28154,7 +28271,7 @@
 </p:sld>
 </file>
 
-<file path=ppt/slides/slide24.xml><?xml version="1.0" encoding="utf-8"?>
+<file path=ppt/slides/slide25.xml><?xml version="1.0" encoding="utf-8"?>
 <p:sld xmlns:a="http://schemas.openxmlformats.org/drawingml/2006/main" xmlns:r="http://schemas.openxmlformats.org/officeDocument/2006/relationships" xmlns:p="http://schemas.openxmlformats.org/presentationml/2006/main">
   <p:cSld>
     <p:spTree>
@@ -29046,7 +29163,7 @@
 </p:sld>
 </file>
 
-<file path=ppt/slides/slide25.xml><?xml version="1.0" encoding="utf-8"?>
+<file path=ppt/slides/slide26.xml><?xml version="1.0" encoding="utf-8"?>
 <p:sld xmlns:a="http://schemas.openxmlformats.org/drawingml/2006/main" xmlns:r="http://schemas.openxmlformats.org/officeDocument/2006/relationships" xmlns:p="http://schemas.openxmlformats.org/presentationml/2006/main">
   <p:cSld>
     <p:spTree>
@@ -29375,7 +29492,7 @@
 </p:sld>
 </file>
 
-<file path=ppt/slides/slide26.xml><?xml version="1.0" encoding="utf-8"?>
+<file path=ppt/slides/slide27.xml><?xml version="1.0" encoding="utf-8"?>
 <p:sld xmlns:a="http://schemas.openxmlformats.org/drawingml/2006/main" xmlns:r="http://schemas.openxmlformats.org/officeDocument/2006/relationships" xmlns:p="http://schemas.openxmlformats.org/presentationml/2006/main">
   <p:cSld>
     <p:spTree>
@@ -30128,7 +30245,7 @@
 </p:sld>
 </file>
 
-<file path=ppt/slides/slide27.xml><?xml version="1.0" encoding="utf-8"?>
+<file path=ppt/slides/slide28.xml><?xml version="1.0" encoding="utf-8"?>
 <p:sld xmlns:a="http://schemas.openxmlformats.org/drawingml/2006/main" xmlns:r="http://schemas.openxmlformats.org/officeDocument/2006/relationships" xmlns:p="http://schemas.openxmlformats.org/presentationml/2006/main">
   <p:cSld>
     <p:spTree>
@@ -30822,7 +30939,7 @@
 </p:sld>
 </file>
 
-<file path=ppt/slides/slide28.xml><?xml version="1.0" encoding="utf-8"?>
+<file path=ppt/slides/slide29.xml><?xml version="1.0" encoding="utf-8"?>
 <p:sld xmlns:a="http://schemas.openxmlformats.org/drawingml/2006/main" xmlns:r="http://schemas.openxmlformats.org/officeDocument/2006/relationships" xmlns:p="http://schemas.openxmlformats.org/presentationml/2006/main">
   <p:cSld>
     <p:spTree>
@@ -31757,7 +31874,330 @@
 </p:sld>
 </file>
 
-<file path=ppt/slides/slide29.xml><?xml version="1.0" encoding="utf-8"?>
+<file path=ppt/slides/slide3.xml><?xml version="1.0" encoding="utf-8"?>
+<p:sld xmlns:a="http://schemas.openxmlformats.org/drawingml/2006/main" xmlns:r="http://schemas.openxmlformats.org/officeDocument/2006/relationships" xmlns:p="http://schemas.openxmlformats.org/presentationml/2006/main">
+  <p:cSld>
+    <p:spTree>
+      <p:nvGrpSpPr>
+        <p:cNvPr id="1" name=""/>
+        <p:cNvGrpSpPr/>
+        <p:nvPr/>
+      </p:nvGrpSpPr>
+      <p:grpSpPr>
+        <a:xfrm>
+          <a:off x="0" y="0"/>
+          <a:ext cx="0" cy="0"/>
+          <a:chOff x="0" y="0"/>
+          <a:chExt cx="0" cy="0"/>
+        </a:xfrm>
+      </p:grpSpPr>
+      <p:sp>
+        <p:nvSpPr>
+          <p:cNvPr id="7" name="椭圆 6"/>
+          <p:cNvSpPr/>
+          <p:nvPr/>
+        </p:nvSpPr>
+        <p:spPr>
+          <a:xfrm>
+            <a:off x="4127500" y="550863"/>
+            <a:ext cx="3376613" cy="3375025"/>
+          </a:xfrm>
+          <a:prstGeom prst="ellipse">
+            <a:avLst/>
+          </a:prstGeom>
+          <a:noFill/>
+          <a:ln>
+            <a:solidFill>
+              <a:schemeClr val="bg1"/>
+            </a:solidFill>
+          </a:ln>
+        </p:spPr>
+        <p:style>
+          <a:lnRef idx="2">
+            <a:schemeClr val="accent1">
+              <a:shade val="50000"/>
+            </a:schemeClr>
+          </a:lnRef>
+          <a:fillRef idx="1">
+            <a:schemeClr val="accent1"/>
+          </a:fillRef>
+          <a:effectRef idx="0">
+            <a:schemeClr val="accent1"/>
+          </a:effectRef>
+          <a:fontRef idx="minor">
+            <a:schemeClr val="lt1"/>
+          </a:fontRef>
+        </p:style>
+        <p:txBody>
+          <a:bodyPr anchor="ctr"/>
+          <a:lstStyle/>
+          <a:p>
+            <a:pPr algn="ctr" fontAlgn="auto">
+              <a:spcBef>
+                <a:spcPts val="0"/>
+              </a:spcBef>
+              <a:spcAft>
+                <a:spcPts val="0"/>
+              </a:spcAft>
+              <a:defRPr/>
+            </a:pPr>
+            <a:r>
+              <a:rPr lang="en-US" altLang="zh-CN" sz="9600" dirty="0"/>
+              <a:t>8</a:t>
+            </a:r>
+            <a:r>
+              <a:rPr lang="en-US" altLang="zh-CN" sz="9600" dirty="0" smtClean="0"/>
+              <a:t>.1</a:t>
+            </a:r>
+            <a:endParaRPr lang="zh-CN" altLang="en-US" sz="9600" dirty="0"/>
+          </a:p>
+        </p:txBody>
+      </p:sp>
+      <p:sp>
+        <p:nvSpPr>
+          <p:cNvPr id="8" name="弦形 7"/>
+          <p:cNvSpPr/>
+          <p:nvPr/>
+        </p:nvSpPr>
+        <p:spPr>
+          <a:xfrm rot="17100000">
+            <a:off x="4106863" y="530225"/>
+            <a:ext cx="3417888" cy="3417887"/>
+          </a:xfrm>
+          <a:prstGeom prst="chord">
+            <a:avLst>
+              <a:gd name="adj1" fmla="val 8633478"/>
+              <a:gd name="adj2" fmla="val 16200000"/>
+            </a:avLst>
+          </a:prstGeom>
+          <a:solidFill>
+            <a:srgbClr val="FFFFFF">
+              <a:alpha val="40000"/>
+            </a:srgbClr>
+          </a:solidFill>
+          <a:ln>
+            <a:noFill/>
+          </a:ln>
+        </p:spPr>
+        <p:style>
+          <a:lnRef idx="2">
+            <a:schemeClr val="accent1">
+              <a:shade val="50000"/>
+            </a:schemeClr>
+          </a:lnRef>
+          <a:fillRef idx="1">
+            <a:schemeClr val="accent1"/>
+          </a:fillRef>
+          <a:effectRef idx="0">
+            <a:schemeClr val="accent1"/>
+          </a:effectRef>
+          <a:fontRef idx="minor">
+            <a:schemeClr val="lt1"/>
+          </a:fontRef>
+        </p:style>
+        <p:txBody>
+          <a:bodyPr anchor="ctr"/>
+          <a:lstStyle/>
+          <a:p>
+            <a:pPr algn="ctr" fontAlgn="auto">
+              <a:spcBef>
+                <a:spcPts val="0"/>
+              </a:spcBef>
+              <a:spcAft>
+                <a:spcPts val="0"/>
+              </a:spcAft>
+              <a:defRPr/>
+            </a:pPr>
+            <a:endParaRPr lang="zh-CN" altLang="en-US"/>
+          </a:p>
+        </p:txBody>
+      </p:sp>
+      <p:cxnSp>
+        <p:nvCxnSpPr>
+          <p:cNvPr id="10" name="直接连接符 9"/>
+          <p:cNvCxnSpPr/>
+          <p:nvPr/>
+        </p:nvCxnSpPr>
+        <p:spPr>
+          <a:xfrm>
+            <a:off x="3517900" y="1239838"/>
+            <a:ext cx="3595688" cy="3211512"/>
+          </a:xfrm>
+          <a:prstGeom prst="line">
+            <a:avLst/>
+          </a:prstGeom>
+          <a:ln>
+            <a:solidFill>
+              <a:srgbClr val="FE5A3E"/>
+            </a:solidFill>
+          </a:ln>
+        </p:spPr>
+        <p:style>
+          <a:lnRef idx="1">
+            <a:schemeClr val="accent1"/>
+          </a:lnRef>
+          <a:fillRef idx="0">
+            <a:schemeClr val="accent1"/>
+          </a:fillRef>
+          <a:effectRef idx="0">
+            <a:schemeClr val="accent1"/>
+          </a:effectRef>
+          <a:fontRef idx="minor">
+            <a:schemeClr val="tx1"/>
+          </a:fontRef>
+        </p:style>
+      </p:cxnSp>
+      <p:sp>
+        <p:nvSpPr>
+          <p:cNvPr id="29700" name="文本框 12"/>
+          <p:cNvSpPr txBox="1">
+            <a:spLocks noChangeArrowheads="1"/>
+          </p:cNvSpPr>
+          <p:nvPr/>
+        </p:nvSpPr>
+        <p:spPr bwMode="auto">
+          <a:xfrm>
+            <a:off x="2782303" y="4724826"/>
+            <a:ext cx="6647974" cy="830997"/>
+          </a:xfrm>
+          <a:prstGeom prst="rect">
+            <a:avLst/>
+          </a:prstGeom>
+          <a:noFill/>
+          <a:ln w="9525">
+            <a:noFill/>
+            <a:miter lim="800000"/>
+            <a:headEnd/>
+            <a:tailEnd/>
+          </a:ln>
+        </p:spPr>
+        <p:txBody>
+          <a:bodyPr wrap="none">
+            <a:spAutoFit/>
+          </a:bodyPr>
+          <a:lstStyle/>
+          <a:p>
+            <a:r>
+              <a:rPr lang="zh-CN" altLang="en-US" sz="4800" dirty="0" smtClean="0">
+                <a:solidFill>
+                  <a:schemeClr val="bg1"/>
+                </a:solidFill>
+                <a:latin typeface="方正大黑简体" pitchFamily="2" charset="-122"/>
+                <a:ea typeface="方正大黑简体" pitchFamily="2" charset="-122"/>
+              </a:rPr>
+              <a:t>使用</a:t>
+            </a:r>
+            <a:r>
+              <a:rPr lang="en-US" altLang="zh-CN" sz="4800" dirty="0" err="1" smtClean="0">
+                <a:solidFill>
+                  <a:schemeClr val="bg1"/>
+                </a:solidFill>
+                <a:latin typeface="方正大黑简体" pitchFamily="2" charset="-122"/>
+                <a:ea typeface="方正大黑简体" pitchFamily="2" charset="-122"/>
+              </a:rPr>
+              <a:t>SheredPreferences</a:t>
+            </a:r>
+            <a:endParaRPr lang="zh-CN" altLang="en-US" sz="4800" dirty="0">
+              <a:solidFill>
+                <a:schemeClr val="bg1"/>
+              </a:solidFill>
+              <a:latin typeface="方正大黑简体" pitchFamily="2" charset="-122"/>
+              <a:ea typeface="方正大黑简体" pitchFamily="2" charset="-122"/>
+            </a:endParaRPr>
+          </a:p>
+        </p:txBody>
+      </p:sp>
+      <p:cxnSp>
+        <p:nvCxnSpPr>
+          <p:cNvPr id="14" name="直接连接符 13"/>
+          <p:cNvCxnSpPr/>
+          <p:nvPr/>
+        </p:nvCxnSpPr>
+        <p:spPr>
+          <a:xfrm>
+            <a:off x="851128" y="5176838"/>
+            <a:ext cx="1767381" cy="0"/>
+          </a:xfrm>
+          <a:prstGeom prst="line">
+            <a:avLst/>
+          </a:prstGeom>
+          <a:ln>
+            <a:solidFill>
+              <a:schemeClr val="bg1"/>
+            </a:solidFill>
+          </a:ln>
+        </p:spPr>
+        <p:style>
+          <a:lnRef idx="1">
+            <a:schemeClr val="accent1"/>
+          </a:lnRef>
+          <a:fillRef idx="0">
+            <a:schemeClr val="accent1"/>
+          </a:fillRef>
+          <a:effectRef idx="0">
+            <a:schemeClr val="accent1"/>
+          </a:effectRef>
+          <a:fontRef idx="minor">
+            <a:schemeClr val="tx1"/>
+          </a:fontRef>
+        </p:style>
+      </p:cxnSp>
+      <p:cxnSp>
+        <p:nvCxnSpPr>
+          <p:cNvPr id="15" name="直接连接符 14"/>
+          <p:cNvCxnSpPr/>
+          <p:nvPr/>
+        </p:nvCxnSpPr>
+        <p:spPr>
+          <a:xfrm>
+            <a:off x="9286294" y="5176838"/>
+            <a:ext cx="1928594" cy="0"/>
+          </a:xfrm>
+          <a:prstGeom prst="line">
+            <a:avLst/>
+          </a:prstGeom>
+          <a:ln>
+            <a:solidFill>
+              <a:schemeClr val="bg1"/>
+            </a:solidFill>
+          </a:ln>
+        </p:spPr>
+        <p:style>
+          <a:lnRef idx="1">
+            <a:schemeClr val="accent1"/>
+          </a:lnRef>
+          <a:fillRef idx="0">
+            <a:schemeClr val="accent1"/>
+          </a:fillRef>
+          <a:effectRef idx="0">
+            <a:schemeClr val="accent1"/>
+          </a:effectRef>
+          <a:fontRef idx="minor">
+            <a:schemeClr val="tx1"/>
+          </a:fontRef>
+        </p:style>
+      </p:cxnSp>
+    </p:spTree>
+    <p:extLst>
+      <p:ext uri="{BB962C8B-B14F-4D97-AF65-F5344CB8AC3E}">
+        <p14:creationId xmlns:p14="http://schemas.microsoft.com/office/powerpoint/2010/main" val="1036237252"/>
+      </p:ext>
+    </p:extLst>
+  </p:cSld>
+  <p:clrMapOvr>
+    <a:masterClrMapping/>
+  </p:clrMapOvr>
+  <p:timing>
+    <p:tnLst>
+      <p:par>
+        <p:cTn id="1" dur="indefinite" restart="never" nodeType="tmRoot"/>
+      </p:par>
+    </p:tnLst>
+  </p:timing>
+</p:sld>
+</file>
+
+<file path=ppt/slides/slide30.xml><?xml version="1.0" encoding="utf-8"?>
 <p:sld xmlns:a="http://schemas.openxmlformats.org/drawingml/2006/main" xmlns:r="http://schemas.openxmlformats.org/officeDocument/2006/relationships" xmlns:p="http://schemas.openxmlformats.org/presentationml/2006/main">
   <p:cSld>
     <p:spTree>
@@ -32074,330 +32514,7 @@
 </p:sld>
 </file>
 
-<file path=ppt/slides/slide3.xml><?xml version="1.0" encoding="utf-8"?>
-<p:sld xmlns:a="http://schemas.openxmlformats.org/drawingml/2006/main" xmlns:r="http://schemas.openxmlformats.org/officeDocument/2006/relationships" xmlns:p="http://schemas.openxmlformats.org/presentationml/2006/main">
-  <p:cSld>
-    <p:spTree>
-      <p:nvGrpSpPr>
-        <p:cNvPr id="1" name=""/>
-        <p:cNvGrpSpPr/>
-        <p:nvPr/>
-      </p:nvGrpSpPr>
-      <p:grpSpPr>
-        <a:xfrm>
-          <a:off x="0" y="0"/>
-          <a:ext cx="0" cy="0"/>
-          <a:chOff x="0" y="0"/>
-          <a:chExt cx="0" cy="0"/>
-        </a:xfrm>
-      </p:grpSpPr>
-      <p:sp>
-        <p:nvSpPr>
-          <p:cNvPr id="7" name="椭圆 6"/>
-          <p:cNvSpPr/>
-          <p:nvPr/>
-        </p:nvSpPr>
-        <p:spPr>
-          <a:xfrm>
-            <a:off x="4127500" y="550863"/>
-            <a:ext cx="3376613" cy="3375025"/>
-          </a:xfrm>
-          <a:prstGeom prst="ellipse">
-            <a:avLst/>
-          </a:prstGeom>
-          <a:noFill/>
-          <a:ln>
-            <a:solidFill>
-              <a:schemeClr val="bg1"/>
-            </a:solidFill>
-          </a:ln>
-        </p:spPr>
-        <p:style>
-          <a:lnRef idx="2">
-            <a:schemeClr val="accent1">
-              <a:shade val="50000"/>
-            </a:schemeClr>
-          </a:lnRef>
-          <a:fillRef idx="1">
-            <a:schemeClr val="accent1"/>
-          </a:fillRef>
-          <a:effectRef idx="0">
-            <a:schemeClr val="accent1"/>
-          </a:effectRef>
-          <a:fontRef idx="minor">
-            <a:schemeClr val="lt1"/>
-          </a:fontRef>
-        </p:style>
-        <p:txBody>
-          <a:bodyPr anchor="ctr"/>
-          <a:lstStyle/>
-          <a:p>
-            <a:pPr algn="ctr" fontAlgn="auto">
-              <a:spcBef>
-                <a:spcPts val="0"/>
-              </a:spcBef>
-              <a:spcAft>
-                <a:spcPts val="0"/>
-              </a:spcAft>
-              <a:defRPr/>
-            </a:pPr>
-            <a:r>
-              <a:rPr lang="en-US" altLang="zh-CN" sz="9600" dirty="0"/>
-              <a:t>8</a:t>
-            </a:r>
-            <a:r>
-              <a:rPr lang="en-US" altLang="zh-CN" sz="9600" dirty="0" smtClean="0"/>
-              <a:t>.1</a:t>
-            </a:r>
-            <a:endParaRPr lang="zh-CN" altLang="en-US" sz="9600" dirty="0"/>
-          </a:p>
-        </p:txBody>
-      </p:sp>
-      <p:sp>
-        <p:nvSpPr>
-          <p:cNvPr id="8" name="弦形 7"/>
-          <p:cNvSpPr/>
-          <p:nvPr/>
-        </p:nvSpPr>
-        <p:spPr>
-          <a:xfrm rot="17100000">
-            <a:off x="4106863" y="530225"/>
-            <a:ext cx="3417888" cy="3417887"/>
-          </a:xfrm>
-          <a:prstGeom prst="chord">
-            <a:avLst>
-              <a:gd name="adj1" fmla="val 8633478"/>
-              <a:gd name="adj2" fmla="val 16200000"/>
-            </a:avLst>
-          </a:prstGeom>
-          <a:solidFill>
-            <a:srgbClr val="FFFFFF">
-              <a:alpha val="40000"/>
-            </a:srgbClr>
-          </a:solidFill>
-          <a:ln>
-            <a:noFill/>
-          </a:ln>
-        </p:spPr>
-        <p:style>
-          <a:lnRef idx="2">
-            <a:schemeClr val="accent1">
-              <a:shade val="50000"/>
-            </a:schemeClr>
-          </a:lnRef>
-          <a:fillRef idx="1">
-            <a:schemeClr val="accent1"/>
-          </a:fillRef>
-          <a:effectRef idx="0">
-            <a:schemeClr val="accent1"/>
-          </a:effectRef>
-          <a:fontRef idx="minor">
-            <a:schemeClr val="lt1"/>
-          </a:fontRef>
-        </p:style>
-        <p:txBody>
-          <a:bodyPr anchor="ctr"/>
-          <a:lstStyle/>
-          <a:p>
-            <a:pPr algn="ctr" fontAlgn="auto">
-              <a:spcBef>
-                <a:spcPts val="0"/>
-              </a:spcBef>
-              <a:spcAft>
-                <a:spcPts val="0"/>
-              </a:spcAft>
-              <a:defRPr/>
-            </a:pPr>
-            <a:endParaRPr lang="zh-CN" altLang="en-US"/>
-          </a:p>
-        </p:txBody>
-      </p:sp>
-      <p:cxnSp>
-        <p:nvCxnSpPr>
-          <p:cNvPr id="10" name="直接连接符 9"/>
-          <p:cNvCxnSpPr/>
-          <p:nvPr/>
-        </p:nvCxnSpPr>
-        <p:spPr>
-          <a:xfrm>
-            <a:off x="3517900" y="1239838"/>
-            <a:ext cx="3595688" cy="3211512"/>
-          </a:xfrm>
-          <a:prstGeom prst="line">
-            <a:avLst/>
-          </a:prstGeom>
-          <a:ln>
-            <a:solidFill>
-              <a:srgbClr val="FE5A3E"/>
-            </a:solidFill>
-          </a:ln>
-        </p:spPr>
-        <p:style>
-          <a:lnRef idx="1">
-            <a:schemeClr val="accent1"/>
-          </a:lnRef>
-          <a:fillRef idx="0">
-            <a:schemeClr val="accent1"/>
-          </a:fillRef>
-          <a:effectRef idx="0">
-            <a:schemeClr val="accent1"/>
-          </a:effectRef>
-          <a:fontRef idx="minor">
-            <a:schemeClr val="tx1"/>
-          </a:fontRef>
-        </p:style>
-      </p:cxnSp>
-      <p:sp>
-        <p:nvSpPr>
-          <p:cNvPr id="29700" name="文本框 12"/>
-          <p:cNvSpPr txBox="1">
-            <a:spLocks noChangeArrowheads="1"/>
-          </p:cNvSpPr>
-          <p:nvPr/>
-        </p:nvSpPr>
-        <p:spPr bwMode="auto">
-          <a:xfrm>
-            <a:off x="2782303" y="4724826"/>
-            <a:ext cx="6647974" cy="830997"/>
-          </a:xfrm>
-          <a:prstGeom prst="rect">
-            <a:avLst/>
-          </a:prstGeom>
-          <a:noFill/>
-          <a:ln w="9525">
-            <a:noFill/>
-            <a:miter lim="800000"/>
-            <a:headEnd/>
-            <a:tailEnd/>
-          </a:ln>
-        </p:spPr>
-        <p:txBody>
-          <a:bodyPr wrap="none">
-            <a:spAutoFit/>
-          </a:bodyPr>
-          <a:lstStyle/>
-          <a:p>
-            <a:r>
-              <a:rPr lang="zh-CN" altLang="en-US" sz="4800" dirty="0" smtClean="0">
-                <a:solidFill>
-                  <a:schemeClr val="bg1"/>
-                </a:solidFill>
-                <a:latin typeface="方正大黑简体" pitchFamily="2" charset="-122"/>
-                <a:ea typeface="方正大黑简体" pitchFamily="2" charset="-122"/>
-              </a:rPr>
-              <a:t>使用</a:t>
-            </a:r>
-            <a:r>
-              <a:rPr lang="en-US" altLang="zh-CN" sz="4800" dirty="0" err="1" smtClean="0">
-                <a:solidFill>
-                  <a:schemeClr val="bg1"/>
-                </a:solidFill>
-                <a:latin typeface="方正大黑简体" pitchFamily="2" charset="-122"/>
-                <a:ea typeface="方正大黑简体" pitchFamily="2" charset="-122"/>
-              </a:rPr>
-              <a:t>SheredPreferences</a:t>
-            </a:r>
-            <a:endParaRPr lang="zh-CN" altLang="en-US" sz="4800" dirty="0">
-              <a:solidFill>
-                <a:schemeClr val="bg1"/>
-              </a:solidFill>
-              <a:latin typeface="方正大黑简体" pitchFamily="2" charset="-122"/>
-              <a:ea typeface="方正大黑简体" pitchFamily="2" charset="-122"/>
-            </a:endParaRPr>
-          </a:p>
-        </p:txBody>
-      </p:sp>
-      <p:cxnSp>
-        <p:nvCxnSpPr>
-          <p:cNvPr id="14" name="直接连接符 13"/>
-          <p:cNvCxnSpPr/>
-          <p:nvPr/>
-        </p:nvCxnSpPr>
-        <p:spPr>
-          <a:xfrm>
-            <a:off x="851128" y="5176838"/>
-            <a:ext cx="1767381" cy="0"/>
-          </a:xfrm>
-          <a:prstGeom prst="line">
-            <a:avLst/>
-          </a:prstGeom>
-          <a:ln>
-            <a:solidFill>
-              <a:schemeClr val="bg1"/>
-            </a:solidFill>
-          </a:ln>
-        </p:spPr>
-        <p:style>
-          <a:lnRef idx="1">
-            <a:schemeClr val="accent1"/>
-          </a:lnRef>
-          <a:fillRef idx="0">
-            <a:schemeClr val="accent1"/>
-          </a:fillRef>
-          <a:effectRef idx="0">
-            <a:schemeClr val="accent1"/>
-          </a:effectRef>
-          <a:fontRef idx="minor">
-            <a:schemeClr val="tx1"/>
-          </a:fontRef>
-        </p:style>
-      </p:cxnSp>
-      <p:cxnSp>
-        <p:nvCxnSpPr>
-          <p:cNvPr id="15" name="直接连接符 14"/>
-          <p:cNvCxnSpPr/>
-          <p:nvPr/>
-        </p:nvCxnSpPr>
-        <p:spPr>
-          <a:xfrm>
-            <a:off x="9286294" y="5176838"/>
-            <a:ext cx="1928594" cy="0"/>
-          </a:xfrm>
-          <a:prstGeom prst="line">
-            <a:avLst/>
-          </a:prstGeom>
-          <a:ln>
-            <a:solidFill>
-              <a:schemeClr val="bg1"/>
-            </a:solidFill>
-          </a:ln>
-        </p:spPr>
-        <p:style>
-          <a:lnRef idx="1">
-            <a:schemeClr val="accent1"/>
-          </a:lnRef>
-          <a:fillRef idx="0">
-            <a:schemeClr val="accent1"/>
-          </a:fillRef>
-          <a:effectRef idx="0">
-            <a:schemeClr val="accent1"/>
-          </a:effectRef>
-          <a:fontRef idx="minor">
-            <a:schemeClr val="tx1"/>
-          </a:fontRef>
-        </p:style>
-      </p:cxnSp>
-    </p:spTree>
-    <p:extLst>
-      <p:ext uri="{BB962C8B-B14F-4D97-AF65-F5344CB8AC3E}">
-        <p14:creationId xmlns:p14="http://schemas.microsoft.com/office/powerpoint/2010/main" val="1036237252"/>
-      </p:ext>
-    </p:extLst>
-  </p:cSld>
-  <p:clrMapOvr>
-    <a:masterClrMapping/>
-  </p:clrMapOvr>
-  <p:timing>
-    <p:tnLst>
-      <p:par>
-        <p:cTn id="1" dur="indefinite" restart="never" nodeType="tmRoot"/>
-      </p:par>
-    </p:tnLst>
-  </p:timing>
-</p:sld>
-</file>
-
-<file path=ppt/slides/slide30.xml><?xml version="1.0" encoding="utf-8"?>
+<file path=ppt/slides/slide31.xml><?xml version="1.0" encoding="utf-8"?>
 <p:sld xmlns:a="http://schemas.openxmlformats.org/drawingml/2006/main" xmlns:r="http://schemas.openxmlformats.org/officeDocument/2006/relationships" xmlns:p="http://schemas.openxmlformats.org/presentationml/2006/main">
   <p:cSld>
     <p:spTree>
@@ -32951,7 +33068,7 @@
 </p:sld>
 </file>
 
-<file path=ppt/slides/slide31.xml><?xml version="1.0" encoding="utf-8"?>
+<file path=ppt/slides/slide32.xml><?xml version="1.0" encoding="utf-8"?>
 <p:sld xmlns:a="http://schemas.openxmlformats.org/drawingml/2006/main" xmlns:r="http://schemas.openxmlformats.org/officeDocument/2006/relationships" xmlns:p="http://schemas.openxmlformats.org/presentationml/2006/main">
   <p:cSld>
     <p:spTree>
@@ -33487,7 +33604,7 @@
 </p:sld>
 </file>
 
-<file path=ppt/slides/slide32.xml><?xml version="1.0" encoding="utf-8"?>
+<file path=ppt/slides/slide33.xml><?xml version="1.0" encoding="utf-8"?>
 <p:sld xmlns:a="http://schemas.openxmlformats.org/drawingml/2006/main" xmlns:r="http://schemas.openxmlformats.org/officeDocument/2006/relationships" xmlns:p="http://schemas.openxmlformats.org/presentationml/2006/main">
   <p:cSld>
     <p:spTree>
@@ -34357,7 +34474,7 @@
 </p:sld>
 </file>
 
-<file path=ppt/slides/slide33.xml><?xml version="1.0" encoding="utf-8"?>
+<file path=ppt/slides/slide34.xml><?xml version="1.0" encoding="utf-8"?>
 <p:sld xmlns:a="http://schemas.openxmlformats.org/drawingml/2006/main" xmlns:r="http://schemas.openxmlformats.org/officeDocument/2006/relationships" xmlns:p="http://schemas.openxmlformats.org/presentationml/2006/main">
   <p:cSld>
     <p:spTree>
@@ -34986,7 +35103,7 @@
 </p:sld>
 </file>
 
-<file path=ppt/slides/slide34.xml><?xml version="1.0" encoding="utf-8"?>
+<file path=ppt/slides/slide35.xml><?xml version="1.0" encoding="utf-8"?>
 <p:sld xmlns:a="http://schemas.openxmlformats.org/drawingml/2006/main" xmlns:r="http://schemas.openxmlformats.org/officeDocument/2006/relationships" xmlns:p="http://schemas.openxmlformats.org/presentationml/2006/main">
   <p:cSld>
     <p:spTree>
@@ -35295,7 +35412,7 @@
 </p:sld>
 </file>
 
-<file path=ppt/slides/slide35.xml><?xml version="1.0" encoding="utf-8"?>
+<file path=ppt/slides/slide36.xml><?xml version="1.0" encoding="utf-8"?>
 <p:sld xmlns:a="http://schemas.openxmlformats.org/drawingml/2006/main" xmlns:r="http://schemas.openxmlformats.org/officeDocument/2006/relationships" xmlns:p="http://schemas.openxmlformats.org/presentationml/2006/main">
   <p:cSld>
     <p:spTree>
@@ -36149,7 +36266,7 @@
 </p:sld>
 </file>
 
-<file path=ppt/slides/slide36.xml><?xml version="1.0" encoding="utf-8"?>
+<file path=ppt/slides/slide37.xml><?xml version="1.0" encoding="utf-8"?>
 <p:sld xmlns:a="http://schemas.openxmlformats.org/drawingml/2006/main" xmlns:r="http://schemas.openxmlformats.org/officeDocument/2006/relationships" xmlns:p="http://schemas.openxmlformats.org/presentationml/2006/main">
   <p:cSld>
     <p:spTree>
@@ -36927,7 +37044,7 @@
 </p:sld>
 </file>
 
-<file path=ppt/slides/slide37.xml><?xml version="1.0" encoding="utf-8"?>
+<file path=ppt/slides/slide38.xml><?xml version="1.0" encoding="utf-8"?>
 <p:sld xmlns:a="http://schemas.openxmlformats.org/drawingml/2006/main" xmlns:r="http://schemas.openxmlformats.org/officeDocument/2006/relationships" xmlns:p="http://schemas.openxmlformats.org/presentationml/2006/main">
   <p:cSld>
     <p:spTree>
@@ -40852,7 +40969,7 @@
           <a:effectLst/>
           <a:extLst>
             <a:ext uri="{91240B29-F687-4f45-9708-019B960494DF}">
-              <a14:hiddenLine xmlns:a14="http://schemas.microsoft.com/office/drawing/2010/main" xmlns="" w="9525">
+              <a14:hiddenLine xmlns="" xmlns:a14="http://schemas.microsoft.com/office/drawing/2010/main" w="9525">
                 <a:solidFill>
                   <a:schemeClr val="tx1"/>
                 </a:solidFill>
@@ -40862,7 +40979,7 @@
               </a14:hiddenLine>
             </a:ext>
             <a:ext uri="{AF507438-7753-43e0-B8FC-AC1667EBCBE1}">
-              <a14:hiddenEffects xmlns:a14="http://schemas.microsoft.com/office/drawing/2010/main" xmlns="">
+              <a14:hiddenEffects xmlns="" xmlns:a14="http://schemas.microsoft.com/office/drawing/2010/main">
                 <a:effectLst>
                   <a:outerShdw dist="35921" dir="2700000" algn="ctr" rotWithShape="0">
                     <a:schemeClr val="bg2"/>
@@ -41046,7 +41163,7 @@
           <a:effectLst/>
           <a:extLst>
             <a:ext uri="{91240B29-F687-4f45-9708-019B960494DF}">
-              <a14:hiddenLine xmlns:a14="http://schemas.microsoft.com/office/drawing/2010/main" xmlns="" w="9525">
+              <a14:hiddenLine xmlns="" xmlns:a14="http://schemas.microsoft.com/office/drawing/2010/main" w="9525">
                 <a:solidFill>
                   <a:schemeClr val="tx1"/>
                 </a:solidFill>
@@ -41056,7 +41173,7 @@
               </a14:hiddenLine>
             </a:ext>
             <a:ext uri="{AF507438-7753-43e0-B8FC-AC1667EBCBE1}">
-              <a14:hiddenEffects xmlns:a14="http://schemas.microsoft.com/office/drawing/2010/main" xmlns="">
+              <a14:hiddenEffects xmlns="" xmlns:a14="http://schemas.microsoft.com/office/drawing/2010/main">
                 <a:effectLst>
                   <a:outerShdw dist="35921" dir="2700000" algn="ctr" rotWithShape="0">
                     <a:schemeClr val="bg2"/>
@@ -41810,7 +41927,7 @@
           <a:effectLst/>
           <a:extLst>
             <a:ext uri="{91240B29-F687-4f45-9708-019B960494DF}">
-              <a14:hiddenLine xmlns:a14="http://schemas.microsoft.com/office/drawing/2010/main" xmlns="" w="9525">
+              <a14:hiddenLine xmlns="" xmlns:a14="http://schemas.microsoft.com/office/drawing/2010/main" w="9525">
                 <a:solidFill>
                   <a:schemeClr val="tx1"/>
                 </a:solidFill>
@@ -41820,7 +41937,7 @@
               </a14:hiddenLine>
             </a:ext>
             <a:ext uri="{AF507438-7753-43e0-B8FC-AC1667EBCBE1}">
-              <a14:hiddenEffects xmlns:a14="http://schemas.microsoft.com/office/drawing/2010/main" xmlns="">
+              <a14:hiddenEffects xmlns="" xmlns:a14="http://schemas.microsoft.com/office/drawing/2010/main">
                 <a:effectLst>
                   <a:outerShdw dist="35921" dir="2700000" algn="ctr" rotWithShape="0">
                     <a:schemeClr val="bg2"/>
